--- a/Apresentacao/D8 Imobiliaria.pptx
+++ b/Apresentacao/D8 Imobiliaria.pptx
@@ -20,21 +20,25 @@
     <p:sldId id="265" r:id="rId15"/>
     <p:sldId id="266" r:id="rId16"/>
     <p:sldId id="267" r:id="rId17"/>
+    <p:sldId id="268" r:id="rId18"/>
+    <p:sldId id="269" r:id="rId19"/>
+    <p:sldId id="270" r:id="rId20"/>
+    <p:sldId id="271" r:id="rId21"/>
   </p:sldIdLst>
   <p:sldSz cy="5143500" cx="9144000"/>
   <p:notesSz cx="6858000" cy="9144000"/>
   <p:embeddedFontLst>
     <p:embeddedFont>
       <p:font typeface="Montserrat"/>
-      <p:regular r:id="rId18"/>
-      <p:bold r:id="rId19"/>
-      <p:italic r:id="rId20"/>
-      <p:boldItalic r:id="rId21"/>
+      <p:regular r:id="rId22"/>
+      <p:bold r:id="rId23"/>
+      <p:italic r:id="rId24"/>
+      <p:boldItalic r:id="rId25"/>
     </p:embeddedFont>
     <p:embeddedFont>
       <p:font typeface="Oswald"/>
-      <p:regular r:id="rId22"/>
-      <p:bold r:id="rId23"/>
+      <p:regular r:id="rId26"/>
+      <p:bold r:id="rId27"/>
     </p:embeddedFont>
   </p:embeddedFontLst>
   <p:defaultTextStyle>
@@ -739,7 +743,7 @@
         <p:spPr>
           <a:xfrm>
             <a:off x="381300" y="685800"/>
-            <a:ext cx="6096075" cy="3429000"/>
+            <a:ext cx="6096000" cy="3429000"/>
           </a:xfrm>
           <a:custGeom>
             <a:rect b="b" l="l" r="r" t="t"/>
@@ -815,7 +819,7 @@
   <p:cSld>
     <p:spTree>
       <p:nvGrpSpPr>
-        <p:cNvPr id="122" name="Shape 122"/>
+        <p:cNvPr id="132" name="Shape 132"/>
         <p:cNvGrpSpPr/>
         <p:nvPr/>
       </p:nvGrpSpPr>
@@ -829,7 +833,7 @@
       </p:grpSpPr>
       <p:sp>
         <p:nvSpPr>
-          <p:cNvPr id="123" name="Google Shape;123;gb6f0e566a1_0_90:notes"/>
+          <p:cNvPr id="133" name="Google Shape;133;gb6f0e566a1_0_29:notes"/>
           <p:cNvSpPr/>
           <p:nvPr>
             <p:ph idx="2" type="sldImg"/>
@@ -864,7 +868,7 @@
       </p:sp>
       <p:sp>
         <p:nvSpPr>
-          <p:cNvPr id="124" name="Google Shape;124;gb6f0e566a1_0_90:notes"/>
+          <p:cNvPr id="134" name="Google Shape;134;gb6f0e566a1_0_29:notes"/>
           <p:cNvSpPr txBox="1"/>
           <p:nvPr>
             <p:ph idx="1" type="body"/>
@@ -914,7 +918,7 @@
   <p:cSld>
     <p:spTree>
       <p:nvGrpSpPr>
-        <p:cNvPr id="129" name="Shape 129"/>
+        <p:cNvPr id="138" name="Shape 138"/>
         <p:cNvGrpSpPr/>
         <p:nvPr/>
       </p:nvGrpSpPr>
@@ -928,7 +932,7 @@
       </p:grpSpPr>
       <p:sp>
         <p:nvSpPr>
-          <p:cNvPr id="130" name="Google Shape;130;gb6f0e566a1_0_98:notes"/>
+          <p:cNvPr id="139" name="Google Shape;139;gb6f0e566a1_0_66:notes"/>
           <p:cNvSpPr/>
           <p:nvPr>
             <p:ph idx="2" type="sldImg"/>
@@ -963,7 +967,7 @@
       </p:sp>
       <p:sp>
         <p:nvSpPr>
-          <p:cNvPr id="131" name="Google Shape;131;gb6f0e566a1_0_98:notes"/>
+          <p:cNvPr id="140" name="Google Shape;140;gb6f0e566a1_0_66:notes"/>
           <p:cNvSpPr txBox="1"/>
           <p:nvPr>
             <p:ph idx="1" type="body"/>
@@ -1013,7 +1017,7 @@
   <p:cSld>
     <p:spTree>
       <p:nvGrpSpPr>
-        <p:cNvPr id="135" name="Shape 135"/>
+        <p:cNvPr id="144" name="Shape 144"/>
         <p:cNvGrpSpPr/>
         <p:nvPr/>
       </p:nvGrpSpPr>
@@ -1027,7 +1031,7 @@
       </p:grpSpPr>
       <p:sp>
         <p:nvSpPr>
-          <p:cNvPr id="136" name="Google Shape;136;gb6f0e566a1_0_105:notes"/>
+          <p:cNvPr id="145" name="Google Shape;145;gb6f0e566a1_0_75:notes"/>
           <p:cNvSpPr/>
           <p:nvPr>
             <p:ph idx="2" type="sldImg"/>
@@ -1062,7 +1066,403 @@
       </p:sp>
       <p:sp>
         <p:nvSpPr>
-          <p:cNvPr id="137" name="Google Shape;137;gb6f0e566a1_0_105:notes"/>
+          <p:cNvPr id="146" name="Google Shape;146;gb6f0e566a1_0_75:notes"/>
+          <p:cNvSpPr txBox="1"/>
+          <p:nvPr>
+            <p:ph idx="1" type="body"/>
+          </p:nvPr>
+        </p:nvSpPr>
+        <p:spPr>
+          <a:xfrm>
+            <a:off x="685800" y="4343400"/>
+            <a:ext cx="5486400" cy="4114800"/>
+          </a:xfrm>
+          <a:prstGeom prst="rect">
+            <a:avLst/>
+          </a:prstGeom>
+        </p:spPr>
+        <p:txBody>
+          <a:bodyPr anchorCtr="0" anchor="t" bIns="91425" lIns="91425" spcFirstLastPara="1" rIns="91425" wrap="square" tIns="91425">
+            <a:noAutofit/>
+          </a:bodyPr>
+          <a:lstStyle/>
+          <a:p>
+            <a:pPr indent="0" lvl="0" marL="0" rtl="0" algn="l">
+              <a:spcBef>
+                <a:spcPts val="0"/>
+              </a:spcBef>
+              <a:spcAft>
+                <a:spcPts val="0"/>
+              </a:spcAft>
+              <a:buNone/>
+            </a:pPr>
+            <a:r>
+              <a:t/>
+            </a:r>
+            <a:endParaRPr/>
+          </a:p>
+        </p:txBody>
+      </p:sp>
+    </p:spTree>
+  </p:cSld>
+  <p:clrMapOvr>
+    <a:masterClrMapping/>
+  </p:clrMapOvr>
+</p:notes>
+</file>
+
+<file path=ppt/notesSlides/notesSlide13.xml><?xml version="1.0" encoding="utf-8"?>
+<p:notes xmlns:a="http://schemas.openxmlformats.org/drawingml/2006/main" xmlns:r="http://schemas.openxmlformats.org/officeDocument/2006/relationships" xmlns:mc="http://schemas.openxmlformats.org/markup-compatibility/2006" xmlns:mv="urn:schemas-microsoft-com:mac:vml" xmlns:p="http://schemas.openxmlformats.org/presentationml/2006/main" xmlns:c="http://schemas.openxmlformats.org/drawingml/2006/chart" xmlns:dgm="http://schemas.openxmlformats.org/drawingml/2006/diagram" xmlns:o="urn:schemas-microsoft-com:office:office" xmlns:v="urn:schemas-microsoft-com:vml" xmlns:pvml="urn:schemas-microsoft-com:office:powerpoint" xmlns:com="http://schemas.openxmlformats.org/drawingml/2006/compatibility" xmlns:p14="http://schemas.microsoft.com/office/powerpoint/2010/main" xmlns:p15="http://schemas.microsoft.com/office/powerpoint/2012/main" xmlns:ahyp="http://schemas.microsoft.com/office/drawing/2018/hyperlinkcolor" showMasterPhAnim="0" showMasterSp="0">
+  <p:cSld>
+    <p:spTree>
+      <p:nvGrpSpPr>
+        <p:cNvPr id="150" name="Shape 150"/>
+        <p:cNvGrpSpPr/>
+        <p:nvPr/>
+      </p:nvGrpSpPr>
+      <p:grpSpPr>
+        <a:xfrm>
+          <a:off x="0" y="0"/>
+          <a:ext cx="0" cy="0"/>
+          <a:chOff x="0" y="0"/>
+          <a:chExt cx="0" cy="0"/>
+        </a:xfrm>
+      </p:grpSpPr>
+      <p:sp>
+        <p:nvSpPr>
+          <p:cNvPr id="151" name="Google Shape;151;gb6f0e566a1_0_83:notes"/>
+          <p:cNvSpPr/>
+          <p:nvPr>
+            <p:ph idx="2" type="sldImg"/>
+          </p:nvPr>
+        </p:nvSpPr>
+        <p:spPr>
+          <a:xfrm>
+            <a:off x="381300" y="685800"/>
+            <a:ext cx="6096000" cy="3429000"/>
+          </a:xfrm>
+          <a:custGeom>
+            <a:rect b="b" l="l" r="r" t="t"/>
+            <a:pathLst>
+              <a:path extrusionOk="0" h="120000" w="120000">
+                <a:moveTo>
+                  <a:pt x="0" y="0"/>
+                </a:moveTo>
+                <a:lnTo>
+                  <a:pt x="120000" y="0"/>
+                </a:lnTo>
+                <a:lnTo>
+                  <a:pt x="120000" y="120000"/>
+                </a:lnTo>
+                <a:lnTo>
+                  <a:pt x="0" y="120000"/>
+                </a:lnTo>
+                <a:close/>
+              </a:path>
+            </a:pathLst>
+          </a:custGeom>
+        </p:spPr>
+      </p:sp>
+      <p:sp>
+        <p:nvSpPr>
+          <p:cNvPr id="152" name="Google Shape;152;gb6f0e566a1_0_83:notes"/>
+          <p:cNvSpPr txBox="1"/>
+          <p:nvPr>
+            <p:ph idx="1" type="body"/>
+          </p:nvPr>
+        </p:nvSpPr>
+        <p:spPr>
+          <a:xfrm>
+            <a:off x="685800" y="4343400"/>
+            <a:ext cx="5486400" cy="4114800"/>
+          </a:xfrm>
+          <a:prstGeom prst="rect">
+            <a:avLst/>
+          </a:prstGeom>
+        </p:spPr>
+        <p:txBody>
+          <a:bodyPr anchorCtr="0" anchor="t" bIns="91425" lIns="91425" spcFirstLastPara="1" rIns="91425" wrap="square" tIns="91425">
+            <a:noAutofit/>
+          </a:bodyPr>
+          <a:lstStyle/>
+          <a:p>
+            <a:pPr indent="0" lvl="0" marL="0" rtl="0" algn="l">
+              <a:spcBef>
+                <a:spcPts val="0"/>
+              </a:spcBef>
+              <a:spcAft>
+                <a:spcPts val="0"/>
+              </a:spcAft>
+              <a:buNone/>
+            </a:pPr>
+            <a:r>
+              <a:t/>
+            </a:r>
+            <a:endParaRPr/>
+          </a:p>
+        </p:txBody>
+      </p:sp>
+    </p:spTree>
+  </p:cSld>
+  <p:clrMapOvr>
+    <a:masterClrMapping/>
+  </p:clrMapOvr>
+</p:notes>
+</file>
+
+<file path=ppt/notesSlides/notesSlide14.xml><?xml version="1.0" encoding="utf-8"?>
+<p:notes xmlns:a="http://schemas.openxmlformats.org/drawingml/2006/main" xmlns:r="http://schemas.openxmlformats.org/officeDocument/2006/relationships" xmlns:mc="http://schemas.openxmlformats.org/markup-compatibility/2006" xmlns:mv="urn:schemas-microsoft-com:mac:vml" xmlns:p="http://schemas.openxmlformats.org/presentationml/2006/main" xmlns:c="http://schemas.openxmlformats.org/drawingml/2006/chart" xmlns:dgm="http://schemas.openxmlformats.org/drawingml/2006/diagram" xmlns:o="urn:schemas-microsoft-com:office:office" xmlns:v="urn:schemas-microsoft-com:vml" xmlns:pvml="urn:schemas-microsoft-com:office:powerpoint" xmlns:com="http://schemas.openxmlformats.org/drawingml/2006/compatibility" xmlns:p14="http://schemas.microsoft.com/office/powerpoint/2010/main" xmlns:p15="http://schemas.microsoft.com/office/powerpoint/2012/main" xmlns:ahyp="http://schemas.microsoft.com/office/drawing/2018/hyperlinkcolor" showMasterPhAnim="0" showMasterSp="0">
+  <p:cSld>
+    <p:spTree>
+      <p:nvGrpSpPr>
+        <p:cNvPr id="157" name="Shape 157"/>
+        <p:cNvGrpSpPr/>
+        <p:nvPr/>
+      </p:nvGrpSpPr>
+      <p:grpSpPr>
+        <a:xfrm>
+          <a:off x="0" y="0"/>
+          <a:ext cx="0" cy="0"/>
+          <a:chOff x="0" y="0"/>
+          <a:chExt cx="0" cy="0"/>
+        </a:xfrm>
+      </p:grpSpPr>
+      <p:sp>
+        <p:nvSpPr>
+          <p:cNvPr id="158" name="Google Shape;158;gb6f0e566a1_0_90:notes"/>
+          <p:cNvSpPr/>
+          <p:nvPr>
+            <p:ph idx="2" type="sldImg"/>
+          </p:nvPr>
+        </p:nvSpPr>
+        <p:spPr>
+          <a:xfrm>
+            <a:off x="381300" y="685800"/>
+            <a:ext cx="6096000" cy="3429000"/>
+          </a:xfrm>
+          <a:custGeom>
+            <a:rect b="b" l="l" r="r" t="t"/>
+            <a:pathLst>
+              <a:path extrusionOk="0" h="120000" w="120000">
+                <a:moveTo>
+                  <a:pt x="0" y="0"/>
+                </a:moveTo>
+                <a:lnTo>
+                  <a:pt x="120000" y="0"/>
+                </a:lnTo>
+                <a:lnTo>
+                  <a:pt x="120000" y="120000"/>
+                </a:lnTo>
+                <a:lnTo>
+                  <a:pt x="0" y="120000"/>
+                </a:lnTo>
+                <a:close/>
+              </a:path>
+            </a:pathLst>
+          </a:custGeom>
+        </p:spPr>
+      </p:sp>
+      <p:sp>
+        <p:nvSpPr>
+          <p:cNvPr id="159" name="Google Shape;159;gb6f0e566a1_0_90:notes"/>
+          <p:cNvSpPr txBox="1"/>
+          <p:nvPr>
+            <p:ph idx="1" type="body"/>
+          </p:nvPr>
+        </p:nvSpPr>
+        <p:spPr>
+          <a:xfrm>
+            <a:off x="685800" y="4343400"/>
+            <a:ext cx="5486400" cy="4114800"/>
+          </a:xfrm>
+          <a:prstGeom prst="rect">
+            <a:avLst/>
+          </a:prstGeom>
+        </p:spPr>
+        <p:txBody>
+          <a:bodyPr anchorCtr="0" anchor="t" bIns="91425" lIns="91425" spcFirstLastPara="1" rIns="91425" wrap="square" tIns="91425">
+            <a:noAutofit/>
+          </a:bodyPr>
+          <a:lstStyle/>
+          <a:p>
+            <a:pPr indent="0" lvl="0" marL="0" rtl="0" algn="l">
+              <a:spcBef>
+                <a:spcPts val="0"/>
+              </a:spcBef>
+              <a:spcAft>
+                <a:spcPts val="0"/>
+              </a:spcAft>
+              <a:buNone/>
+            </a:pPr>
+            <a:r>
+              <a:t/>
+            </a:r>
+            <a:endParaRPr/>
+          </a:p>
+        </p:txBody>
+      </p:sp>
+    </p:spTree>
+  </p:cSld>
+  <p:clrMapOvr>
+    <a:masterClrMapping/>
+  </p:clrMapOvr>
+</p:notes>
+</file>
+
+<file path=ppt/notesSlides/notesSlide15.xml><?xml version="1.0" encoding="utf-8"?>
+<p:notes xmlns:a="http://schemas.openxmlformats.org/drawingml/2006/main" xmlns:r="http://schemas.openxmlformats.org/officeDocument/2006/relationships" xmlns:mc="http://schemas.openxmlformats.org/markup-compatibility/2006" xmlns:mv="urn:schemas-microsoft-com:mac:vml" xmlns:p="http://schemas.openxmlformats.org/presentationml/2006/main" xmlns:c="http://schemas.openxmlformats.org/drawingml/2006/chart" xmlns:dgm="http://schemas.openxmlformats.org/drawingml/2006/diagram" xmlns:o="urn:schemas-microsoft-com:office:office" xmlns:v="urn:schemas-microsoft-com:vml" xmlns:pvml="urn:schemas-microsoft-com:office:powerpoint" xmlns:com="http://schemas.openxmlformats.org/drawingml/2006/compatibility" xmlns:p14="http://schemas.microsoft.com/office/powerpoint/2010/main" xmlns:p15="http://schemas.microsoft.com/office/powerpoint/2012/main" xmlns:ahyp="http://schemas.microsoft.com/office/drawing/2018/hyperlinkcolor" showMasterPhAnim="0" showMasterSp="0">
+  <p:cSld>
+    <p:spTree>
+      <p:nvGrpSpPr>
+        <p:cNvPr id="164" name="Shape 164"/>
+        <p:cNvGrpSpPr/>
+        <p:nvPr/>
+      </p:nvGrpSpPr>
+      <p:grpSpPr>
+        <a:xfrm>
+          <a:off x="0" y="0"/>
+          <a:ext cx="0" cy="0"/>
+          <a:chOff x="0" y="0"/>
+          <a:chExt cx="0" cy="0"/>
+        </a:xfrm>
+      </p:grpSpPr>
+      <p:sp>
+        <p:nvSpPr>
+          <p:cNvPr id="165" name="Google Shape;165;gb6f0e566a1_0_98:notes"/>
+          <p:cNvSpPr/>
+          <p:nvPr>
+            <p:ph idx="2" type="sldImg"/>
+          </p:nvPr>
+        </p:nvSpPr>
+        <p:spPr>
+          <a:xfrm>
+            <a:off x="381300" y="685800"/>
+            <a:ext cx="6096000" cy="3429000"/>
+          </a:xfrm>
+          <a:custGeom>
+            <a:rect b="b" l="l" r="r" t="t"/>
+            <a:pathLst>
+              <a:path extrusionOk="0" h="120000" w="120000">
+                <a:moveTo>
+                  <a:pt x="0" y="0"/>
+                </a:moveTo>
+                <a:lnTo>
+                  <a:pt x="120000" y="0"/>
+                </a:lnTo>
+                <a:lnTo>
+                  <a:pt x="120000" y="120000"/>
+                </a:lnTo>
+                <a:lnTo>
+                  <a:pt x="0" y="120000"/>
+                </a:lnTo>
+                <a:close/>
+              </a:path>
+            </a:pathLst>
+          </a:custGeom>
+        </p:spPr>
+      </p:sp>
+      <p:sp>
+        <p:nvSpPr>
+          <p:cNvPr id="166" name="Google Shape;166;gb6f0e566a1_0_98:notes"/>
+          <p:cNvSpPr txBox="1"/>
+          <p:nvPr>
+            <p:ph idx="1" type="body"/>
+          </p:nvPr>
+        </p:nvSpPr>
+        <p:spPr>
+          <a:xfrm>
+            <a:off x="685800" y="4343400"/>
+            <a:ext cx="5486400" cy="4114800"/>
+          </a:xfrm>
+          <a:prstGeom prst="rect">
+            <a:avLst/>
+          </a:prstGeom>
+        </p:spPr>
+        <p:txBody>
+          <a:bodyPr anchorCtr="0" anchor="t" bIns="91425" lIns="91425" spcFirstLastPara="1" rIns="91425" wrap="square" tIns="91425">
+            <a:noAutofit/>
+          </a:bodyPr>
+          <a:lstStyle/>
+          <a:p>
+            <a:pPr indent="0" lvl="0" marL="0" rtl="0" algn="l">
+              <a:spcBef>
+                <a:spcPts val="0"/>
+              </a:spcBef>
+              <a:spcAft>
+                <a:spcPts val="0"/>
+              </a:spcAft>
+              <a:buNone/>
+            </a:pPr>
+            <a:r>
+              <a:t/>
+            </a:r>
+            <a:endParaRPr/>
+          </a:p>
+        </p:txBody>
+      </p:sp>
+    </p:spTree>
+  </p:cSld>
+  <p:clrMapOvr>
+    <a:masterClrMapping/>
+  </p:clrMapOvr>
+</p:notes>
+</file>
+
+<file path=ppt/notesSlides/notesSlide16.xml><?xml version="1.0" encoding="utf-8"?>
+<p:notes xmlns:a="http://schemas.openxmlformats.org/drawingml/2006/main" xmlns:r="http://schemas.openxmlformats.org/officeDocument/2006/relationships" xmlns:mc="http://schemas.openxmlformats.org/markup-compatibility/2006" xmlns:mv="urn:schemas-microsoft-com:mac:vml" xmlns:p="http://schemas.openxmlformats.org/presentationml/2006/main" xmlns:c="http://schemas.openxmlformats.org/drawingml/2006/chart" xmlns:dgm="http://schemas.openxmlformats.org/drawingml/2006/diagram" xmlns:o="urn:schemas-microsoft-com:office:office" xmlns:v="urn:schemas-microsoft-com:vml" xmlns:pvml="urn:schemas-microsoft-com:office:powerpoint" xmlns:com="http://schemas.openxmlformats.org/drawingml/2006/compatibility" xmlns:p14="http://schemas.microsoft.com/office/powerpoint/2010/main" xmlns:p15="http://schemas.microsoft.com/office/powerpoint/2012/main" xmlns:ahyp="http://schemas.microsoft.com/office/drawing/2018/hyperlinkcolor" showMasterPhAnim="0" showMasterSp="0">
+  <p:cSld>
+    <p:spTree>
+      <p:nvGrpSpPr>
+        <p:cNvPr id="170" name="Shape 170"/>
+        <p:cNvGrpSpPr/>
+        <p:nvPr/>
+      </p:nvGrpSpPr>
+      <p:grpSpPr>
+        <a:xfrm>
+          <a:off x="0" y="0"/>
+          <a:ext cx="0" cy="0"/>
+          <a:chOff x="0" y="0"/>
+          <a:chExt cx="0" cy="0"/>
+        </a:xfrm>
+      </p:grpSpPr>
+      <p:sp>
+        <p:nvSpPr>
+          <p:cNvPr id="171" name="Google Shape;171;gb6f0e566a1_0_105:notes"/>
+          <p:cNvSpPr/>
+          <p:nvPr>
+            <p:ph idx="2" type="sldImg"/>
+          </p:nvPr>
+        </p:nvSpPr>
+        <p:spPr>
+          <a:xfrm>
+            <a:off x="381300" y="685800"/>
+            <a:ext cx="6096000" cy="3429000"/>
+          </a:xfrm>
+          <a:custGeom>
+            <a:rect b="b" l="l" r="r" t="t"/>
+            <a:pathLst>
+              <a:path extrusionOk="0" h="120000" w="120000">
+                <a:moveTo>
+                  <a:pt x="0" y="0"/>
+                </a:moveTo>
+                <a:lnTo>
+                  <a:pt x="120000" y="0"/>
+                </a:lnTo>
+                <a:lnTo>
+                  <a:pt x="120000" y="120000"/>
+                </a:lnTo>
+                <a:lnTo>
+                  <a:pt x="0" y="120000"/>
+                </a:lnTo>
+                <a:close/>
+              </a:path>
+            </a:pathLst>
+          </a:custGeom>
+        </p:spPr>
+      </p:sp>
+      <p:sp>
+        <p:nvSpPr>
+          <p:cNvPr id="172" name="Google Shape;172;gb6f0e566a1_0_105:notes"/>
           <p:cNvSpPr txBox="1"/>
           <p:nvPr>
             <p:ph idx="1" type="body"/>
@@ -1310,7 +1710,7 @@
   <p:cSld>
     <p:spTree>
       <p:nvGrpSpPr>
-        <p:cNvPr id="85" name="Shape 85"/>
+        <p:cNvPr id="86" name="Shape 86"/>
         <p:cNvGrpSpPr/>
         <p:nvPr/>
       </p:nvGrpSpPr>
@@ -1324,7 +1724,7 @@
       </p:grpSpPr>
       <p:sp>
         <p:nvSpPr>
-          <p:cNvPr id="86" name="Google Shape;86;gb6f0e566a1_0_9:notes"/>
+          <p:cNvPr id="87" name="Google Shape;87;gb6f38d1cee_0_17:notes"/>
           <p:cNvSpPr/>
           <p:nvPr>
             <p:ph idx="2" type="sldImg"/>
@@ -1359,7 +1759,7 @@
       </p:sp>
       <p:sp>
         <p:nvSpPr>
-          <p:cNvPr id="87" name="Google Shape;87;gb6f0e566a1_0_9:notes"/>
+          <p:cNvPr id="88" name="Google Shape;88;gb6f38d1cee_0_17:notes"/>
           <p:cNvSpPr txBox="1"/>
           <p:nvPr>
             <p:ph idx="1" type="body"/>
@@ -1409,7 +1809,7 @@
   <p:cSld>
     <p:spTree>
       <p:nvGrpSpPr>
-        <p:cNvPr id="91" name="Shape 91"/>
+        <p:cNvPr id="93" name="Shape 93"/>
         <p:cNvGrpSpPr/>
         <p:nvPr/>
       </p:nvGrpSpPr>
@@ -1423,7 +1823,7 @@
       </p:grpSpPr>
       <p:sp>
         <p:nvSpPr>
-          <p:cNvPr id="92" name="Google Shape;92;gb6f0e566a1_0_22:notes"/>
+          <p:cNvPr id="94" name="Google Shape;94;gb6f38d1cee_0_25:notes"/>
           <p:cNvSpPr/>
           <p:nvPr>
             <p:ph idx="2" type="sldImg"/>
@@ -1458,7 +1858,7 @@
       </p:sp>
       <p:sp>
         <p:nvSpPr>
-          <p:cNvPr id="93" name="Google Shape;93;gb6f0e566a1_0_22:notes"/>
+          <p:cNvPr id="95" name="Google Shape;95;gb6f38d1cee_0_25:notes"/>
           <p:cNvSpPr txBox="1"/>
           <p:nvPr>
             <p:ph idx="1" type="body"/>
@@ -1508,7 +1908,7 @@
   <p:cSld>
     <p:spTree>
       <p:nvGrpSpPr>
-        <p:cNvPr id="97" name="Shape 97"/>
+        <p:cNvPr id="100" name="Shape 100"/>
         <p:cNvGrpSpPr/>
         <p:nvPr/>
       </p:nvGrpSpPr>
@@ -1522,7 +1922,7 @@
       </p:grpSpPr>
       <p:sp>
         <p:nvSpPr>
-          <p:cNvPr id="98" name="Google Shape;98;gb6f0e566a1_0_29:notes"/>
+          <p:cNvPr id="101" name="Google Shape;101;gb6f38d1cee_0_7:notes"/>
           <p:cNvSpPr/>
           <p:nvPr>
             <p:ph idx="2" type="sldImg"/>
@@ -1557,7 +1957,7 @@
       </p:sp>
       <p:sp>
         <p:nvSpPr>
-          <p:cNvPr id="99" name="Google Shape;99;gb6f0e566a1_0_29:notes"/>
+          <p:cNvPr id="102" name="Google Shape;102;gb6f38d1cee_0_7:notes"/>
           <p:cNvSpPr txBox="1"/>
           <p:nvPr>
             <p:ph idx="1" type="body"/>
@@ -1607,7 +2007,7 @@
   <p:cSld>
     <p:spTree>
       <p:nvGrpSpPr>
-        <p:cNvPr id="103" name="Shape 103"/>
+        <p:cNvPr id="107" name="Shape 107"/>
         <p:cNvGrpSpPr/>
         <p:nvPr/>
       </p:nvGrpSpPr>
@@ -1621,7 +2021,7 @@
       </p:grpSpPr>
       <p:sp>
         <p:nvSpPr>
-          <p:cNvPr id="104" name="Google Shape;104;gb6f0e566a1_0_66:notes"/>
+          <p:cNvPr id="108" name="Google Shape;108;gb6f0e566a1_0_122:notes"/>
           <p:cNvSpPr/>
           <p:nvPr>
             <p:ph idx="2" type="sldImg"/>
@@ -1656,7 +2056,7 @@
       </p:sp>
       <p:sp>
         <p:nvSpPr>
-          <p:cNvPr id="105" name="Google Shape;105;gb6f0e566a1_0_66:notes"/>
+          <p:cNvPr id="109" name="Google Shape;109;gb6f0e566a1_0_122:notes"/>
           <p:cNvSpPr txBox="1"/>
           <p:nvPr>
             <p:ph idx="1" type="body"/>
@@ -1706,7 +2106,7 @@
   <p:cSld>
     <p:spTree>
       <p:nvGrpSpPr>
-        <p:cNvPr id="109" name="Shape 109"/>
+        <p:cNvPr id="114" name="Shape 114"/>
         <p:cNvGrpSpPr/>
         <p:nvPr/>
       </p:nvGrpSpPr>
@@ -1720,7 +2120,7 @@
       </p:grpSpPr>
       <p:sp>
         <p:nvSpPr>
-          <p:cNvPr id="110" name="Google Shape;110;gb6f0e566a1_0_75:notes"/>
+          <p:cNvPr id="115" name="Google Shape;115;gb6f0e566a1_0_9:notes"/>
           <p:cNvSpPr/>
           <p:nvPr>
             <p:ph idx="2" type="sldImg"/>
@@ -1755,7 +2155,7 @@
       </p:sp>
       <p:sp>
         <p:nvSpPr>
-          <p:cNvPr id="111" name="Google Shape;111;gb6f0e566a1_0_75:notes"/>
+          <p:cNvPr id="116" name="Google Shape;116;gb6f0e566a1_0_9:notes"/>
           <p:cNvSpPr txBox="1"/>
           <p:nvPr>
             <p:ph idx="1" type="body"/>
@@ -1805,7 +2205,7 @@
   <p:cSld>
     <p:spTree>
       <p:nvGrpSpPr>
-        <p:cNvPr id="115" name="Shape 115"/>
+        <p:cNvPr id="121" name="Shape 121"/>
         <p:cNvGrpSpPr/>
         <p:nvPr/>
       </p:nvGrpSpPr>
@@ -1819,7 +2219,7 @@
       </p:grpSpPr>
       <p:sp>
         <p:nvSpPr>
-          <p:cNvPr id="116" name="Google Shape;116;gb6f0e566a1_0_83:notes"/>
+          <p:cNvPr id="122" name="Google Shape;122;gb6f0e566a1_0_22:notes"/>
           <p:cNvSpPr/>
           <p:nvPr>
             <p:ph idx="2" type="sldImg"/>
@@ -1854,7 +2254,7 @@
       </p:sp>
       <p:sp>
         <p:nvSpPr>
-          <p:cNvPr id="117" name="Google Shape;117;gb6f0e566a1_0_83:notes"/>
+          <p:cNvPr id="123" name="Google Shape;123;gb6f0e566a1_0_22:notes"/>
           <p:cNvSpPr txBox="1"/>
           <p:nvPr>
             <p:ph idx="1" type="body"/>
@@ -6647,7 +7047,7 @@
               <a:buNone/>
             </a:pPr>
             <a:r>
-              <a:rPr lang="pt-PT" sz="4700">
+              <a:rPr lang="pt-PT" sz="4500">
                 <a:latin typeface="Oswald"/>
                 <a:ea typeface="Oswald"/>
                 <a:cs typeface="Oswald"/>
@@ -6655,7 +7055,7 @@
               </a:rPr>
               <a:t>Apresentação do projeto final de Base de Dados</a:t>
             </a:r>
-            <a:endParaRPr b="1" sz="4700">
+            <a:endParaRPr b="1" sz="4500">
               <a:latin typeface="Oswald"/>
               <a:ea typeface="Oswald"/>
               <a:cs typeface="Oswald"/>
@@ -6701,14 +7101,14 @@
               <a:buNone/>
             </a:pPr>
             <a:r>
-              <a:rPr i="1" lang="pt-PT" sz="2400">
+              <a:rPr lang="pt-PT" sz="2200">
                 <a:solidFill>
                   <a:schemeClr val="dk1"/>
                 </a:solidFill>
               </a:rPr>
               <a:t>P5G5</a:t>
             </a:r>
-            <a:endParaRPr i="1" sz="2400">
+            <a:endParaRPr sz="2200">
               <a:solidFill>
                 <a:schemeClr val="dk1"/>
               </a:solidFill>
@@ -6906,7 +7306,7 @@
   <p:cSld>
     <p:spTree>
       <p:nvGrpSpPr>
-        <p:cNvPr id="125" name="Shape 125"/>
+        <p:cNvPr id="135" name="Shape 135"/>
         <p:cNvGrpSpPr/>
         <p:nvPr/>
       </p:nvGrpSpPr>
@@ -6920,7 +7320,492 @@
       </p:grpSpPr>
       <p:sp>
         <p:nvSpPr>
-          <p:cNvPr id="126" name="Google Shape;126;p22"/>
+          <p:cNvPr id="136" name="Google Shape;136;p22"/>
+          <p:cNvSpPr/>
+          <p:nvPr/>
+        </p:nvSpPr>
+        <p:spPr>
+          <a:xfrm>
+            <a:off x="0" y="0"/>
+            <a:ext cx="725100" cy="5143500"/>
+          </a:xfrm>
+          <a:prstGeom prst="rect">
+            <a:avLst/>
+          </a:prstGeom>
+          <a:solidFill>
+            <a:schemeClr val="accent4"/>
+          </a:solidFill>
+          <a:ln cap="flat" cmpd="sng" w="9525">
+            <a:solidFill>
+              <a:schemeClr val="accent4"/>
+            </a:solidFill>
+            <a:prstDash val="solid"/>
+            <a:round/>
+            <a:headEnd len="sm" w="sm" type="none"/>
+            <a:tailEnd len="sm" w="sm" type="none"/>
+          </a:ln>
+        </p:spPr>
+        <p:txBody>
+          <a:bodyPr anchorCtr="0" anchor="ctr" bIns="91425" lIns="91425" spcFirstLastPara="1" rIns="91425" wrap="square" tIns="91425">
+            <a:noAutofit/>
+          </a:bodyPr>
+          <a:lstStyle/>
+          <a:p>
+            <a:pPr indent="0" lvl="0" marL="0" rtl="0" algn="l">
+              <a:spcBef>
+                <a:spcPts val="0"/>
+              </a:spcBef>
+              <a:spcAft>
+                <a:spcPts val="0"/>
+              </a:spcAft>
+              <a:buNone/>
+            </a:pPr>
+            <a:r>
+              <a:t/>
+            </a:r>
+            <a:endParaRPr/>
+          </a:p>
+        </p:txBody>
+      </p:sp>
+      <p:sp>
+        <p:nvSpPr>
+          <p:cNvPr id="137" name="Google Shape;137;p22"/>
+          <p:cNvSpPr txBox="1"/>
+          <p:nvPr>
+            <p:ph idx="1" type="subTitle"/>
+          </p:nvPr>
+        </p:nvSpPr>
+        <p:spPr>
+          <a:xfrm>
+            <a:off x="3242100" y="2078250"/>
+            <a:ext cx="2659800" cy="987000"/>
+          </a:xfrm>
+          <a:prstGeom prst="rect">
+            <a:avLst/>
+          </a:prstGeom>
+        </p:spPr>
+        <p:txBody>
+          <a:bodyPr anchorCtr="0" anchor="t" bIns="91425" lIns="91425" spcFirstLastPara="1" rIns="91425" wrap="square" tIns="91425">
+            <a:normAutofit/>
+          </a:bodyPr>
+          <a:lstStyle/>
+          <a:p>
+            <a:pPr indent="0" lvl="0" marL="0" rtl="0" algn="l">
+              <a:spcBef>
+                <a:spcPts val="0"/>
+              </a:spcBef>
+              <a:spcAft>
+                <a:spcPts val="0"/>
+              </a:spcAft>
+              <a:buNone/>
+            </a:pPr>
+            <a:r>
+              <a:rPr lang="pt-PT" sz="5200">
+                <a:solidFill>
+                  <a:schemeClr val="dk1"/>
+                </a:solidFill>
+                <a:latin typeface="Oswald"/>
+                <a:ea typeface="Oswald"/>
+                <a:cs typeface="Oswald"/>
+                <a:sym typeface="Oswald"/>
+              </a:rPr>
+              <a:t>Exemplos</a:t>
+            </a:r>
+            <a:endParaRPr sz="5200">
+              <a:solidFill>
+                <a:schemeClr val="dk1"/>
+              </a:solidFill>
+              <a:latin typeface="Oswald"/>
+              <a:ea typeface="Oswald"/>
+              <a:cs typeface="Oswald"/>
+              <a:sym typeface="Oswald"/>
+            </a:endParaRPr>
+          </a:p>
+        </p:txBody>
+      </p:sp>
+    </p:spTree>
+  </p:cSld>
+  <p:clrMapOvr>
+    <a:masterClrMapping/>
+  </p:clrMapOvr>
+</p:sld>
+</file>
+
+<file path=ppt/slides/slide11.xml><?xml version="1.0" encoding="utf-8"?>
+<p:sld xmlns:a="http://schemas.openxmlformats.org/drawingml/2006/main" xmlns:r="http://schemas.openxmlformats.org/officeDocument/2006/relationships" xmlns:mc="http://schemas.openxmlformats.org/markup-compatibility/2006" xmlns:mv="urn:schemas-microsoft-com:mac:vml" xmlns:p="http://schemas.openxmlformats.org/presentationml/2006/main" xmlns:c="http://schemas.openxmlformats.org/drawingml/2006/chart" xmlns:dgm="http://schemas.openxmlformats.org/drawingml/2006/diagram" xmlns:o="urn:schemas-microsoft-com:office:office" xmlns:v="urn:schemas-microsoft-com:vml" xmlns:pvml="urn:schemas-microsoft-com:office:powerpoint" xmlns:com="http://schemas.openxmlformats.org/drawingml/2006/compatibility" xmlns:p14="http://schemas.microsoft.com/office/powerpoint/2010/main" xmlns:p15="http://schemas.microsoft.com/office/powerpoint/2012/main" xmlns:ahyp="http://schemas.microsoft.com/office/drawing/2018/hyperlinkcolor">
+  <p:cSld>
+    <p:spTree>
+      <p:nvGrpSpPr>
+        <p:cNvPr id="141" name="Shape 141"/>
+        <p:cNvGrpSpPr/>
+        <p:nvPr/>
+      </p:nvGrpSpPr>
+      <p:grpSpPr>
+        <a:xfrm>
+          <a:off x="0" y="0"/>
+          <a:ext cx="0" cy="0"/>
+          <a:chOff x="0" y="0"/>
+          <a:chExt cx="0" cy="0"/>
+        </a:xfrm>
+      </p:grpSpPr>
+      <p:sp>
+        <p:nvSpPr>
+          <p:cNvPr id="142" name="Google Shape;142;p23"/>
+          <p:cNvSpPr txBox="1"/>
+          <p:nvPr>
+            <p:ph idx="1" type="subTitle"/>
+          </p:nvPr>
+        </p:nvSpPr>
+        <p:spPr>
+          <a:xfrm>
+            <a:off x="395050" y="171250"/>
+            <a:ext cx="3204000" cy="987000"/>
+          </a:xfrm>
+          <a:prstGeom prst="rect">
+            <a:avLst/>
+          </a:prstGeom>
+        </p:spPr>
+        <p:txBody>
+          <a:bodyPr anchorCtr="0" anchor="t" bIns="91425" lIns="91425" spcFirstLastPara="1" rIns="91425" wrap="square" tIns="91425">
+            <a:normAutofit fontScale="62500"/>
+          </a:bodyPr>
+          <a:lstStyle/>
+          <a:p>
+            <a:pPr indent="0" lvl="0" marL="0" rtl="0" algn="l">
+              <a:spcBef>
+                <a:spcPts val="0"/>
+              </a:spcBef>
+              <a:spcAft>
+                <a:spcPts val="0"/>
+              </a:spcAft>
+              <a:buNone/>
+            </a:pPr>
+            <a:r>
+              <a:rPr lang="pt-PT" sz="5200">
+                <a:solidFill>
+                  <a:schemeClr val="dk1"/>
+                </a:solidFill>
+                <a:latin typeface="Oswald"/>
+                <a:ea typeface="Oswald"/>
+                <a:cs typeface="Oswald"/>
+                <a:sym typeface="Oswald"/>
+              </a:rPr>
+              <a:t>Stored Procedures</a:t>
+            </a:r>
+            <a:endParaRPr sz="5200">
+              <a:solidFill>
+                <a:schemeClr val="dk1"/>
+              </a:solidFill>
+              <a:latin typeface="Oswald"/>
+              <a:ea typeface="Oswald"/>
+              <a:cs typeface="Oswald"/>
+              <a:sym typeface="Oswald"/>
+            </a:endParaRPr>
+          </a:p>
+        </p:txBody>
+      </p:sp>
+      <p:pic>
+        <p:nvPicPr>
+          <p:cNvPr id="143" name="Google Shape;143;p23"/>
+          <p:cNvPicPr preferRelativeResize="0"/>
+          <p:nvPr/>
+        </p:nvPicPr>
+        <p:blipFill>
+          <a:blip r:embed="rId3">
+            <a:alphaModFix/>
+          </a:blip>
+          <a:stretch>
+            <a:fillRect/>
+          </a:stretch>
+        </p:blipFill>
+        <p:spPr>
+          <a:xfrm>
+            <a:off x="1255126" y="1232225"/>
+            <a:ext cx="6633750" cy="3159226"/>
+          </a:xfrm>
+          <a:prstGeom prst="rect">
+            <a:avLst/>
+          </a:prstGeom>
+          <a:noFill/>
+          <a:ln>
+            <a:noFill/>
+          </a:ln>
+        </p:spPr>
+      </p:pic>
+    </p:spTree>
+  </p:cSld>
+  <p:clrMapOvr>
+    <a:masterClrMapping/>
+  </p:clrMapOvr>
+</p:sld>
+</file>
+
+<file path=ppt/slides/slide12.xml><?xml version="1.0" encoding="utf-8"?>
+<p:sld xmlns:a="http://schemas.openxmlformats.org/drawingml/2006/main" xmlns:r="http://schemas.openxmlformats.org/officeDocument/2006/relationships" xmlns:mc="http://schemas.openxmlformats.org/markup-compatibility/2006" xmlns:mv="urn:schemas-microsoft-com:mac:vml" xmlns:p="http://schemas.openxmlformats.org/presentationml/2006/main" xmlns:c="http://schemas.openxmlformats.org/drawingml/2006/chart" xmlns:dgm="http://schemas.openxmlformats.org/drawingml/2006/diagram" xmlns:o="urn:schemas-microsoft-com:office:office" xmlns:v="urn:schemas-microsoft-com:vml" xmlns:pvml="urn:schemas-microsoft-com:office:powerpoint" xmlns:com="http://schemas.openxmlformats.org/drawingml/2006/compatibility" xmlns:p14="http://schemas.microsoft.com/office/powerpoint/2010/main" xmlns:p15="http://schemas.microsoft.com/office/powerpoint/2012/main" xmlns:ahyp="http://schemas.microsoft.com/office/drawing/2018/hyperlinkcolor">
+  <p:cSld>
+    <p:spTree>
+      <p:nvGrpSpPr>
+        <p:cNvPr id="147" name="Shape 147"/>
+        <p:cNvGrpSpPr/>
+        <p:nvPr/>
+      </p:nvGrpSpPr>
+      <p:grpSpPr>
+        <a:xfrm>
+          <a:off x="0" y="0"/>
+          <a:ext cx="0" cy="0"/>
+          <a:chOff x="0" y="0"/>
+          <a:chExt cx="0" cy="0"/>
+        </a:xfrm>
+      </p:grpSpPr>
+      <p:sp>
+        <p:nvSpPr>
+          <p:cNvPr id="148" name="Google Shape;148;p24"/>
+          <p:cNvSpPr txBox="1"/>
+          <p:nvPr>
+            <p:ph idx="1" type="subTitle"/>
+          </p:nvPr>
+        </p:nvSpPr>
+        <p:spPr>
+          <a:xfrm>
+            <a:off x="395050" y="171250"/>
+            <a:ext cx="3204000" cy="987000"/>
+          </a:xfrm>
+          <a:prstGeom prst="rect">
+            <a:avLst/>
+          </a:prstGeom>
+        </p:spPr>
+        <p:txBody>
+          <a:bodyPr anchorCtr="0" anchor="t" bIns="91425" lIns="91425" spcFirstLastPara="1" rIns="91425" wrap="square" tIns="91425">
+            <a:normAutofit/>
+          </a:bodyPr>
+          <a:lstStyle/>
+          <a:p>
+            <a:pPr indent="0" lvl="0" marL="0" rtl="0" algn="l">
+              <a:spcBef>
+                <a:spcPts val="0"/>
+              </a:spcBef>
+              <a:spcAft>
+                <a:spcPts val="0"/>
+              </a:spcAft>
+              <a:buNone/>
+            </a:pPr>
+            <a:r>
+              <a:rPr lang="pt-PT" sz="3300">
+                <a:solidFill>
+                  <a:schemeClr val="dk1"/>
+                </a:solidFill>
+                <a:latin typeface="Oswald"/>
+                <a:ea typeface="Oswald"/>
+                <a:cs typeface="Oswald"/>
+                <a:sym typeface="Oswald"/>
+              </a:rPr>
+              <a:t>Triggers</a:t>
+            </a:r>
+            <a:endParaRPr sz="3300">
+              <a:solidFill>
+                <a:schemeClr val="dk1"/>
+              </a:solidFill>
+              <a:latin typeface="Oswald"/>
+              <a:ea typeface="Oswald"/>
+              <a:cs typeface="Oswald"/>
+              <a:sym typeface="Oswald"/>
+            </a:endParaRPr>
+          </a:p>
+        </p:txBody>
+      </p:sp>
+      <p:pic>
+        <p:nvPicPr>
+          <p:cNvPr id="149" name="Google Shape;149;p24"/>
+          <p:cNvPicPr preferRelativeResize="0"/>
+          <p:nvPr/>
+        </p:nvPicPr>
+        <p:blipFill>
+          <a:blip r:embed="rId3">
+            <a:alphaModFix/>
+          </a:blip>
+          <a:stretch>
+            <a:fillRect/>
+          </a:stretch>
+        </p:blipFill>
+        <p:spPr>
+          <a:xfrm>
+            <a:off x="357475" y="1421575"/>
+            <a:ext cx="8429050" cy="2300350"/>
+          </a:xfrm>
+          <a:prstGeom prst="rect">
+            <a:avLst/>
+          </a:prstGeom>
+          <a:noFill/>
+          <a:ln>
+            <a:noFill/>
+          </a:ln>
+        </p:spPr>
+      </p:pic>
+    </p:spTree>
+  </p:cSld>
+  <p:clrMapOvr>
+    <a:masterClrMapping/>
+  </p:clrMapOvr>
+</p:sld>
+</file>
+
+<file path=ppt/slides/slide13.xml><?xml version="1.0" encoding="utf-8"?>
+<p:sld xmlns:a="http://schemas.openxmlformats.org/drawingml/2006/main" xmlns:r="http://schemas.openxmlformats.org/officeDocument/2006/relationships" xmlns:mc="http://schemas.openxmlformats.org/markup-compatibility/2006" xmlns:mv="urn:schemas-microsoft-com:mac:vml" xmlns:p="http://schemas.openxmlformats.org/presentationml/2006/main" xmlns:c="http://schemas.openxmlformats.org/drawingml/2006/chart" xmlns:dgm="http://schemas.openxmlformats.org/drawingml/2006/diagram" xmlns:o="urn:schemas-microsoft-com:office:office" xmlns:v="urn:schemas-microsoft-com:vml" xmlns:pvml="urn:schemas-microsoft-com:office:powerpoint" xmlns:com="http://schemas.openxmlformats.org/drawingml/2006/compatibility" xmlns:p14="http://schemas.microsoft.com/office/powerpoint/2010/main" xmlns:p15="http://schemas.microsoft.com/office/powerpoint/2012/main" xmlns:ahyp="http://schemas.microsoft.com/office/drawing/2018/hyperlinkcolor">
+  <p:cSld>
+    <p:spTree>
+      <p:nvGrpSpPr>
+        <p:cNvPr id="153" name="Shape 153"/>
+        <p:cNvGrpSpPr/>
+        <p:nvPr/>
+      </p:nvGrpSpPr>
+      <p:grpSpPr>
+        <a:xfrm>
+          <a:off x="0" y="0"/>
+          <a:ext cx="0" cy="0"/>
+          <a:chOff x="0" y="0"/>
+          <a:chExt cx="0" cy="0"/>
+        </a:xfrm>
+      </p:grpSpPr>
+      <p:sp>
+        <p:nvSpPr>
+          <p:cNvPr id="154" name="Google Shape;154;p25"/>
+          <p:cNvSpPr txBox="1"/>
+          <p:nvPr>
+            <p:ph idx="1" type="subTitle"/>
+          </p:nvPr>
+        </p:nvSpPr>
+        <p:spPr>
+          <a:xfrm>
+            <a:off x="395050" y="171250"/>
+            <a:ext cx="3204000" cy="987000"/>
+          </a:xfrm>
+          <a:prstGeom prst="rect">
+            <a:avLst/>
+          </a:prstGeom>
+        </p:spPr>
+        <p:txBody>
+          <a:bodyPr anchorCtr="0" anchor="t" bIns="91425" lIns="91425" spcFirstLastPara="1" rIns="91425" wrap="square" tIns="91425">
+            <a:normAutofit/>
+          </a:bodyPr>
+          <a:lstStyle/>
+          <a:p>
+            <a:pPr indent="0" lvl="0" marL="0" rtl="0" algn="l">
+              <a:spcBef>
+                <a:spcPts val="0"/>
+              </a:spcBef>
+              <a:spcAft>
+                <a:spcPts val="0"/>
+              </a:spcAft>
+              <a:buNone/>
+            </a:pPr>
+            <a:r>
+              <a:rPr lang="pt-PT" sz="3300">
+                <a:solidFill>
+                  <a:schemeClr val="dk1"/>
+                </a:solidFill>
+                <a:latin typeface="Oswald"/>
+                <a:ea typeface="Oswald"/>
+                <a:cs typeface="Oswald"/>
+                <a:sym typeface="Oswald"/>
+              </a:rPr>
+              <a:t>Functions</a:t>
+            </a:r>
+            <a:endParaRPr sz="3300">
+              <a:solidFill>
+                <a:schemeClr val="dk1"/>
+              </a:solidFill>
+              <a:latin typeface="Oswald"/>
+              <a:ea typeface="Oswald"/>
+              <a:cs typeface="Oswald"/>
+              <a:sym typeface="Oswald"/>
+            </a:endParaRPr>
+          </a:p>
+        </p:txBody>
+      </p:sp>
+      <p:pic>
+        <p:nvPicPr>
+          <p:cNvPr id="155" name="Google Shape;155;p25"/>
+          <p:cNvPicPr preferRelativeResize="0"/>
+          <p:nvPr/>
+        </p:nvPicPr>
+        <p:blipFill>
+          <a:blip r:embed="rId3">
+            <a:alphaModFix/>
+          </a:blip>
+          <a:stretch>
+            <a:fillRect/>
+          </a:stretch>
+        </p:blipFill>
+        <p:spPr>
+          <a:xfrm>
+            <a:off x="395050" y="974900"/>
+            <a:ext cx="5143500" cy="1390650"/>
+          </a:xfrm>
+          <a:prstGeom prst="rect">
+            <a:avLst/>
+          </a:prstGeom>
+          <a:noFill/>
+          <a:ln>
+            <a:noFill/>
+          </a:ln>
+        </p:spPr>
+      </p:pic>
+      <p:pic>
+        <p:nvPicPr>
+          <p:cNvPr id="156" name="Google Shape;156;p25"/>
+          <p:cNvPicPr preferRelativeResize="0"/>
+          <p:nvPr/>
+        </p:nvPicPr>
+        <p:blipFill>
+          <a:blip r:embed="rId4">
+            <a:alphaModFix/>
+          </a:blip>
+          <a:stretch>
+            <a:fillRect/>
+          </a:stretch>
+        </p:blipFill>
+        <p:spPr>
+          <a:xfrm>
+            <a:off x="395050" y="2464225"/>
+            <a:ext cx="6648450" cy="2324100"/>
+          </a:xfrm>
+          <a:prstGeom prst="rect">
+            <a:avLst/>
+          </a:prstGeom>
+          <a:noFill/>
+          <a:ln>
+            <a:noFill/>
+          </a:ln>
+        </p:spPr>
+      </p:pic>
+    </p:spTree>
+  </p:cSld>
+  <p:clrMapOvr>
+    <a:masterClrMapping/>
+  </p:clrMapOvr>
+</p:sld>
+</file>
+
+<file path=ppt/slides/slide14.xml><?xml version="1.0" encoding="utf-8"?>
+<p:sld xmlns:a="http://schemas.openxmlformats.org/drawingml/2006/main" xmlns:r="http://schemas.openxmlformats.org/officeDocument/2006/relationships" xmlns:mc="http://schemas.openxmlformats.org/markup-compatibility/2006" xmlns:mv="urn:schemas-microsoft-com:mac:vml" xmlns:p="http://schemas.openxmlformats.org/presentationml/2006/main" xmlns:c="http://schemas.openxmlformats.org/drawingml/2006/chart" xmlns:dgm="http://schemas.openxmlformats.org/drawingml/2006/diagram" xmlns:o="urn:schemas-microsoft-com:office:office" xmlns:v="urn:schemas-microsoft-com:vml" xmlns:pvml="urn:schemas-microsoft-com:office:powerpoint" xmlns:com="http://schemas.openxmlformats.org/drawingml/2006/compatibility" xmlns:p14="http://schemas.microsoft.com/office/powerpoint/2010/main" xmlns:p15="http://schemas.microsoft.com/office/powerpoint/2012/main" xmlns:ahyp="http://schemas.microsoft.com/office/drawing/2018/hyperlinkcolor">
+  <p:cSld>
+    <p:spTree>
+      <p:nvGrpSpPr>
+        <p:cNvPr id="160" name="Shape 160"/>
+        <p:cNvGrpSpPr/>
+        <p:nvPr/>
+      </p:nvGrpSpPr>
+      <p:grpSpPr>
+        <a:xfrm>
+          <a:off x="0" y="0"/>
+          <a:ext cx="0" cy="0"/>
+          <a:chOff x="0" y="0"/>
+          <a:chExt cx="0" cy="0"/>
+        </a:xfrm>
+      </p:grpSpPr>
+      <p:sp>
+        <p:nvSpPr>
+          <p:cNvPr id="161" name="Google Shape;161;p26"/>
           <p:cNvSpPr txBox="1"/>
           <p:nvPr>
             <p:ph idx="1" type="subTitle"/>
@@ -6976,7 +7861,7 @@
       </p:sp>
       <p:pic>
         <p:nvPicPr>
-          <p:cNvPr id="127" name="Google Shape;127;p22"/>
+          <p:cNvPr id="162" name="Google Shape;162;p26"/>
           <p:cNvPicPr preferRelativeResize="0"/>
           <p:nvPr/>
         </p:nvPicPr>
@@ -7004,7 +7889,7 @@
       </p:pic>
       <p:pic>
         <p:nvPicPr>
-          <p:cNvPr id="128" name="Google Shape;128;p22"/>
+          <p:cNvPr id="163" name="Google Shape;163;p26"/>
           <p:cNvPicPr preferRelativeResize="0"/>
           <p:nvPr/>
         </p:nvPicPr>
@@ -7038,12 +7923,12 @@
 </p:sld>
 </file>
 
-<file path=ppt/slides/slide11.xml><?xml version="1.0" encoding="utf-8"?>
+<file path=ppt/slides/slide15.xml><?xml version="1.0" encoding="utf-8"?>
 <p:sld xmlns:a="http://schemas.openxmlformats.org/drawingml/2006/main" xmlns:r="http://schemas.openxmlformats.org/officeDocument/2006/relationships" xmlns:mc="http://schemas.openxmlformats.org/markup-compatibility/2006" xmlns:mv="urn:schemas-microsoft-com:mac:vml" xmlns:p="http://schemas.openxmlformats.org/presentationml/2006/main" xmlns:c="http://schemas.openxmlformats.org/drawingml/2006/chart" xmlns:dgm="http://schemas.openxmlformats.org/drawingml/2006/diagram" xmlns:o="urn:schemas-microsoft-com:office:office" xmlns:v="urn:schemas-microsoft-com:vml" xmlns:pvml="urn:schemas-microsoft-com:office:powerpoint" xmlns:com="http://schemas.openxmlformats.org/drawingml/2006/compatibility" xmlns:p14="http://schemas.microsoft.com/office/powerpoint/2010/main" xmlns:p15="http://schemas.microsoft.com/office/powerpoint/2012/main" xmlns:ahyp="http://schemas.microsoft.com/office/drawing/2018/hyperlinkcolor">
   <p:cSld>
     <p:spTree>
       <p:nvGrpSpPr>
-        <p:cNvPr id="132" name="Shape 132"/>
+        <p:cNvPr id="167" name="Shape 167"/>
         <p:cNvGrpSpPr/>
         <p:nvPr/>
       </p:nvGrpSpPr>
@@ -7057,7 +7942,7 @@
       </p:grpSpPr>
       <p:sp>
         <p:nvSpPr>
-          <p:cNvPr id="133" name="Google Shape;133;p23"/>
+          <p:cNvPr id="168" name="Google Shape;168;p27"/>
           <p:cNvSpPr txBox="1"/>
           <p:nvPr>
             <p:ph idx="1" type="subTitle"/>
@@ -7113,7 +7998,7 @@
       </p:sp>
       <p:pic>
         <p:nvPicPr>
-          <p:cNvPr id="134" name="Google Shape;134;p23"/>
+          <p:cNvPr id="169" name="Google Shape;169;p27"/>
           <p:cNvPicPr preferRelativeResize="0"/>
           <p:nvPr/>
         </p:nvPicPr>
@@ -7147,12 +8032,12 @@
 </p:sld>
 </file>
 
-<file path=ppt/slides/slide12.xml><?xml version="1.0" encoding="utf-8"?>
+<file path=ppt/slides/slide16.xml><?xml version="1.0" encoding="utf-8"?>
 <p:sld xmlns:a="http://schemas.openxmlformats.org/drawingml/2006/main" xmlns:r="http://schemas.openxmlformats.org/officeDocument/2006/relationships" xmlns:mc="http://schemas.openxmlformats.org/markup-compatibility/2006" xmlns:mv="urn:schemas-microsoft-com:mac:vml" xmlns:p="http://schemas.openxmlformats.org/presentationml/2006/main" xmlns:c="http://schemas.openxmlformats.org/drawingml/2006/chart" xmlns:dgm="http://schemas.openxmlformats.org/drawingml/2006/diagram" xmlns:o="urn:schemas-microsoft-com:office:office" xmlns:v="urn:schemas-microsoft-com:vml" xmlns:pvml="urn:schemas-microsoft-com:office:powerpoint" xmlns:com="http://schemas.openxmlformats.org/drawingml/2006/compatibility" xmlns:p14="http://schemas.microsoft.com/office/powerpoint/2010/main" xmlns:p15="http://schemas.microsoft.com/office/powerpoint/2012/main" xmlns:ahyp="http://schemas.microsoft.com/office/drawing/2018/hyperlinkcolor">
   <p:cSld>
     <p:spTree>
       <p:nvGrpSpPr>
-        <p:cNvPr id="138" name="Shape 138"/>
+        <p:cNvPr id="173" name="Shape 173"/>
         <p:cNvGrpSpPr/>
         <p:nvPr/>
       </p:nvGrpSpPr>
@@ -7166,7 +8051,7 @@
       </p:grpSpPr>
       <p:sp>
         <p:nvSpPr>
-          <p:cNvPr id="139" name="Google Shape;139;p24"/>
+          <p:cNvPr id="174" name="Google Shape;174;p28"/>
           <p:cNvSpPr txBox="1"/>
           <p:nvPr>
             <p:ph idx="1" type="subTitle"/>
@@ -7359,7 +8244,7 @@
         <p:spPr>
           <a:xfrm>
             <a:off x="1047500" y="1114650"/>
-            <a:ext cx="7533900" cy="2832300"/>
+            <a:ext cx="7533900" cy="2401200"/>
           </a:xfrm>
           <a:prstGeom prst="rect">
             <a:avLst/>
@@ -7386,7 +8271,7 @@
             </a:pPr>
             <a:r>
               <a:rPr lang="pt-PT"/>
-              <a:t>Este projeto baseou-se na criação de um sistema de dados de uma imobiliária, onde há a possibilidade de ser usada por agentes da imobiliária e também para utilizadores comprarem e venderem os seus imóveis.</a:t>
+              <a:t>Este projeto baseou-se na criação de um sistema de dados de uma imobiliária.</a:t>
             </a:r>
             <a:endParaRPr/>
           </a:p>
@@ -8204,7 +9089,7 @@
         <p:spPr>
           <a:xfrm>
             <a:off x="6604450" y="3263400"/>
-            <a:ext cx="1772700" cy="415500"/>
+            <a:ext cx="1683300" cy="646500"/>
           </a:xfrm>
           <a:prstGeom prst="rect">
             <a:avLst/>
@@ -8235,7 +9120,7 @@
                   <a:srgbClr val="1F1F1F"/>
                 </a:solidFill>
               </a:rPr>
-              <a:t>Comprar</a:t>
+              <a:t>Comprar/Vender</a:t>
             </a:r>
             <a:r>
               <a:rPr b="1" lang="pt-PT" sz="1500">
@@ -8253,175 +9138,9 @@
           </a:p>
         </p:txBody>
       </p:sp>
-    </p:spTree>
-  </p:cSld>
-  <p:clrMapOvr>
-    <a:masterClrMapping/>
-  </p:clrMapOvr>
-</p:sld>
-</file>
-
-<file path=ppt/slides/slide4.xml><?xml version="1.0" encoding="utf-8"?>
-<p:sld xmlns:a="http://schemas.openxmlformats.org/drawingml/2006/main" xmlns:r="http://schemas.openxmlformats.org/officeDocument/2006/relationships" xmlns:mc="http://schemas.openxmlformats.org/markup-compatibility/2006" xmlns:mv="urn:schemas-microsoft-com:mac:vml" xmlns:p="http://schemas.openxmlformats.org/presentationml/2006/main" xmlns:c="http://schemas.openxmlformats.org/drawingml/2006/chart" xmlns:dgm="http://schemas.openxmlformats.org/drawingml/2006/diagram" xmlns:o="urn:schemas-microsoft-com:office:office" xmlns:v="urn:schemas-microsoft-com:vml" xmlns:pvml="urn:schemas-microsoft-com:office:powerpoint" xmlns:com="http://schemas.openxmlformats.org/drawingml/2006/compatibility" xmlns:p14="http://schemas.microsoft.com/office/powerpoint/2010/main" xmlns:p15="http://schemas.microsoft.com/office/powerpoint/2012/main" xmlns:ahyp="http://schemas.microsoft.com/office/drawing/2018/hyperlinkcolor">
-  <p:cSld>
-    <p:spTree>
-      <p:nvGrpSpPr>
-        <p:cNvPr id="88" name="Shape 88"/>
-        <p:cNvGrpSpPr/>
-        <p:nvPr/>
-      </p:nvGrpSpPr>
-      <p:grpSpPr>
-        <a:xfrm>
-          <a:off x="0" y="0"/>
-          <a:ext cx="0" cy="0"/>
-          <a:chOff x="0" y="0"/>
-          <a:chExt cx="0" cy="0"/>
-        </a:xfrm>
-      </p:grpSpPr>
-      <p:pic>
-        <p:nvPicPr>
-          <p:cNvPr id="89" name="Google Shape;89;p16"/>
-          <p:cNvPicPr preferRelativeResize="0"/>
-          <p:nvPr/>
-        </p:nvPicPr>
-        <p:blipFill>
-          <a:blip r:embed="rId3">
-            <a:alphaModFix/>
-          </a:blip>
-          <a:stretch>
-            <a:fillRect/>
-          </a:stretch>
-        </p:blipFill>
-        <p:spPr>
-          <a:xfrm>
-            <a:off x="3617150" y="76200"/>
-            <a:ext cx="4926941" cy="4991100"/>
-          </a:xfrm>
-          <a:prstGeom prst="rect">
-            <a:avLst/>
-          </a:prstGeom>
-          <a:noFill/>
-          <a:ln>
-            <a:noFill/>
-          </a:ln>
-        </p:spPr>
-      </p:pic>
-      <p:sp>
-        <p:nvSpPr>
-          <p:cNvPr id="90" name="Google Shape;90;p16"/>
-          <p:cNvSpPr txBox="1"/>
-          <p:nvPr>
-            <p:ph idx="1" type="subTitle"/>
-          </p:nvPr>
-        </p:nvSpPr>
-        <p:spPr>
-          <a:xfrm>
-            <a:off x="295450" y="376000"/>
-            <a:ext cx="2847000" cy="1396800"/>
-          </a:xfrm>
-          <a:prstGeom prst="rect">
-            <a:avLst/>
-          </a:prstGeom>
-        </p:spPr>
-        <p:txBody>
-          <a:bodyPr anchorCtr="0" anchor="t" bIns="91425" lIns="91425" spcFirstLastPara="1" rIns="91425" wrap="square" tIns="91425">
-            <a:normAutofit/>
-          </a:bodyPr>
-          <a:lstStyle/>
-          <a:p>
-            <a:pPr indent="0" lvl="0" marL="0" rtl="0" algn="l">
-              <a:spcBef>
-                <a:spcPts val="0"/>
-              </a:spcBef>
-              <a:spcAft>
-                <a:spcPts val="0"/>
-              </a:spcAft>
-              <a:buNone/>
-            </a:pPr>
-            <a:r>
-              <a:rPr lang="pt-PT" sz="3900">
-                <a:solidFill>
-                  <a:schemeClr val="dk1"/>
-                </a:solidFill>
-                <a:latin typeface="Oswald"/>
-                <a:ea typeface="Oswald"/>
-                <a:cs typeface="Oswald"/>
-                <a:sym typeface="Oswald"/>
-              </a:rPr>
-              <a:t>Modelo</a:t>
-            </a:r>
-            <a:endParaRPr sz="3900">
-              <a:solidFill>
-                <a:schemeClr val="dk1"/>
-              </a:solidFill>
-              <a:latin typeface="Oswald"/>
-              <a:ea typeface="Oswald"/>
-              <a:cs typeface="Oswald"/>
-              <a:sym typeface="Oswald"/>
-            </a:endParaRPr>
-          </a:p>
-          <a:p>
-            <a:pPr indent="0" lvl="0" marL="0" rtl="0" algn="l">
-              <a:spcBef>
-                <a:spcPts val="0"/>
-              </a:spcBef>
-              <a:spcAft>
-                <a:spcPts val="0"/>
-              </a:spcAft>
-              <a:buNone/>
-            </a:pPr>
-            <a:r>
-              <a:rPr lang="pt-PT" sz="3900">
-                <a:solidFill>
-                  <a:schemeClr val="dk1"/>
-                </a:solidFill>
-                <a:latin typeface="Oswald"/>
-                <a:ea typeface="Oswald"/>
-                <a:cs typeface="Oswald"/>
-                <a:sym typeface="Oswald"/>
-              </a:rPr>
-              <a:t>Relacional</a:t>
-            </a:r>
-            <a:endParaRPr sz="3900">
-              <a:solidFill>
-                <a:schemeClr val="dk1"/>
-              </a:solidFill>
-              <a:latin typeface="Oswald"/>
-              <a:ea typeface="Oswald"/>
-              <a:cs typeface="Oswald"/>
-              <a:sym typeface="Oswald"/>
-            </a:endParaRPr>
-          </a:p>
-        </p:txBody>
-      </p:sp>
-    </p:spTree>
-  </p:cSld>
-  <p:clrMapOvr>
-    <a:masterClrMapping/>
-  </p:clrMapOvr>
-</p:sld>
-</file>
-
-<file path=ppt/slides/slide5.xml><?xml version="1.0" encoding="utf-8"?>
-<p:sld xmlns:a="http://schemas.openxmlformats.org/drawingml/2006/main" xmlns:r="http://schemas.openxmlformats.org/officeDocument/2006/relationships" xmlns:mc="http://schemas.openxmlformats.org/markup-compatibility/2006" xmlns:mv="urn:schemas-microsoft-com:mac:vml" xmlns:p="http://schemas.openxmlformats.org/presentationml/2006/main" xmlns:c="http://schemas.openxmlformats.org/drawingml/2006/chart" xmlns:dgm="http://schemas.openxmlformats.org/drawingml/2006/diagram" xmlns:o="urn:schemas-microsoft-com:office:office" xmlns:v="urn:schemas-microsoft-com:vml" xmlns:pvml="urn:schemas-microsoft-com:office:powerpoint" xmlns:com="http://schemas.openxmlformats.org/drawingml/2006/compatibility" xmlns:p14="http://schemas.microsoft.com/office/powerpoint/2010/main" xmlns:p15="http://schemas.microsoft.com/office/powerpoint/2012/main" xmlns:ahyp="http://schemas.microsoft.com/office/drawing/2018/hyperlinkcolor">
-  <p:cSld>
-    <p:spTree>
-      <p:nvGrpSpPr>
-        <p:cNvPr id="94" name="Shape 94"/>
-        <p:cNvGrpSpPr/>
-        <p:nvPr/>
-      </p:nvGrpSpPr>
-      <p:grpSpPr>
-        <a:xfrm>
-          <a:off x="0" y="0"/>
-          <a:ext cx="0" cy="0"/>
-          <a:chOff x="0" y="0"/>
-          <a:chExt cx="0" cy="0"/>
-        </a:xfrm>
-      </p:grpSpPr>
-      <p:sp>
-        <p:nvSpPr>
-          <p:cNvPr id="95" name="Google Shape;95;p17"/>
+      <p:sp>
+        <p:nvSpPr>
+          <p:cNvPr id="85" name="Google Shape;85;p15"/>
           <p:cNvSpPr/>
           <p:nvPr/>
         </p:nvSpPr>
@@ -8468,34 +9187,6 @@
           </a:p>
         </p:txBody>
       </p:sp>
-      <p:pic>
-        <p:nvPicPr>
-          <p:cNvPr id="96" name="Google Shape;96;p17" title="Points scored"/>
-          <p:cNvPicPr preferRelativeResize="0"/>
-          <p:nvPr/>
-        </p:nvPicPr>
-        <p:blipFill>
-          <a:blip r:embed="rId3">
-            <a:alphaModFix/>
-          </a:blip>
-          <a:stretch>
-            <a:fillRect/>
-          </a:stretch>
-        </p:blipFill>
-        <p:spPr>
-          <a:xfrm>
-            <a:off x="877500" y="152400"/>
-            <a:ext cx="7825389" cy="4838699"/>
-          </a:xfrm>
-          <a:prstGeom prst="rect">
-            <a:avLst/>
-          </a:prstGeom>
-          <a:noFill/>
-          <a:ln>
-            <a:noFill/>
-          </a:ln>
-        </p:spPr>
-      </p:pic>
     </p:spTree>
   </p:cSld>
   <p:clrMapOvr>
@@ -8504,12 +9195,12 @@
 </p:sld>
 </file>
 
-<file path=ppt/slides/slide6.xml><?xml version="1.0" encoding="utf-8"?>
+<file path=ppt/slides/slide4.xml><?xml version="1.0" encoding="utf-8"?>
 <p:sld xmlns:a="http://schemas.openxmlformats.org/drawingml/2006/main" xmlns:r="http://schemas.openxmlformats.org/officeDocument/2006/relationships" xmlns:mc="http://schemas.openxmlformats.org/markup-compatibility/2006" xmlns:mv="urn:schemas-microsoft-com:mac:vml" xmlns:p="http://schemas.openxmlformats.org/presentationml/2006/main" xmlns:c="http://schemas.openxmlformats.org/drawingml/2006/chart" xmlns:dgm="http://schemas.openxmlformats.org/drawingml/2006/diagram" xmlns:o="urn:schemas-microsoft-com:office:office" xmlns:v="urn:schemas-microsoft-com:vml" xmlns:pvml="urn:schemas-microsoft-com:office:powerpoint" xmlns:com="http://schemas.openxmlformats.org/drawingml/2006/compatibility" xmlns:p14="http://schemas.microsoft.com/office/powerpoint/2010/main" xmlns:p15="http://schemas.microsoft.com/office/powerpoint/2012/main" xmlns:ahyp="http://schemas.microsoft.com/office/drawing/2018/hyperlinkcolor">
   <p:cSld>
     <p:spTree>
       <p:nvGrpSpPr>
-        <p:cNvPr id="100" name="Shape 100"/>
+        <p:cNvPr id="89" name="Shape 89"/>
         <p:cNvGrpSpPr/>
         <p:nvPr/>
       </p:nvGrpSpPr>
@@ -8523,7 +9214,7 @@
       </p:grpSpPr>
       <p:sp>
         <p:nvSpPr>
-          <p:cNvPr id="101" name="Google Shape;101;p18"/>
+          <p:cNvPr id="90" name="Google Shape;90;p16"/>
           <p:cNvSpPr/>
           <p:nvPr/>
         </p:nvSpPr>
@@ -8572,7 +9263,7 @@
       </p:sp>
       <p:sp>
         <p:nvSpPr>
-          <p:cNvPr id="102" name="Google Shape;102;p18"/>
+          <p:cNvPr id="91" name="Google Shape;91;p16"/>
           <p:cNvSpPr txBox="1"/>
           <p:nvPr>
             <p:ph idx="1" type="subTitle"/>
@@ -8580,8 +9271,8 @@
         </p:nvSpPr>
         <p:spPr>
           <a:xfrm>
-            <a:off x="3242100" y="2078250"/>
-            <a:ext cx="2659800" cy="987000"/>
+            <a:off x="953500" y="402875"/>
+            <a:ext cx="7046400" cy="671400"/>
           </a:xfrm>
           <a:prstGeom prst="rect">
             <a:avLst/>
@@ -8589,7 +9280,7 @@
         </p:spPr>
         <p:txBody>
           <a:bodyPr anchorCtr="0" anchor="t" bIns="91425" lIns="91425" spcFirstLastPara="1" rIns="91425" wrap="square" tIns="91425">
-            <a:normAutofit/>
+            <a:normAutofit lnSpcReduction="10000"/>
           </a:bodyPr>
           <a:lstStyle/>
           <a:p>
@@ -8603,7 +9294,7 @@
               <a:buNone/>
             </a:pPr>
             <a:r>
-              <a:rPr lang="pt-PT" sz="5200">
+              <a:rPr lang="pt-PT" sz="3400">
                 <a:solidFill>
                   <a:schemeClr val="dk1"/>
                 </a:solidFill>
@@ -8612,9 +9303,9 @@
                 <a:cs typeface="Oswald"/>
                 <a:sym typeface="Oswald"/>
               </a:rPr>
-              <a:t>Exemplos</a:t>
+              <a:t>Interface Venda</a:t>
             </a:r>
-            <a:endParaRPr sz="5200">
+            <a:endParaRPr sz="3400">
               <a:solidFill>
                 <a:schemeClr val="dk1"/>
               </a:solidFill>
@@ -8626,6 +9317,350 @@
           </a:p>
         </p:txBody>
       </p:sp>
+      <p:pic>
+        <p:nvPicPr>
+          <p:cNvPr id="92" name="Google Shape;92;p16"/>
+          <p:cNvPicPr preferRelativeResize="0"/>
+          <p:nvPr/>
+        </p:nvPicPr>
+        <p:blipFill>
+          <a:blip r:embed="rId3">
+            <a:alphaModFix/>
+          </a:blip>
+          <a:stretch>
+            <a:fillRect/>
+          </a:stretch>
+        </p:blipFill>
+        <p:spPr>
+          <a:xfrm>
+            <a:off x="1771575" y="1074275"/>
+            <a:ext cx="6462919" cy="3764426"/>
+          </a:xfrm>
+          <a:prstGeom prst="rect">
+            <a:avLst/>
+          </a:prstGeom>
+          <a:noFill/>
+          <a:ln>
+            <a:noFill/>
+          </a:ln>
+        </p:spPr>
+      </p:pic>
+    </p:spTree>
+  </p:cSld>
+  <p:clrMapOvr>
+    <a:masterClrMapping/>
+  </p:clrMapOvr>
+</p:sld>
+</file>
+
+<file path=ppt/slides/slide5.xml><?xml version="1.0" encoding="utf-8"?>
+<p:sld xmlns:a="http://schemas.openxmlformats.org/drawingml/2006/main" xmlns:r="http://schemas.openxmlformats.org/officeDocument/2006/relationships" xmlns:mc="http://schemas.openxmlformats.org/markup-compatibility/2006" xmlns:mv="urn:schemas-microsoft-com:mac:vml" xmlns:p="http://schemas.openxmlformats.org/presentationml/2006/main" xmlns:c="http://schemas.openxmlformats.org/drawingml/2006/chart" xmlns:dgm="http://schemas.openxmlformats.org/drawingml/2006/diagram" xmlns:o="urn:schemas-microsoft-com:office:office" xmlns:v="urn:schemas-microsoft-com:vml" xmlns:pvml="urn:schemas-microsoft-com:office:powerpoint" xmlns:com="http://schemas.openxmlformats.org/drawingml/2006/compatibility" xmlns:p14="http://schemas.microsoft.com/office/powerpoint/2010/main" xmlns:p15="http://schemas.microsoft.com/office/powerpoint/2012/main" xmlns:ahyp="http://schemas.microsoft.com/office/drawing/2018/hyperlinkcolor">
+  <p:cSld>
+    <p:spTree>
+      <p:nvGrpSpPr>
+        <p:cNvPr id="96" name="Shape 96"/>
+        <p:cNvGrpSpPr/>
+        <p:nvPr/>
+      </p:nvGrpSpPr>
+      <p:grpSpPr>
+        <a:xfrm>
+          <a:off x="0" y="0"/>
+          <a:ext cx="0" cy="0"/>
+          <a:chOff x="0" y="0"/>
+          <a:chExt cx="0" cy="0"/>
+        </a:xfrm>
+      </p:grpSpPr>
+      <p:pic>
+        <p:nvPicPr>
+          <p:cNvPr id="97" name="Google Shape;97;p17"/>
+          <p:cNvPicPr preferRelativeResize="0"/>
+          <p:nvPr/>
+        </p:nvPicPr>
+        <p:blipFill>
+          <a:blip r:embed="rId3">
+            <a:alphaModFix/>
+          </a:blip>
+          <a:stretch>
+            <a:fillRect/>
+          </a:stretch>
+        </p:blipFill>
+        <p:spPr>
+          <a:xfrm>
+            <a:off x="1901425" y="1074275"/>
+            <a:ext cx="6098476" cy="3565275"/>
+          </a:xfrm>
+          <a:prstGeom prst="rect">
+            <a:avLst/>
+          </a:prstGeom>
+          <a:noFill/>
+          <a:ln>
+            <a:noFill/>
+          </a:ln>
+        </p:spPr>
+      </p:pic>
+      <p:sp>
+        <p:nvSpPr>
+          <p:cNvPr id="98" name="Google Shape;98;p17"/>
+          <p:cNvSpPr/>
+          <p:nvPr/>
+        </p:nvSpPr>
+        <p:spPr>
+          <a:xfrm>
+            <a:off x="0" y="0"/>
+            <a:ext cx="725100" cy="5143500"/>
+          </a:xfrm>
+          <a:prstGeom prst="rect">
+            <a:avLst/>
+          </a:prstGeom>
+          <a:solidFill>
+            <a:schemeClr val="accent4"/>
+          </a:solidFill>
+          <a:ln cap="flat" cmpd="sng" w="9525">
+            <a:solidFill>
+              <a:schemeClr val="accent4"/>
+            </a:solidFill>
+            <a:prstDash val="solid"/>
+            <a:round/>
+            <a:headEnd len="sm" w="sm" type="none"/>
+            <a:tailEnd len="sm" w="sm" type="none"/>
+          </a:ln>
+        </p:spPr>
+        <p:txBody>
+          <a:bodyPr anchorCtr="0" anchor="ctr" bIns="91425" lIns="91425" spcFirstLastPara="1" rIns="91425" wrap="square" tIns="91425">
+            <a:noAutofit/>
+          </a:bodyPr>
+          <a:lstStyle/>
+          <a:p>
+            <a:pPr indent="0" lvl="0" marL="0" rtl="0" algn="l">
+              <a:spcBef>
+                <a:spcPts val="0"/>
+              </a:spcBef>
+              <a:spcAft>
+                <a:spcPts val="0"/>
+              </a:spcAft>
+              <a:buNone/>
+            </a:pPr>
+            <a:r>
+              <a:t/>
+            </a:r>
+            <a:endParaRPr/>
+          </a:p>
+        </p:txBody>
+      </p:sp>
+      <p:sp>
+        <p:nvSpPr>
+          <p:cNvPr id="99" name="Google Shape;99;p17"/>
+          <p:cNvSpPr txBox="1"/>
+          <p:nvPr>
+            <p:ph idx="1" type="subTitle"/>
+          </p:nvPr>
+        </p:nvSpPr>
+        <p:spPr>
+          <a:xfrm>
+            <a:off x="953500" y="402875"/>
+            <a:ext cx="7046400" cy="671400"/>
+          </a:xfrm>
+          <a:prstGeom prst="rect">
+            <a:avLst/>
+          </a:prstGeom>
+        </p:spPr>
+        <p:txBody>
+          <a:bodyPr anchorCtr="0" anchor="t" bIns="91425" lIns="91425" spcFirstLastPara="1" rIns="91425" wrap="square" tIns="91425">
+            <a:normAutofit lnSpcReduction="10000"/>
+          </a:bodyPr>
+          <a:lstStyle/>
+          <a:p>
+            <a:pPr indent="0" lvl="0" marL="0" rtl="0" algn="l">
+              <a:spcBef>
+                <a:spcPts val="0"/>
+              </a:spcBef>
+              <a:spcAft>
+                <a:spcPts val="0"/>
+              </a:spcAft>
+              <a:buNone/>
+            </a:pPr>
+            <a:r>
+              <a:rPr lang="pt-PT" sz="3400">
+                <a:solidFill>
+                  <a:schemeClr val="dk1"/>
+                </a:solidFill>
+                <a:latin typeface="Oswald"/>
+                <a:ea typeface="Oswald"/>
+                <a:cs typeface="Oswald"/>
+                <a:sym typeface="Oswald"/>
+              </a:rPr>
+              <a:t>Interface Compra</a:t>
+            </a:r>
+            <a:endParaRPr sz="3400">
+              <a:solidFill>
+                <a:schemeClr val="dk1"/>
+              </a:solidFill>
+              <a:latin typeface="Oswald"/>
+              <a:ea typeface="Oswald"/>
+              <a:cs typeface="Oswald"/>
+              <a:sym typeface="Oswald"/>
+            </a:endParaRPr>
+          </a:p>
+        </p:txBody>
+      </p:sp>
+    </p:spTree>
+  </p:cSld>
+  <p:clrMapOvr>
+    <a:masterClrMapping/>
+  </p:clrMapOvr>
+</p:sld>
+</file>
+
+<file path=ppt/slides/slide6.xml><?xml version="1.0" encoding="utf-8"?>
+<p:sld xmlns:a="http://schemas.openxmlformats.org/drawingml/2006/main" xmlns:r="http://schemas.openxmlformats.org/officeDocument/2006/relationships" xmlns:mc="http://schemas.openxmlformats.org/markup-compatibility/2006" xmlns:mv="urn:schemas-microsoft-com:mac:vml" xmlns:p="http://schemas.openxmlformats.org/presentationml/2006/main" xmlns:c="http://schemas.openxmlformats.org/drawingml/2006/chart" xmlns:dgm="http://schemas.openxmlformats.org/drawingml/2006/diagram" xmlns:o="urn:schemas-microsoft-com:office:office" xmlns:v="urn:schemas-microsoft-com:vml" xmlns:pvml="urn:schemas-microsoft-com:office:powerpoint" xmlns:com="http://schemas.openxmlformats.org/drawingml/2006/compatibility" xmlns:p14="http://schemas.microsoft.com/office/powerpoint/2010/main" xmlns:p15="http://schemas.microsoft.com/office/powerpoint/2012/main" xmlns:ahyp="http://schemas.microsoft.com/office/drawing/2018/hyperlinkcolor">
+  <p:cSld>
+    <p:spTree>
+      <p:nvGrpSpPr>
+        <p:cNvPr id="103" name="Shape 103"/>
+        <p:cNvGrpSpPr/>
+        <p:nvPr/>
+      </p:nvGrpSpPr>
+      <p:grpSpPr>
+        <a:xfrm>
+          <a:off x="0" y="0"/>
+          <a:ext cx="0" cy="0"/>
+          <a:chOff x="0" y="0"/>
+          <a:chExt cx="0" cy="0"/>
+        </a:xfrm>
+      </p:grpSpPr>
+      <p:sp>
+        <p:nvSpPr>
+          <p:cNvPr id="104" name="Google Shape;104;p18"/>
+          <p:cNvSpPr txBox="1"/>
+          <p:nvPr>
+            <p:ph idx="1" type="subTitle"/>
+          </p:nvPr>
+        </p:nvSpPr>
+        <p:spPr>
+          <a:xfrm>
+            <a:off x="953500" y="402875"/>
+            <a:ext cx="7046400" cy="671400"/>
+          </a:xfrm>
+          <a:prstGeom prst="rect">
+            <a:avLst/>
+          </a:prstGeom>
+        </p:spPr>
+        <p:txBody>
+          <a:bodyPr anchorCtr="0" anchor="t" bIns="91425" lIns="91425" spcFirstLastPara="1" rIns="91425" wrap="square" tIns="91425">
+            <a:normAutofit lnSpcReduction="10000"/>
+          </a:bodyPr>
+          <a:lstStyle/>
+          <a:p>
+            <a:pPr indent="0" lvl="0" marL="0" rtl="0" algn="l">
+              <a:spcBef>
+                <a:spcPts val="0"/>
+              </a:spcBef>
+              <a:spcAft>
+                <a:spcPts val="0"/>
+              </a:spcAft>
+              <a:buNone/>
+            </a:pPr>
+            <a:r>
+              <a:rPr lang="pt-PT" sz="3400">
+                <a:solidFill>
+                  <a:schemeClr val="dk1"/>
+                </a:solidFill>
+                <a:latin typeface="Oswald"/>
+                <a:ea typeface="Oswald"/>
+                <a:cs typeface="Oswald"/>
+                <a:sym typeface="Oswald"/>
+              </a:rPr>
+              <a:t>Interface Agente</a:t>
+            </a:r>
+            <a:endParaRPr sz="3400">
+              <a:solidFill>
+                <a:schemeClr val="dk1"/>
+              </a:solidFill>
+              <a:latin typeface="Oswald"/>
+              <a:ea typeface="Oswald"/>
+              <a:cs typeface="Oswald"/>
+              <a:sym typeface="Oswald"/>
+            </a:endParaRPr>
+          </a:p>
+        </p:txBody>
+      </p:sp>
+      <p:sp>
+        <p:nvSpPr>
+          <p:cNvPr id="105" name="Google Shape;105;p18"/>
+          <p:cNvSpPr/>
+          <p:nvPr/>
+        </p:nvSpPr>
+        <p:spPr>
+          <a:xfrm>
+            <a:off x="0" y="0"/>
+            <a:ext cx="725100" cy="5143500"/>
+          </a:xfrm>
+          <a:prstGeom prst="rect">
+            <a:avLst/>
+          </a:prstGeom>
+          <a:solidFill>
+            <a:schemeClr val="accent4"/>
+          </a:solidFill>
+          <a:ln cap="flat" cmpd="sng" w="9525">
+            <a:solidFill>
+              <a:schemeClr val="accent4"/>
+            </a:solidFill>
+            <a:prstDash val="solid"/>
+            <a:round/>
+            <a:headEnd len="sm" w="sm" type="none"/>
+            <a:tailEnd len="sm" w="sm" type="none"/>
+          </a:ln>
+        </p:spPr>
+        <p:txBody>
+          <a:bodyPr anchorCtr="0" anchor="ctr" bIns="91425" lIns="91425" spcFirstLastPara="1" rIns="91425" wrap="square" tIns="91425">
+            <a:noAutofit/>
+          </a:bodyPr>
+          <a:lstStyle/>
+          <a:p>
+            <a:pPr indent="0" lvl="0" marL="0" rtl="0" algn="l">
+              <a:spcBef>
+                <a:spcPts val="0"/>
+              </a:spcBef>
+              <a:spcAft>
+                <a:spcPts val="0"/>
+              </a:spcAft>
+              <a:buNone/>
+            </a:pPr>
+            <a:r>
+              <a:t/>
+            </a:r>
+            <a:endParaRPr/>
+          </a:p>
+        </p:txBody>
+      </p:sp>
+      <p:pic>
+        <p:nvPicPr>
+          <p:cNvPr id="106" name="Google Shape;106;p18"/>
+          <p:cNvPicPr preferRelativeResize="0"/>
+          <p:nvPr/>
+        </p:nvPicPr>
+        <p:blipFill>
+          <a:blip r:embed="rId3">
+            <a:alphaModFix/>
+          </a:blip>
+          <a:stretch>
+            <a:fillRect/>
+          </a:stretch>
+        </p:blipFill>
+        <p:spPr>
+          <a:xfrm>
+            <a:off x="1801725" y="1074275"/>
+            <a:ext cx="6475027" cy="3764425"/>
+          </a:xfrm>
+          <a:prstGeom prst="rect">
+            <a:avLst/>
+          </a:prstGeom>
+          <a:noFill/>
+          <a:ln>
+            <a:noFill/>
+          </a:ln>
+        </p:spPr>
+      </p:pic>
     </p:spTree>
   </p:cSld>
   <p:clrMapOvr>
@@ -8639,7 +9674,7 @@
   <p:cSld>
     <p:spTree>
       <p:nvGrpSpPr>
-        <p:cNvPr id="106" name="Shape 106"/>
+        <p:cNvPr id="110" name="Shape 110"/>
         <p:cNvGrpSpPr/>
         <p:nvPr/>
       </p:nvGrpSpPr>
@@ -8653,7 +9688,56 @@
       </p:grpSpPr>
       <p:sp>
         <p:nvSpPr>
-          <p:cNvPr id="107" name="Google Shape;107;p19"/>
+          <p:cNvPr id="111" name="Google Shape;111;p19"/>
+          <p:cNvSpPr/>
+          <p:nvPr/>
+        </p:nvSpPr>
+        <p:spPr>
+          <a:xfrm>
+            <a:off x="0" y="0"/>
+            <a:ext cx="725100" cy="5143500"/>
+          </a:xfrm>
+          <a:prstGeom prst="rect">
+            <a:avLst/>
+          </a:prstGeom>
+          <a:solidFill>
+            <a:schemeClr val="accent4"/>
+          </a:solidFill>
+          <a:ln cap="flat" cmpd="sng" w="9525">
+            <a:solidFill>
+              <a:schemeClr val="accent4"/>
+            </a:solidFill>
+            <a:prstDash val="solid"/>
+            <a:round/>
+            <a:headEnd len="sm" w="sm" type="none"/>
+            <a:tailEnd len="sm" w="sm" type="none"/>
+          </a:ln>
+        </p:spPr>
+        <p:txBody>
+          <a:bodyPr anchorCtr="0" anchor="ctr" bIns="91425" lIns="91425" spcFirstLastPara="1" rIns="91425" wrap="square" tIns="91425">
+            <a:noAutofit/>
+          </a:bodyPr>
+          <a:lstStyle/>
+          <a:p>
+            <a:pPr indent="0" lvl="0" marL="0" rtl="0" algn="l">
+              <a:spcBef>
+                <a:spcPts val="0"/>
+              </a:spcBef>
+              <a:spcAft>
+                <a:spcPts val="0"/>
+              </a:spcAft>
+              <a:buNone/>
+            </a:pPr>
+            <a:r>
+              <a:t/>
+            </a:r>
+            <a:endParaRPr/>
+          </a:p>
+        </p:txBody>
+      </p:sp>
+      <p:sp>
+        <p:nvSpPr>
+          <p:cNvPr id="112" name="Google Shape;112;p19"/>
           <p:cNvSpPr txBox="1"/>
           <p:nvPr>
             <p:ph idx="1" type="subTitle"/>
@@ -8661,8 +9745,8 @@
         </p:nvSpPr>
         <p:spPr>
           <a:xfrm>
-            <a:off x="395050" y="171250"/>
-            <a:ext cx="3204000" cy="987000"/>
+            <a:off x="953500" y="402875"/>
+            <a:ext cx="7046400" cy="671400"/>
           </a:xfrm>
           <a:prstGeom prst="rect">
             <a:avLst/>
@@ -8670,7 +9754,7 @@
         </p:spPr>
         <p:txBody>
           <a:bodyPr anchorCtr="0" anchor="t" bIns="91425" lIns="91425" spcFirstLastPara="1" rIns="91425" wrap="square" tIns="91425">
-            <a:normAutofit fontScale="62500"/>
+            <a:normAutofit lnSpcReduction="10000"/>
           </a:bodyPr>
           <a:lstStyle/>
           <a:p>
@@ -8684,7 +9768,7 @@
               <a:buNone/>
             </a:pPr>
             <a:r>
-              <a:rPr lang="pt-PT" sz="5200">
+              <a:rPr lang="pt-PT" sz="3400">
                 <a:solidFill>
                   <a:schemeClr val="dk1"/>
                 </a:solidFill>
@@ -8693,9 +9777,9 @@
                 <a:cs typeface="Oswald"/>
                 <a:sym typeface="Oswald"/>
               </a:rPr>
-              <a:t>Stored Procedures</a:t>
+              <a:t>Implementação das funcionalidades</a:t>
             </a:r>
-            <a:endParaRPr sz="5200">
+            <a:endParaRPr sz="3400">
               <a:solidFill>
                 <a:schemeClr val="dk1"/>
               </a:solidFill>
@@ -8707,24 +9791,16 @@
           </a:p>
         </p:txBody>
       </p:sp>
-      <p:pic>
-        <p:nvPicPr>
-          <p:cNvPr id="108" name="Google Shape;108;p19"/>
-          <p:cNvPicPr preferRelativeResize="0"/>
+      <p:sp>
+        <p:nvSpPr>
+          <p:cNvPr id="113" name="Google Shape;113;p19"/>
+          <p:cNvSpPr txBox="1"/>
           <p:nvPr/>
-        </p:nvPicPr>
-        <p:blipFill>
-          <a:blip r:embed="rId3">
-            <a:alphaModFix/>
-          </a:blip>
-          <a:stretch>
-            <a:fillRect/>
-          </a:stretch>
-        </p:blipFill>
-        <p:spPr>
-          <a:xfrm>
-            <a:off x="1255126" y="1232225"/>
-            <a:ext cx="6633750" cy="3159226"/>
+        </p:nvSpPr>
+        <p:spPr>
+          <a:xfrm>
+            <a:off x="1047500" y="1356375"/>
+            <a:ext cx="6952500" cy="2724300"/>
           </a:xfrm>
           <a:prstGeom prst="rect">
             <a:avLst/>
@@ -8734,7 +9810,126 @@
             <a:noFill/>
           </a:ln>
         </p:spPr>
-      </p:pic>
+        <p:txBody>
+          <a:bodyPr anchorCtr="0" anchor="t" bIns="91425" lIns="91425" spcFirstLastPara="1" rIns="91425" wrap="square" tIns="91425">
+            <a:spAutoFit/>
+          </a:bodyPr>
+          <a:lstStyle/>
+          <a:p>
+            <a:pPr indent="-323850" lvl="0" marL="457200" rtl="0" algn="l">
+              <a:spcBef>
+                <a:spcPts val="0"/>
+              </a:spcBef>
+              <a:spcAft>
+                <a:spcPts val="0"/>
+              </a:spcAft>
+              <a:buSzPts val="1500"/>
+              <a:buChar char="●"/>
+            </a:pPr>
+            <a:r>
+              <a:rPr b="1" lang="pt-PT" sz="1500"/>
+              <a:t>Triggers: </a:t>
+            </a:r>
+            <a:r>
+              <a:rPr lang="pt-PT" sz="1500"/>
+              <a:t>Fazer verificações aos dados do utilizador (ex: verificar se a data inserida é maior que hoje)</a:t>
+            </a:r>
+            <a:endParaRPr sz="1500"/>
+          </a:p>
+          <a:p>
+            <a:pPr indent="-323850" lvl="0" marL="457200" rtl="0" algn="l">
+              <a:spcBef>
+                <a:spcPts val="0"/>
+              </a:spcBef>
+              <a:spcAft>
+                <a:spcPts val="0"/>
+              </a:spcAft>
+              <a:buSzPts val="1500"/>
+              <a:buChar char="●"/>
+            </a:pPr>
+            <a:r>
+              <a:rPr b="1" lang="pt-PT" sz="1500"/>
+              <a:t>Views: </a:t>
+            </a:r>
+            <a:r>
+              <a:rPr lang="pt-PT" sz="1500"/>
+              <a:t>Em vez de usar vários </a:t>
+            </a:r>
+            <a:r>
+              <a:rPr i="1" lang="pt-PT" sz="1500"/>
+              <a:t>join</a:t>
+            </a:r>
+            <a:r>
+              <a:rPr lang="pt-PT" sz="1500"/>
+              <a:t> são usadas Views (ex: ver todos os imóveis no mercado)</a:t>
+            </a:r>
+            <a:endParaRPr sz="1500"/>
+          </a:p>
+          <a:p>
+            <a:pPr indent="-323850" lvl="0" marL="457200" rtl="0" algn="l">
+              <a:spcBef>
+                <a:spcPts val="0"/>
+              </a:spcBef>
+              <a:spcAft>
+                <a:spcPts val="0"/>
+              </a:spcAft>
+              <a:buSzPts val="1500"/>
+              <a:buChar char="●"/>
+            </a:pPr>
+            <a:r>
+              <a:rPr b="1" lang="pt-PT" sz="1500"/>
+              <a:t>Stored Procedures: </a:t>
+            </a:r>
+            <a:r>
+              <a:rPr lang="pt-PT" sz="1500"/>
+              <a:t>Maioritariamente para inserir dados novos (ex: adicionar um imóvel)</a:t>
+            </a:r>
+            <a:endParaRPr sz="1500"/>
+          </a:p>
+          <a:p>
+            <a:pPr indent="-323850" lvl="0" marL="457200" rtl="0" algn="l">
+              <a:spcBef>
+                <a:spcPts val="0"/>
+              </a:spcBef>
+              <a:spcAft>
+                <a:spcPts val="0"/>
+              </a:spcAft>
+              <a:buSzPts val="1500"/>
+              <a:buChar char="●"/>
+            </a:pPr>
+            <a:r>
+              <a:rPr b="1" lang="pt-PT" sz="1500"/>
+              <a:t>Functions: </a:t>
+            </a:r>
+            <a:r>
+              <a:rPr lang="pt-PT" sz="1500"/>
+              <a:t>Usados maioritariamente para verificações ou buscar informações quando existem parâmetros inseridos (ex: ver imoveis associados a um agente)</a:t>
+            </a:r>
+            <a:endParaRPr sz="1500"/>
+          </a:p>
+          <a:p>
+            <a:pPr indent="-323850" lvl="0" marL="457200" rtl="0" algn="l">
+              <a:spcBef>
+                <a:spcPts val="0"/>
+              </a:spcBef>
+              <a:spcAft>
+                <a:spcPts val="0"/>
+              </a:spcAft>
+              <a:buSzPts val="1500"/>
+              <a:buChar char="●"/>
+            </a:pPr>
+            <a:r>
+              <a:rPr b="1" lang="pt-PT" sz="1500"/>
+              <a:t>Transactions: </a:t>
+            </a:r>
+            <a:r>
+              <a:rPr lang="pt-PT" sz="1500"/>
+              <a:t>Usado para eliminar uma linha da tabela e todas as suas depenências.</a:t>
+            </a:r>
+            <a:endParaRPr sz="1500"/>
+          </a:p>
+        </p:txBody>
+      </p:sp>
     </p:spTree>
   </p:cSld>
   <p:clrMapOvr>
@@ -8748,7 +9943,7 @@
   <p:cSld>
     <p:spTree>
       <p:nvGrpSpPr>
-        <p:cNvPr id="112" name="Shape 112"/>
+        <p:cNvPr id="117" name="Shape 117"/>
         <p:cNvGrpSpPr/>
         <p:nvPr/>
       </p:nvGrpSpPr>
@@ -8760,65 +9955,9 @@
           <a:chExt cx="0" cy="0"/>
         </a:xfrm>
       </p:grpSpPr>
-      <p:sp>
-        <p:nvSpPr>
-          <p:cNvPr id="113" name="Google Shape;113;p20"/>
-          <p:cNvSpPr txBox="1"/>
-          <p:nvPr>
-            <p:ph idx="1" type="subTitle"/>
-          </p:nvPr>
-        </p:nvSpPr>
-        <p:spPr>
-          <a:xfrm>
-            <a:off x="395050" y="171250"/>
-            <a:ext cx="3204000" cy="987000"/>
-          </a:xfrm>
-          <a:prstGeom prst="rect">
-            <a:avLst/>
-          </a:prstGeom>
-        </p:spPr>
-        <p:txBody>
-          <a:bodyPr anchorCtr="0" anchor="t" bIns="91425" lIns="91425" spcFirstLastPara="1" rIns="91425" wrap="square" tIns="91425">
-            <a:normAutofit/>
-          </a:bodyPr>
-          <a:lstStyle/>
-          <a:p>
-            <a:pPr indent="0" lvl="0" marL="0" rtl="0" algn="l">
-              <a:spcBef>
-                <a:spcPts val="0"/>
-              </a:spcBef>
-              <a:spcAft>
-                <a:spcPts val="0"/>
-              </a:spcAft>
-              <a:buNone/>
-            </a:pPr>
-            <a:r>
-              <a:rPr lang="pt-PT" sz="3300">
-                <a:solidFill>
-                  <a:schemeClr val="dk1"/>
-                </a:solidFill>
-                <a:latin typeface="Oswald"/>
-                <a:ea typeface="Oswald"/>
-                <a:cs typeface="Oswald"/>
-                <a:sym typeface="Oswald"/>
-              </a:rPr>
-              <a:t>Triggers</a:t>
-            </a:r>
-            <a:endParaRPr sz="3300">
-              <a:solidFill>
-                <a:schemeClr val="dk1"/>
-              </a:solidFill>
-              <a:latin typeface="Oswald"/>
-              <a:ea typeface="Oswald"/>
-              <a:cs typeface="Oswald"/>
-              <a:sym typeface="Oswald"/>
-            </a:endParaRPr>
-          </a:p>
-        </p:txBody>
-      </p:sp>
       <p:pic>
         <p:nvPicPr>
-          <p:cNvPr id="114" name="Google Shape;114;p20"/>
+          <p:cNvPr id="118" name="Google Shape;118;p20"/>
           <p:cNvPicPr preferRelativeResize="0"/>
           <p:nvPr/>
         </p:nvPicPr>
@@ -8832,8 +9971,8 @@
         </p:blipFill>
         <p:spPr>
           <a:xfrm>
-            <a:off x="357475" y="1421575"/>
-            <a:ext cx="8429050" cy="2300350"/>
+            <a:off x="3617150" y="76200"/>
+            <a:ext cx="4926941" cy="4991100"/>
           </a:xfrm>
           <a:prstGeom prst="rect">
             <a:avLst/>
@@ -8844,6 +9983,111 @@
           </a:ln>
         </p:spPr>
       </p:pic>
+      <p:sp>
+        <p:nvSpPr>
+          <p:cNvPr id="119" name="Google Shape;119;p20"/>
+          <p:cNvSpPr txBox="1"/>
+          <p:nvPr>
+            <p:ph idx="1" type="subTitle"/>
+          </p:nvPr>
+        </p:nvSpPr>
+        <p:spPr>
+          <a:xfrm>
+            <a:off x="1199575" y="667325"/>
+            <a:ext cx="1352100" cy="939900"/>
+          </a:xfrm>
+          <a:prstGeom prst="rect">
+            <a:avLst/>
+          </a:prstGeom>
+        </p:spPr>
+        <p:txBody>
+          <a:bodyPr anchorCtr="0" anchor="t" bIns="91425" lIns="91425" spcFirstLastPara="1" rIns="91425" wrap="square" tIns="91425">
+            <a:normAutofit/>
+          </a:bodyPr>
+          <a:lstStyle/>
+          <a:p>
+            <a:pPr indent="0" lvl="0" marL="0" rtl="0" algn="l">
+              <a:spcBef>
+                <a:spcPts val="0"/>
+              </a:spcBef>
+              <a:spcAft>
+                <a:spcPts val="0"/>
+              </a:spcAft>
+              <a:buNone/>
+            </a:pPr>
+            <a:r>
+              <a:rPr lang="pt-PT" sz="3900">
+                <a:solidFill>
+                  <a:schemeClr val="dk1"/>
+                </a:solidFill>
+                <a:latin typeface="Oswald"/>
+                <a:ea typeface="Oswald"/>
+                <a:cs typeface="Oswald"/>
+                <a:sym typeface="Oswald"/>
+              </a:rPr>
+              <a:t>ER</a:t>
+            </a:r>
+            <a:endParaRPr sz="3900">
+              <a:solidFill>
+                <a:schemeClr val="dk1"/>
+              </a:solidFill>
+              <a:latin typeface="Oswald"/>
+              <a:ea typeface="Oswald"/>
+              <a:cs typeface="Oswald"/>
+              <a:sym typeface="Oswald"/>
+            </a:endParaRPr>
+          </a:p>
+        </p:txBody>
+      </p:sp>
+      <p:sp>
+        <p:nvSpPr>
+          <p:cNvPr id="120" name="Google Shape;120;p20"/>
+          <p:cNvSpPr/>
+          <p:nvPr/>
+        </p:nvSpPr>
+        <p:spPr>
+          <a:xfrm>
+            <a:off x="0" y="0"/>
+            <a:ext cx="725100" cy="5143500"/>
+          </a:xfrm>
+          <a:prstGeom prst="rect">
+            <a:avLst/>
+          </a:prstGeom>
+          <a:solidFill>
+            <a:schemeClr val="accent4"/>
+          </a:solidFill>
+          <a:ln cap="flat" cmpd="sng" w="9525">
+            <a:solidFill>
+              <a:schemeClr val="accent4"/>
+            </a:solidFill>
+            <a:prstDash val="solid"/>
+            <a:round/>
+            <a:headEnd len="sm" w="sm" type="none"/>
+            <a:tailEnd len="sm" w="sm" type="none"/>
+          </a:ln>
+        </p:spPr>
+        <p:txBody>
+          <a:bodyPr anchorCtr="0" anchor="ctr" bIns="91425" lIns="91425" spcFirstLastPara="1" rIns="91425" wrap="square" tIns="91425">
+            <a:noAutofit/>
+          </a:bodyPr>
+          <a:lstStyle/>
+          <a:p>
+            <a:pPr indent="0" lvl="0" marL="0" rtl="0" algn="l">
+              <a:spcBef>
+                <a:spcPts val="0"/>
+              </a:spcBef>
+              <a:spcAft>
+                <a:spcPts val="0"/>
+              </a:spcAft>
+              <a:buNone/>
+            </a:pPr>
+            <a:r>
+              <a:t/>
+            </a:r>
+            <a:endParaRPr/>
+          </a:p>
+        </p:txBody>
+      </p:sp>
     </p:spTree>
   </p:cSld>
   <p:clrMapOvr>
@@ -8857,7 +10101,7 @@
   <p:cSld>
     <p:spTree>
       <p:nvGrpSpPr>
-        <p:cNvPr id="118" name="Shape 118"/>
+        <p:cNvPr id="124" name="Shape 124"/>
         <p:cNvGrpSpPr/>
         <p:nvPr/>
       </p:nvGrpSpPr>
@@ -8871,24 +10115,34 @@
       </p:grpSpPr>
       <p:sp>
         <p:nvSpPr>
-          <p:cNvPr id="119" name="Google Shape;119;p21"/>
-          <p:cNvSpPr txBox="1"/>
-          <p:nvPr>
-            <p:ph idx="1" type="subTitle"/>
-          </p:nvPr>
-        </p:nvSpPr>
-        <p:spPr>
-          <a:xfrm>
-            <a:off x="395050" y="171250"/>
-            <a:ext cx="3204000" cy="987000"/>
+          <p:cNvPr id="125" name="Google Shape;125;p21"/>
+          <p:cNvSpPr/>
+          <p:nvPr/>
+        </p:nvSpPr>
+        <p:spPr>
+          <a:xfrm>
+            <a:off x="0" y="0"/>
+            <a:ext cx="725100" cy="5143500"/>
           </a:xfrm>
           <a:prstGeom prst="rect">
             <a:avLst/>
           </a:prstGeom>
+          <a:solidFill>
+            <a:schemeClr val="accent4"/>
+          </a:solidFill>
+          <a:ln cap="flat" cmpd="sng" w="9525">
+            <a:solidFill>
+              <a:schemeClr val="accent4"/>
+            </a:solidFill>
+            <a:prstDash val="solid"/>
+            <a:round/>
+            <a:headEnd len="sm" w="sm" type="none"/>
+            <a:tailEnd len="sm" w="sm" type="none"/>
+          </a:ln>
         </p:spPr>
         <p:txBody>
-          <a:bodyPr anchorCtr="0" anchor="t" bIns="91425" lIns="91425" spcFirstLastPara="1" rIns="91425" wrap="square" tIns="91425">
-            <a:normAutofit/>
+          <a:bodyPr anchorCtr="0" anchor="ctr" bIns="91425" lIns="91425" spcFirstLastPara="1" rIns="91425" wrap="square" tIns="91425">
+            <a:noAutofit/>
           </a:bodyPr>
           <a:lstStyle/>
           <a:p>
@@ -8902,32 +10156,15 @@
               <a:buNone/>
             </a:pPr>
             <a:r>
-              <a:rPr lang="pt-PT" sz="3300">
-                <a:solidFill>
-                  <a:schemeClr val="dk1"/>
-                </a:solidFill>
-                <a:latin typeface="Oswald"/>
-                <a:ea typeface="Oswald"/>
-                <a:cs typeface="Oswald"/>
-                <a:sym typeface="Oswald"/>
-              </a:rPr>
-              <a:t>Functions</a:t>
+              <a:t/>
             </a:r>
-            <a:endParaRPr sz="3300">
-              <a:solidFill>
-                <a:schemeClr val="dk1"/>
-              </a:solidFill>
-              <a:latin typeface="Oswald"/>
-              <a:ea typeface="Oswald"/>
-              <a:cs typeface="Oswald"/>
-              <a:sym typeface="Oswald"/>
-            </a:endParaRPr>
+            <a:endParaRPr/>
           </a:p>
         </p:txBody>
       </p:sp>
       <p:pic>
         <p:nvPicPr>
-          <p:cNvPr id="120" name="Google Shape;120;p21"/>
+          <p:cNvPr id="126" name="Google Shape;126;p21" title="Points scored"/>
           <p:cNvPicPr preferRelativeResize="0"/>
           <p:nvPr/>
         </p:nvPicPr>
@@ -8941,8 +10178,8 @@
         </p:blipFill>
         <p:spPr>
           <a:xfrm>
-            <a:off x="395050" y="974900"/>
-            <a:ext cx="5143500" cy="1390650"/>
+            <a:off x="877500" y="152400"/>
+            <a:ext cx="7825389" cy="4838699"/>
           </a:xfrm>
           <a:prstGeom prst="rect">
             <a:avLst/>
@@ -8953,24 +10190,16 @@
           </a:ln>
         </p:spPr>
       </p:pic>
-      <p:pic>
-        <p:nvPicPr>
-          <p:cNvPr id="121" name="Google Shape;121;p21"/>
-          <p:cNvPicPr preferRelativeResize="0"/>
+      <p:sp>
+        <p:nvSpPr>
+          <p:cNvPr id="127" name="Google Shape;127;p21"/>
+          <p:cNvSpPr txBox="1"/>
           <p:nvPr/>
-        </p:nvPicPr>
-        <p:blipFill>
-          <a:blip r:embed="rId4">
-            <a:alphaModFix/>
-          </a:blip>
-          <a:stretch>
-            <a:fillRect/>
-          </a:stretch>
-        </p:blipFill>
-        <p:spPr>
-          <a:xfrm>
-            <a:off x="395050" y="2464225"/>
-            <a:ext cx="6648450" cy="2324100"/>
+        </p:nvSpPr>
+        <p:spPr>
+          <a:xfrm>
+            <a:off x="4042300" y="1530975"/>
+            <a:ext cx="375900" cy="538800"/>
           </a:xfrm>
           <a:prstGeom prst="rect">
             <a:avLst/>
@@ -8980,7 +10209,245 @@
             <a:noFill/>
           </a:ln>
         </p:spPr>
-      </p:pic>
+        <p:txBody>
+          <a:bodyPr anchorCtr="0" anchor="t" bIns="91425" lIns="91425" spcFirstLastPara="1" rIns="91425" wrap="square" tIns="91425">
+            <a:spAutoFit/>
+          </a:bodyPr>
+          <a:lstStyle/>
+          <a:p>
+            <a:pPr indent="0" lvl="0" marL="0" rtl="0" algn="l">
+              <a:spcBef>
+                <a:spcPts val="0"/>
+              </a:spcBef>
+              <a:spcAft>
+                <a:spcPts val="0"/>
+              </a:spcAft>
+              <a:buNone/>
+            </a:pPr>
+            <a:r>
+              <a:rPr b="1" lang="pt-PT" sz="2300">
+                <a:solidFill>
+                  <a:schemeClr val="lt1"/>
+                </a:solidFill>
+              </a:rPr>
+              <a:t>8</a:t>
+            </a:r>
+            <a:endParaRPr b="1" sz="2300">
+              <a:solidFill>
+                <a:schemeClr val="lt1"/>
+              </a:solidFill>
+            </a:endParaRPr>
+          </a:p>
+        </p:txBody>
+      </p:sp>
+      <p:sp>
+        <p:nvSpPr>
+          <p:cNvPr id="128" name="Google Shape;128;p21"/>
+          <p:cNvSpPr txBox="1"/>
+          <p:nvPr/>
+        </p:nvSpPr>
+        <p:spPr>
+          <a:xfrm>
+            <a:off x="4839300" y="1401350"/>
+            <a:ext cx="375900" cy="538800"/>
+          </a:xfrm>
+          <a:prstGeom prst="rect">
+            <a:avLst/>
+          </a:prstGeom>
+          <a:noFill/>
+          <a:ln>
+            <a:noFill/>
+          </a:ln>
+        </p:spPr>
+        <p:txBody>
+          <a:bodyPr anchorCtr="0" anchor="t" bIns="91425" lIns="91425" spcFirstLastPara="1" rIns="91425" wrap="square" tIns="91425">
+            <a:spAutoFit/>
+          </a:bodyPr>
+          <a:lstStyle/>
+          <a:p>
+            <a:pPr indent="0" lvl="0" marL="0" rtl="0" algn="l">
+              <a:spcBef>
+                <a:spcPts val="0"/>
+              </a:spcBef>
+              <a:spcAft>
+                <a:spcPts val="0"/>
+              </a:spcAft>
+              <a:buNone/>
+            </a:pPr>
+            <a:r>
+              <a:rPr b="1" lang="pt-PT" sz="2300">
+                <a:solidFill>
+                  <a:schemeClr val="lt1"/>
+                </a:solidFill>
+              </a:rPr>
+              <a:t>4</a:t>
+            </a:r>
+            <a:endParaRPr b="1" sz="2300">
+              <a:solidFill>
+                <a:schemeClr val="lt1"/>
+              </a:solidFill>
+            </a:endParaRPr>
+          </a:p>
+        </p:txBody>
+      </p:sp>
+      <p:sp>
+        <p:nvSpPr>
+          <p:cNvPr id="129" name="Google Shape;129;p21"/>
+          <p:cNvSpPr txBox="1"/>
+          <p:nvPr/>
+        </p:nvSpPr>
+        <p:spPr>
+          <a:xfrm>
+            <a:off x="3501050" y="2571750"/>
+            <a:ext cx="549900" cy="538800"/>
+          </a:xfrm>
+          <a:prstGeom prst="rect">
+            <a:avLst/>
+          </a:prstGeom>
+          <a:noFill/>
+          <a:ln>
+            <a:noFill/>
+          </a:ln>
+        </p:spPr>
+        <p:txBody>
+          <a:bodyPr anchorCtr="0" anchor="t" bIns="91425" lIns="91425" spcFirstLastPara="1" rIns="91425" wrap="square" tIns="91425">
+            <a:spAutoFit/>
+          </a:bodyPr>
+          <a:lstStyle/>
+          <a:p>
+            <a:pPr indent="0" lvl="0" marL="0" rtl="0" algn="l">
+              <a:spcBef>
+                <a:spcPts val="0"/>
+              </a:spcBef>
+              <a:spcAft>
+                <a:spcPts val="0"/>
+              </a:spcAft>
+              <a:buNone/>
+            </a:pPr>
+            <a:r>
+              <a:rPr b="1" lang="pt-PT" sz="2300">
+                <a:solidFill>
+                  <a:schemeClr val="lt1"/>
+                </a:solidFill>
+              </a:rPr>
+              <a:t>12</a:t>
+            </a:r>
+            <a:endParaRPr b="1" sz="2300">
+              <a:solidFill>
+                <a:schemeClr val="lt1"/>
+              </a:solidFill>
+            </a:endParaRPr>
+          </a:p>
+        </p:txBody>
+      </p:sp>
+      <p:sp>
+        <p:nvSpPr>
+          <p:cNvPr id="130" name="Google Shape;130;p21"/>
+          <p:cNvSpPr txBox="1"/>
+          <p:nvPr/>
+        </p:nvSpPr>
+        <p:spPr>
+          <a:xfrm>
+            <a:off x="5117250" y="2981975"/>
+            <a:ext cx="549900" cy="538800"/>
+          </a:xfrm>
+          <a:prstGeom prst="rect">
+            <a:avLst/>
+          </a:prstGeom>
+          <a:noFill/>
+          <a:ln>
+            <a:noFill/>
+          </a:ln>
+        </p:spPr>
+        <p:txBody>
+          <a:bodyPr anchorCtr="0" anchor="t" bIns="91425" lIns="91425" spcFirstLastPara="1" rIns="91425" wrap="square" tIns="91425">
+            <a:spAutoFit/>
+          </a:bodyPr>
+          <a:lstStyle/>
+          <a:p>
+            <a:pPr indent="0" lvl="0" marL="0" rtl="0" algn="l">
+              <a:spcBef>
+                <a:spcPts val="0"/>
+              </a:spcBef>
+              <a:spcAft>
+                <a:spcPts val="0"/>
+              </a:spcAft>
+              <a:buNone/>
+            </a:pPr>
+            <a:r>
+              <a:rPr b="1" lang="pt-PT" sz="2300">
+                <a:solidFill>
+                  <a:schemeClr val="lt1"/>
+                </a:solidFill>
+              </a:rPr>
+              <a:t>2</a:t>
+            </a:r>
+            <a:r>
+              <a:rPr b="1" lang="pt-PT" sz="2300">
+                <a:solidFill>
+                  <a:schemeClr val="lt1"/>
+                </a:solidFill>
+              </a:rPr>
+              <a:t>8</a:t>
+            </a:r>
+            <a:endParaRPr b="1" sz="2300">
+              <a:solidFill>
+                <a:schemeClr val="lt1"/>
+              </a:solidFill>
+            </a:endParaRPr>
+          </a:p>
+        </p:txBody>
+      </p:sp>
+      <p:sp>
+        <p:nvSpPr>
+          <p:cNvPr id="131" name="Google Shape;131;p21"/>
+          <p:cNvSpPr txBox="1"/>
+          <p:nvPr/>
+        </p:nvSpPr>
+        <p:spPr>
+          <a:xfrm>
+            <a:off x="4463400" y="992175"/>
+            <a:ext cx="375900" cy="538800"/>
+          </a:xfrm>
+          <a:prstGeom prst="rect">
+            <a:avLst/>
+          </a:prstGeom>
+          <a:noFill/>
+          <a:ln>
+            <a:noFill/>
+          </a:ln>
+        </p:spPr>
+        <p:txBody>
+          <a:bodyPr anchorCtr="0" anchor="t" bIns="91425" lIns="91425" spcFirstLastPara="1" rIns="91425" wrap="square" tIns="91425">
+            <a:spAutoFit/>
+          </a:bodyPr>
+          <a:lstStyle/>
+          <a:p>
+            <a:pPr indent="0" lvl="0" marL="0" rtl="0" algn="l">
+              <a:spcBef>
+                <a:spcPts val="0"/>
+              </a:spcBef>
+              <a:spcAft>
+                <a:spcPts val="0"/>
+              </a:spcAft>
+              <a:buNone/>
+            </a:pPr>
+            <a:r>
+              <a:rPr b="1" lang="pt-PT" sz="2300">
+                <a:solidFill>
+                  <a:schemeClr val="lt1"/>
+                </a:solidFill>
+              </a:rPr>
+              <a:t>1</a:t>
+            </a:r>
+            <a:endParaRPr b="1" sz="2300">
+              <a:solidFill>
+                <a:schemeClr val="lt1"/>
+              </a:solidFill>
+            </a:endParaRPr>
+          </a:p>
+        </p:txBody>
+      </p:sp>
     </p:spTree>
   </p:cSld>
   <p:clrMapOvr>
@@ -8990,6 +10457,285 @@
 </file>
 
 <file path=ppt/theme/theme1.xml><?xml version="1.0" encoding="utf-8"?>
+<a:theme xmlns:a="http://schemas.openxmlformats.org/drawingml/2006/main" xmlns:r="http://schemas.openxmlformats.org/officeDocument/2006/relationships" name="Simple Light">
+  <a:themeElements>
+    <a:clrScheme name="Simple Light">
+      <a:dk1>
+        <a:srgbClr val="000000"/>
+      </a:dk1>
+      <a:lt1>
+        <a:srgbClr val="FFFFFF"/>
+      </a:lt1>
+      <a:dk2>
+        <a:srgbClr val="595959"/>
+      </a:dk2>
+      <a:lt2>
+        <a:srgbClr val="EEEEEE"/>
+      </a:lt2>
+      <a:accent1>
+        <a:srgbClr val="4285F4"/>
+      </a:accent1>
+      <a:accent2>
+        <a:srgbClr val="212121"/>
+      </a:accent2>
+      <a:accent3>
+        <a:srgbClr val="78909C"/>
+      </a:accent3>
+      <a:accent4>
+        <a:srgbClr val="FFAB40"/>
+      </a:accent4>
+      <a:accent5>
+        <a:srgbClr val="0097A7"/>
+      </a:accent5>
+      <a:accent6>
+        <a:srgbClr val="EEFF41"/>
+      </a:accent6>
+      <a:hlink>
+        <a:srgbClr val="0097A7"/>
+      </a:hlink>
+      <a:folHlink>
+        <a:srgbClr val="0097A7"/>
+      </a:folHlink>
+    </a:clrScheme>
+    <a:fontScheme name="Office">
+      <a:majorFont>
+        <a:latin typeface="Arial"/>
+        <a:ea typeface=""/>
+        <a:cs typeface=""/>
+        <a:font script="Jpan" typeface="ＭＳ Ｐゴシック"/>
+        <a:font script="Hang" typeface="맑은 고딕"/>
+        <a:font script="Hans" typeface="宋体"/>
+        <a:font script="Hant" typeface="新細明體"/>
+        <a:font script="Arab" typeface="Times New Roman"/>
+        <a:font script="Hebr" typeface="Times New Roman"/>
+        <a:font script="Thai" typeface="Angsana New"/>
+        <a:font script="Ethi" typeface="Nyala"/>
+        <a:font script="Beng" typeface="Vrinda"/>
+        <a:font script="Gujr" typeface="Shruti"/>
+        <a:font script="Khmr" typeface="MoolBoran"/>
+        <a:font script="Knda" typeface="Tunga"/>
+        <a:font script="Guru" typeface="Raavi"/>
+        <a:font script="Cans" typeface="Euphemia"/>
+        <a:font script="Cher" typeface="Plantagenet Cherokee"/>
+        <a:font script="Yiii" typeface="Microsoft Yi Baiti"/>
+        <a:font script="Tibt" typeface="Microsoft Himalaya"/>
+        <a:font script="Thaa" typeface="MV Boli"/>
+        <a:font script="Deva" typeface="Mangal"/>
+        <a:font script="Telu" typeface="Gautami"/>
+        <a:font script="Taml" typeface="Latha"/>
+        <a:font script="Syrc" typeface="Estrangelo Edessa"/>
+        <a:font script="Orya" typeface="Kalinga"/>
+        <a:font script="Mlym" typeface="Kartika"/>
+        <a:font script="Laoo" typeface="DokChampa"/>
+        <a:font script="Sinh" typeface="Iskoola Pota"/>
+        <a:font script="Mong" typeface="Mongolian Baiti"/>
+        <a:font script="Viet" typeface="Times New Roman"/>
+        <a:font script="Uigh" typeface="Microsoft Uighur"/>
+        <a:font script="Geor" typeface="Sylfaen"/>
+      </a:majorFont>
+      <a:minorFont>
+        <a:latin typeface="Arial"/>
+        <a:ea typeface=""/>
+        <a:cs typeface=""/>
+        <a:font script="Jpan" typeface="ＭＳ Ｐゴシック"/>
+        <a:font script="Hang" typeface="맑은 고딕"/>
+        <a:font script="Hans" typeface="宋体"/>
+        <a:font script="Hant" typeface="新細明體"/>
+        <a:font script="Arab" typeface="Arial"/>
+        <a:font script="Hebr" typeface="Arial"/>
+        <a:font script="Thai" typeface="Cordia New"/>
+        <a:font script="Ethi" typeface="Nyala"/>
+        <a:font script="Beng" typeface="Vrinda"/>
+        <a:font script="Gujr" typeface="Shruti"/>
+        <a:font script="Khmr" typeface="DaunPenh"/>
+        <a:font script="Knda" typeface="Tunga"/>
+        <a:font script="Guru" typeface="Raavi"/>
+        <a:font script="Cans" typeface="Euphemia"/>
+        <a:font script="Cher" typeface="Plantagenet Cherokee"/>
+        <a:font script="Yiii" typeface="Microsoft Yi Baiti"/>
+        <a:font script="Tibt" typeface="Microsoft Himalaya"/>
+        <a:font script="Thaa" typeface="MV Boli"/>
+        <a:font script="Deva" typeface="Mangal"/>
+        <a:font script="Telu" typeface="Gautami"/>
+        <a:font script="Taml" typeface="Latha"/>
+        <a:font script="Syrc" typeface="Estrangelo Edessa"/>
+        <a:font script="Orya" typeface="Kalinga"/>
+        <a:font script="Mlym" typeface="Kartika"/>
+        <a:font script="Laoo" typeface="DokChampa"/>
+        <a:font script="Sinh" typeface="Iskoola Pota"/>
+        <a:font script="Mong" typeface="Mongolian Baiti"/>
+        <a:font script="Viet" typeface="Arial"/>
+        <a:font script="Uigh" typeface="Microsoft Uighur"/>
+        <a:font script="Geor" typeface="Sylfaen"/>
+      </a:minorFont>
+    </a:fontScheme>
+    <a:fmtScheme name="Office">
+      <a:fillStyleLst>
+        <a:solidFill>
+          <a:schemeClr val="phClr"/>
+        </a:solidFill>
+        <a:gradFill rotWithShape="1">
+          <a:gsLst>
+            <a:gs pos="0">
+              <a:schemeClr val="phClr">
+                <a:tint val="50000"/>
+                <a:satMod val="300000"/>
+              </a:schemeClr>
+            </a:gs>
+            <a:gs pos="35000">
+              <a:schemeClr val="phClr">
+                <a:tint val="37000"/>
+                <a:satMod val="300000"/>
+              </a:schemeClr>
+            </a:gs>
+            <a:gs pos="100000">
+              <a:schemeClr val="phClr">
+                <a:tint val="15000"/>
+                <a:satMod val="350000"/>
+              </a:schemeClr>
+            </a:gs>
+          </a:gsLst>
+          <a:lin ang="16200000" scaled="1"/>
+        </a:gradFill>
+        <a:gradFill rotWithShape="1">
+          <a:gsLst>
+            <a:gs pos="0">
+              <a:schemeClr val="phClr">
+                <a:tint val="100000"/>
+                <a:shade val="100000"/>
+                <a:satMod val="130000"/>
+              </a:schemeClr>
+            </a:gs>
+            <a:gs pos="100000">
+              <a:schemeClr val="phClr">
+                <a:tint val="50000"/>
+                <a:shade val="100000"/>
+                <a:satMod val="350000"/>
+              </a:schemeClr>
+            </a:gs>
+          </a:gsLst>
+          <a:lin ang="16200000" scaled="0"/>
+        </a:gradFill>
+      </a:fillStyleLst>
+      <a:lnStyleLst>
+        <a:ln w="9525" cap="flat" cmpd="sng" algn="ctr">
+          <a:solidFill>
+            <a:schemeClr val="phClr">
+              <a:shade val="95000"/>
+              <a:satMod val="105000"/>
+            </a:schemeClr>
+          </a:solidFill>
+          <a:prstDash val="solid"/>
+        </a:ln>
+        <a:ln w="25400" cap="flat" cmpd="sng" algn="ctr">
+          <a:solidFill>
+            <a:schemeClr val="phClr"/>
+          </a:solidFill>
+          <a:prstDash val="solid"/>
+        </a:ln>
+        <a:ln w="38100" cap="flat" cmpd="sng" algn="ctr">
+          <a:solidFill>
+            <a:schemeClr val="phClr"/>
+          </a:solidFill>
+          <a:prstDash val="solid"/>
+        </a:ln>
+      </a:lnStyleLst>
+      <a:effectStyleLst>
+        <a:effectStyle>
+          <a:effectLst>
+            <a:outerShdw blurRad="40000" dist="20000" dir="5400000" rotWithShape="0">
+              <a:srgbClr val="000000">
+                <a:alpha val="38000"/>
+              </a:srgbClr>
+            </a:outerShdw>
+          </a:effectLst>
+        </a:effectStyle>
+        <a:effectStyle>
+          <a:effectLst>
+            <a:outerShdw blurRad="40000" dist="23000" dir="5400000" rotWithShape="0">
+              <a:srgbClr val="000000">
+                <a:alpha val="35000"/>
+              </a:srgbClr>
+            </a:outerShdw>
+          </a:effectLst>
+        </a:effectStyle>
+        <a:effectStyle>
+          <a:effectLst>
+            <a:outerShdw blurRad="40000" dist="23000" dir="5400000" rotWithShape="0">
+              <a:srgbClr val="000000">
+                <a:alpha val="35000"/>
+              </a:srgbClr>
+            </a:outerShdw>
+          </a:effectLst>
+          <a:scene3d>
+            <a:camera prst="orthographicFront">
+              <a:rot lat="0" lon="0" rev="0"/>
+            </a:camera>
+            <a:lightRig rig="threePt" dir="t">
+              <a:rot lat="0" lon="0" rev="1200000"/>
+            </a:lightRig>
+          </a:scene3d>
+          <a:sp3d>
+            <a:bevelT w="63500" h="25400"/>
+          </a:sp3d>
+        </a:effectStyle>
+      </a:effectStyleLst>
+      <a:bgFillStyleLst>
+        <a:solidFill>
+          <a:schemeClr val="phClr"/>
+        </a:solidFill>
+        <a:gradFill rotWithShape="1">
+          <a:gsLst>
+            <a:gs pos="0">
+              <a:schemeClr val="phClr">
+                <a:tint val="40000"/>
+                <a:satMod val="350000"/>
+              </a:schemeClr>
+            </a:gs>
+            <a:gs pos="40000">
+              <a:schemeClr val="phClr">
+                <a:tint val="45000"/>
+                <a:shade val="99000"/>
+                <a:satMod val="350000"/>
+              </a:schemeClr>
+            </a:gs>
+            <a:gs pos="100000">
+              <a:schemeClr val="phClr">
+                <a:shade val="20000"/>
+                <a:satMod val="255000"/>
+              </a:schemeClr>
+            </a:gs>
+          </a:gsLst>
+          <a:path path="circle">
+            <a:fillToRect l="50000" t="-80000" r="50000" b="180000"/>
+          </a:path>
+        </a:gradFill>
+        <a:gradFill rotWithShape="1">
+          <a:gsLst>
+            <a:gs pos="0">
+              <a:schemeClr val="phClr">
+                <a:tint val="80000"/>
+                <a:satMod val="300000"/>
+              </a:schemeClr>
+            </a:gs>
+            <a:gs pos="100000">
+              <a:schemeClr val="phClr">
+                <a:shade val="30000"/>
+                <a:satMod val="200000"/>
+              </a:schemeClr>
+            </a:gs>
+          </a:gsLst>
+          <a:path path="circle">
+            <a:fillToRect l="50000" t="50000" r="50000" b="50000"/>
+          </a:path>
+        </a:gradFill>
+      </a:bgFillStyleLst>
+    </a:fmtScheme>
+  </a:themeElements>
+</a:theme>
+</file>
+
+<file path=ppt/theme/theme2.xml><?xml version="1.0" encoding="utf-8"?>
 <a:theme xmlns:a="http://schemas.openxmlformats.org/drawingml/2006/main" xmlns:r="http://schemas.openxmlformats.org/officeDocument/2006/relationships">
   <a:themeElements>
     <a:clrScheme name="Default">
@@ -9266,283 +11012,4 @@
     </a:fmtScheme>
   </a:themeElements>
 </a:theme>
-</file>
-
-<file path=ppt/theme/theme2.xml><?xml version="1.0" encoding="utf-8"?>
-<a:theme xmlns:a="http://schemas.openxmlformats.org/drawingml/2006/main" xmlns:r="http://schemas.openxmlformats.org/officeDocument/2006/relationships" name="Simple Light">
-  <a:themeElements>
-    <a:clrScheme name="Simple Light">
-      <a:dk1>
-        <a:srgbClr val="000000"/>
-      </a:dk1>
-      <a:lt1>
-        <a:srgbClr val="FFFFFF"/>
-      </a:lt1>
-      <a:dk2>
-        <a:srgbClr val="595959"/>
-      </a:dk2>
-      <a:lt2>
-        <a:srgbClr val="EEEEEE"/>
-      </a:lt2>
-      <a:accent1>
-        <a:srgbClr val="4285F4"/>
-      </a:accent1>
-      <a:accent2>
-        <a:srgbClr val="212121"/>
-      </a:accent2>
-      <a:accent3>
-        <a:srgbClr val="78909C"/>
-      </a:accent3>
-      <a:accent4>
-        <a:srgbClr val="FFAB40"/>
-      </a:accent4>
-      <a:accent5>
-        <a:srgbClr val="0097A7"/>
-      </a:accent5>
-      <a:accent6>
-        <a:srgbClr val="EEFF41"/>
-      </a:accent6>
-      <a:hlink>
-        <a:srgbClr val="0097A7"/>
-      </a:hlink>
-      <a:folHlink>
-        <a:srgbClr val="0097A7"/>
-      </a:folHlink>
-    </a:clrScheme>
-    <a:fontScheme name="Office">
-      <a:majorFont>
-        <a:latin typeface="Arial"/>
-        <a:ea typeface=""/>
-        <a:cs typeface=""/>
-        <a:font script="Jpan" typeface="ＭＳ Ｐゴシック"/>
-        <a:font script="Hang" typeface="맑은 고딕"/>
-        <a:font script="Hans" typeface="宋体"/>
-        <a:font script="Hant" typeface="新細明體"/>
-        <a:font script="Arab" typeface="Times New Roman"/>
-        <a:font script="Hebr" typeface="Times New Roman"/>
-        <a:font script="Thai" typeface="Angsana New"/>
-        <a:font script="Ethi" typeface="Nyala"/>
-        <a:font script="Beng" typeface="Vrinda"/>
-        <a:font script="Gujr" typeface="Shruti"/>
-        <a:font script="Khmr" typeface="MoolBoran"/>
-        <a:font script="Knda" typeface="Tunga"/>
-        <a:font script="Guru" typeface="Raavi"/>
-        <a:font script="Cans" typeface="Euphemia"/>
-        <a:font script="Cher" typeface="Plantagenet Cherokee"/>
-        <a:font script="Yiii" typeface="Microsoft Yi Baiti"/>
-        <a:font script="Tibt" typeface="Microsoft Himalaya"/>
-        <a:font script="Thaa" typeface="MV Boli"/>
-        <a:font script="Deva" typeface="Mangal"/>
-        <a:font script="Telu" typeface="Gautami"/>
-        <a:font script="Taml" typeface="Latha"/>
-        <a:font script="Syrc" typeface="Estrangelo Edessa"/>
-        <a:font script="Orya" typeface="Kalinga"/>
-        <a:font script="Mlym" typeface="Kartika"/>
-        <a:font script="Laoo" typeface="DokChampa"/>
-        <a:font script="Sinh" typeface="Iskoola Pota"/>
-        <a:font script="Mong" typeface="Mongolian Baiti"/>
-        <a:font script="Viet" typeface="Times New Roman"/>
-        <a:font script="Uigh" typeface="Microsoft Uighur"/>
-        <a:font script="Geor" typeface="Sylfaen"/>
-      </a:majorFont>
-      <a:minorFont>
-        <a:latin typeface="Arial"/>
-        <a:ea typeface=""/>
-        <a:cs typeface=""/>
-        <a:font script="Jpan" typeface="ＭＳ Ｐゴシック"/>
-        <a:font script="Hang" typeface="맑은 고딕"/>
-        <a:font script="Hans" typeface="宋体"/>
-        <a:font script="Hant" typeface="新細明體"/>
-        <a:font script="Arab" typeface="Arial"/>
-        <a:font script="Hebr" typeface="Arial"/>
-        <a:font script="Thai" typeface="Cordia New"/>
-        <a:font script="Ethi" typeface="Nyala"/>
-        <a:font script="Beng" typeface="Vrinda"/>
-        <a:font script="Gujr" typeface="Shruti"/>
-        <a:font script="Khmr" typeface="DaunPenh"/>
-        <a:font script="Knda" typeface="Tunga"/>
-        <a:font script="Guru" typeface="Raavi"/>
-        <a:font script="Cans" typeface="Euphemia"/>
-        <a:font script="Cher" typeface="Plantagenet Cherokee"/>
-        <a:font script="Yiii" typeface="Microsoft Yi Baiti"/>
-        <a:font script="Tibt" typeface="Microsoft Himalaya"/>
-        <a:font script="Thaa" typeface="MV Boli"/>
-        <a:font script="Deva" typeface="Mangal"/>
-        <a:font script="Telu" typeface="Gautami"/>
-        <a:font script="Taml" typeface="Latha"/>
-        <a:font script="Syrc" typeface="Estrangelo Edessa"/>
-        <a:font script="Orya" typeface="Kalinga"/>
-        <a:font script="Mlym" typeface="Kartika"/>
-        <a:font script="Laoo" typeface="DokChampa"/>
-        <a:font script="Sinh" typeface="Iskoola Pota"/>
-        <a:font script="Mong" typeface="Mongolian Baiti"/>
-        <a:font script="Viet" typeface="Arial"/>
-        <a:font script="Uigh" typeface="Microsoft Uighur"/>
-        <a:font script="Geor" typeface="Sylfaen"/>
-      </a:minorFont>
-    </a:fontScheme>
-    <a:fmtScheme name="Office">
-      <a:fillStyleLst>
-        <a:solidFill>
-          <a:schemeClr val="phClr"/>
-        </a:solidFill>
-        <a:gradFill rotWithShape="1">
-          <a:gsLst>
-            <a:gs pos="0">
-              <a:schemeClr val="phClr">
-                <a:tint val="50000"/>
-                <a:satMod val="300000"/>
-              </a:schemeClr>
-            </a:gs>
-            <a:gs pos="35000">
-              <a:schemeClr val="phClr">
-                <a:tint val="37000"/>
-                <a:satMod val="300000"/>
-              </a:schemeClr>
-            </a:gs>
-            <a:gs pos="100000">
-              <a:schemeClr val="phClr">
-                <a:tint val="15000"/>
-                <a:satMod val="350000"/>
-              </a:schemeClr>
-            </a:gs>
-          </a:gsLst>
-          <a:lin ang="16200000" scaled="1"/>
-        </a:gradFill>
-        <a:gradFill rotWithShape="1">
-          <a:gsLst>
-            <a:gs pos="0">
-              <a:schemeClr val="phClr">
-                <a:tint val="100000"/>
-                <a:shade val="100000"/>
-                <a:satMod val="130000"/>
-              </a:schemeClr>
-            </a:gs>
-            <a:gs pos="100000">
-              <a:schemeClr val="phClr">
-                <a:tint val="50000"/>
-                <a:shade val="100000"/>
-                <a:satMod val="350000"/>
-              </a:schemeClr>
-            </a:gs>
-          </a:gsLst>
-          <a:lin ang="16200000" scaled="0"/>
-        </a:gradFill>
-      </a:fillStyleLst>
-      <a:lnStyleLst>
-        <a:ln w="9525" cap="flat" cmpd="sng" algn="ctr">
-          <a:solidFill>
-            <a:schemeClr val="phClr">
-              <a:shade val="95000"/>
-              <a:satMod val="105000"/>
-            </a:schemeClr>
-          </a:solidFill>
-          <a:prstDash val="solid"/>
-        </a:ln>
-        <a:ln w="25400" cap="flat" cmpd="sng" algn="ctr">
-          <a:solidFill>
-            <a:schemeClr val="phClr"/>
-          </a:solidFill>
-          <a:prstDash val="solid"/>
-        </a:ln>
-        <a:ln w="38100" cap="flat" cmpd="sng" algn="ctr">
-          <a:solidFill>
-            <a:schemeClr val="phClr"/>
-          </a:solidFill>
-          <a:prstDash val="solid"/>
-        </a:ln>
-      </a:lnStyleLst>
-      <a:effectStyleLst>
-        <a:effectStyle>
-          <a:effectLst>
-            <a:outerShdw blurRad="40000" dist="20000" dir="5400000" rotWithShape="0">
-              <a:srgbClr val="000000">
-                <a:alpha val="38000"/>
-              </a:srgbClr>
-            </a:outerShdw>
-          </a:effectLst>
-        </a:effectStyle>
-        <a:effectStyle>
-          <a:effectLst>
-            <a:outerShdw blurRad="40000" dist="23000" dir="5400000" rotWithShape="0">
-              <a:srgbClr val="000000">
-                <a:alpha val="35000"/>
-              </a:srgbClr>
-            </a:outerShdw>
-          </a:effectLst>
-        </a:effectStyle>
-        <a:effectStyle>
-          <a:effectLst>
-            <a:outerShdw blurRad="40000" dist="23000" dir="5400000" rotWithShape="0">
-              <a:srgbClr val="000000">
-                <a:alpha val="35000"/>
-              </a:srgbClr>
-            </a:outerShdw>
-          </a:effectLst>
-          <a:scene3d>
-            <a:camera prst="orthographicFront">
-              <a:rot lat="0" lon="0" rev="0"/>
-            </a:camera>
-            <a:lightRig rig="threePt" dir="t">
-              <a:rot lat="0" lon="0" rev="1200000"/>
-            </a:lightRig>
-          </a:scene3d>
-          <a:sp3d>
-            <a:bevelT w="63500" h="25400"/>
-          </a:sp3d>
-        </a:effectStyle>
-      </a:effectStyleLst>
-      <a:bgFillStyleLst>
-        <a:solidFill>
-          <a:schemeClr val="phClr"/>
-        </a:solidFill>
-        <a:gradFill rotWithShape="1">
-          <a:gsLst>
-            <a:gs pos="0">
-              <a:schemeClr val="phClr">
-                <a:tint val="40000"/>
-                <a:satMod val="350000"/>
-              </a:schemeClr>
-            </a:gs>
-            <a:gs pos="40000">
-              <a:schemeClr val="phClr">
-                <a:tint val="45000"/>
-                <a:shade val="99000"/>
-                <a:satMod val="350000"/>
-              </a:schemeClr>
-            </a:gs>
-            <a:gs pos="100000">
-              <a:schemeClr val="phClr">
-                <a:shade val="20000"/>
-                <a:satMod val="255000"/>
-              </a:schemeClr>
-            </a:gs>
-          </a:gsLst>
-          <a:path path="circle">
-            <a:fillToRect l="50000" t="-80000" r="50000" b="180000"/>
-          </a:path>
-        </a:gradFill>
-        <a:gradFill rotWithShape="1">
-          <a:gsLst>
-            <a:gs pos="0">
-              <a:schemeClr val="phClr">
-                <a:tint val="80000"/>
-                <a:satMod val="300000"/>
-              </a:schemeClr>
-            </a:gs>
-            <a:gs pos="100000">
-              <a:schemeClr val="phClr">
-                <a:shade val="30000"/>
-                <a:satMod val="200000"/>
-              </a:schemeClr>
-            </a:gs>
-          </a:gsLst>
-          <a:path path="circle">
-            <a:fillToRect l="50000" t="50000" r="50000" b="50000"/>
-          </a:path>
-        </a:gradFill>
-      </a:bgFillStyleLst>
-    </a:fmtScheme>
-  </a:themeElements>
-</a:theme>
 </file>
--- a/Apresentacao/D8 Imobiliaria.pptx
+++ b/Apresentacao/D8 Imobiliaria.pptx
@@ -819,7 +819,7 @@
   <p:cSld>
     <p:spTree>
       <p:nvGrpSpPr>
-        <p:cNvPr id="132" name="Shape 132"/>
+        <p:cNvPr id="133" name="Shape 133"/>
         <p:cNvGrpSpPr/>
         <p:nvPr/>
       </p:nvGrpSpPr>
@@ -833,7 +833,7 @@
       </p:grpSpPr>
       <p:sp>
         <p:nvSpPr>
-          <p:cNvPr id="133" name="Google Shape;133;gb6f0e566a1_0_29:notes"/>
+          <p:cNvPr id="134" name="Google Shape;134;gb6f0e566a1_0_29:notes"/>
           <p:cNvSpPr/>
           <p:nvPr>
             <p:ph idx="2" type="sldImg"/>
@@ -868,7 +868,7 @@
       </p:sp>
       <p:sp>
         <p:nvSpPr>
-          <p:cNvPr id="134" name="Google Shape;134;gb6f0e566a1_0_29:notes"/>
+          <p:cNvPr id="135" name="Google Shape;135;gb6f0e566a1_0_29:notes"/>
           <p:cNvSpPr txBox="1"/>
           <p:nvPr>
             <p:ph idx="1" type="body"/>
@@ -918,7 +918,7 @@
   <p:cSld>
     <p:spTree>
       <p:nvGrpSpPr>
-        <p:cNvPr id="138" name="Shape 138"/>
+        <p:cNvPr id="139" name="Shape 139"/>
         <p:cNvGrpSpPr/>
         <p:nvPr/>
       </p:nvGrpSpPr>
@@ -932,7 +932,7 @@
       </p:grpSpPr>
       <p:sp>
         <p:nvSpPr>
-          <p:cNvPr id="139" name="Google Shape;139;gb6f0e566a1_0_66:notes"/>
+          <p:cNvPr id="140" name="Google Shape;140;gb6f0e566a1_0_66:notes"/>
           <p:cNvSpPr/>
           <p:nvPr>
             <p:ph idx="2" type="sldImg"/>
@@ -967,7 +967,7 @@
       </p:sp>
       <p:sp>
         <p:nvSpPr>
-          <p:cNvPr id="140" name="Google Shape;140;gb6f0e566a1_0_66:notes"/>
+          <p:cNvPr id="141" name="Google Shape;141;gb6f0e566a1_0_66:notes"/>
           <p:cNvSpPr txBox="1"/>
           <p:nvPr>
             <p:ph idx="1" type="body"/>
@@ -1017,7 +1017,7 @@
   <p:cSld>
     <p:spTree>
       <p:nvGrpSpPr>
-        <p:cNvPr id="144" name="Shape 144"/>
+        <p:cNvPr id="145" name="Shape 145"/>
         <p:cNvGrpSpPr/>
         <p:nvPr/>
       </p:nvGrpSpPr>
@@ -1031,7 +1031,7 @@
       </p:grpSpPr>
       <p:sp>
         <p:nvSpPr>
-          <p:cNvPr id="145" name="Google Shape;145;gb6f0e566a1_0_75:notes"/>
+          <p:cNvPr id="146" name="Google Shape;146;gb6f0e566a1_0_75:notes"/>
           <p:cNvSpPr/>
           <p:nvPr>
             <p:ph idx="2" type="sldImg"/>
@@ -1066,7 +1066,7 @@
       </p:sp>
       <p:sp>
         <p:nvSpPr>
-          <p:cNvPr id="146" name="Google Shape;146;gb6f0e566a1_0_75:notes"/>
+          <p:cNvPr id="147" name="Google Shape;147;gb6f0e566a1_0_75:notes"/>
           <p:cNvSpPr txBox="1"/>
           <p:nvPr>
             <p:ph idx="1" type="body"/>
@@ -1116,7 +1116,7 @@
   <p:cSld>
     <p:spTree>
       <p:nvGrpSpPr>
-        <p:cNvPr id="150" name="Shape 150"/>
+        <p:cNvPr id="151" name="Shape 151"/>
         <p:cNvGrpSpPr/>
         <p:nvPr/>
       </p:nvGrpSpPr>
@@ -1130,7 +1130,7 @@
       </p:grpSpPr>
       <p:sp>
         <p:nvSpPr>
-          <p:cNvPr id="151" name="Google Shape;151;gb6f0e566a1_0_83:notes"/>
+          <p:cNvPr id="152" name="Google Shape;152;gb6f0e566a1_0_83:notes"/>
           <p:cNvSpPr/>
           <p:nvPr>
             <p:ph idx="2" type="sldImg"/>
@@ -1165,7 +1165,7 @@
       </p:sp>
       <p:sp>
         <p:nvSpPr>
-          <p:cNvPr id="152" name="Google Shape;152;gb6f0e566a1_0_83:notes"/>
+          <p:cNvPr id="153" name="Google Shape;153;gb6f0e566a1_0_83:notes"/>
           <p:cNvSpPr txBox="1"/>
           <p:nvPr>
             <p:ph idx="1" type="body"/>
@@ -1215,7 +1215,7 @@
   <p:cSld>
     <p:spTree>
       <p:nvGrpSpPr>
-        <p:cNvPr id="157" name="Shape 157"/>
+        <p:cNvPr id="158" name="Shape 158"/>
         <p:cNvGrpSpPr/>
         <p:nvPr/>
       </p:nvGrpSpPr>
@@ -1229,7 +1229,7 @@
       </p:grpSpPr>
       <p:sp>
         <p:nvSpPr>
-          <p:cNvPr id="158" name="Google Shape;158;gb6f0e566a1_0_90:notes"/>
+          <p:cNvPr id="159" name="Google Shape;159;gb6f0e566a1_0_90:notes"/>
           <p:cNvSpPr/>
           <p:nvPr>
             <p:ph idx="2" type="sldImg"/>
@@ -1264,7 +1264,7 @@
       </p:sp>
       <p:sp>
         <p:nvSpPr>
-          <p:cNvPr id="159" name="Google Shape;159;gb6f0e566a1_0_90:notes"/>
+          <p:cNvPr id="160" name="Google Shape;160;gb6f0e566a1_0_90:notes"/>
           <p:cNvSpPr txBox="1"/>
           <p:nvPr>
             <p:ph idx="1" type="body"/>
@@ -1314,7 +1314,7 @@
   <p:cSld>
     <p:spTree>
       <p:nvGrpSpPr>
-        <p:cNvPr id="164" name="Shape 164"/>
+        <p:cNvPr id="165" name="Shape 165"/>
         <p:cNvGrpSpPr/>
         <p:nvPr/>
       </p:nvGrpSpPr>
@@ -1328,7 +1328,7 @@
       </p:grpSpPr>
       <p:sp>
         <p:nvSpPr>
-          <p:cNvPr id="165" name="Google Shape;165;gb6f0e566a1_0_98:notes"/>
+          <p:cNvPr id="166" name="Google Shape;166;gb6f0e566a1_0_98:notes"/>
           <p:cNvSpPr/>
           <p:nvPr>
             <p:ph idx="2" type="sldImg"/>
@@ -1363,7 +1363,7 @@
       </p:sp>
       <p:sp>
         <p:nvSpPr>
-          <p:cNvPr id="166" name="Google Shape;166;gb6f0e566a1_0_98:notes"/>
+          <p:cNvPr id="167" name="Google Shape;167;gb6f0e566a1_0_98:notes"/>
           <p:cNvSpPr txBox="1"/>
           <p:nvPr>
             <p:ph idx="1" type="body"/>
@@ -1413,7 +1413,7 @@
   <p:cSld>
     <p:spTree>
       <p:nvGrpSpPr>
-        <p:cNvPr id="170" name="Shape 170"/>
+        <p:cNvPr id="171" name="Shape 171"/>
         <p:cNvGrpSpPr/>
         <p:nvPr/>
       </p:nvGrpSpPr>
@@ -1427,7 +1427,7 @@
       </p:grpSpPr>
       <p:sp>
         <p:nvSpPr>
-          <p:cNvPr id="171" name="Google Shape;171;gb6f0e566a1_0_105:notes"/>
+          <p:cNvPr id="172" name="Google Shape;172;gb6f0e566a1_0_105:notes"/>
           <p:cNvSpPr/>
           <p:nvPr>
             <p:ph idx="2" type="sldImg"/>
@@ -1462,7 +1462,7 @@
       </p:sp>
       <p:sp>
         <p:nvSpPr>
-          <p:cNvPr id="172" name="Google Shape;172;gb6f0e566a1_0_105:notes"/>
+          <p:cNvPr id="173" name="Google Shape;173;gb6f0e566a1_0_105:notes"/>
           <p:cNvSpPr txBox="1"/>
           <p:nvPr>
             <p:ph idx="1" type="body"/>
@@ -1512,7 +1512,7 @@
   <p:cSld>
     <p:spTree>
       <p:nvGrpSpPr>
-        <p:cNvPr id="60" name="Shape 60"/>
+        <p:cNvPr id="61" name="Shape 61"/>
         <p:cNvGrpSpPr/>
         <p:nvPr/>
       </p:nvGrpSpPr>
@@ -1526,7 +1526,7 @@
       </p:grpSpPr>
       <p:sp>
         <p:nvSpPr>
-          <p:cNvPr id="61" name="Google Shape;61;gb6f0e566a1_0_1:notes"/>
+          <p:cNvPr id="62" name="Google Shape;62;gb6f0e566a1_0_1:notes"/>
           <p:cNvSpPr/>
           <p:nvPr>
             <p:ph idx="2" type="sldImg"/>
@@ -1561,7 +1561,7 @@
       </p:sp>
       <p:sp>
         <p:nvSpPr>
-          <p:cNvPr id="62" name="Google Shape;62;gb6f0e566a1_0_1:notes"/>
+          <p:cNvPr id="63" name="Google Shape;63;gb6f0e566a1_0_1:notes"/>
           <p:cNvSpPr txBox="1"/>
           <p:nvPr>
             <p:ph idx="1" type="body"/>
@@ -1611,7 +1611,7 @@
   <p:cSld>
     <p:spTree>
       <p:nvGrpSpPr>
-        <p:cNvPr id="68" name="Shape 68"/>
+        <p:cNvPr id="69" name="Shape 69"/>
         <p:cNvGrpSpPr/>
         <p:nvPr/>
       </p:nvGrpSpPr>
@@ -1625,7 +1625,7 @@
       </p:grpSpPr>
       <p:sp>
         <p:nvSpPr>
-          <p:cNvPr id="69" name="Google Shape;69;gb6f0e566a1_0_46:notes"/>
+          <p:cNvPr id="70" name="Google Shape;70;gb6f0e566a1_0_46:notes"/>
           <p:cNvSpPr/>
           <p:nvPr>
             <p:ph idx="2" type="sldImg"/>
@@ -1660,7 +1660,7 @@
       </p:sp>
       <p:sp>
         <p:nvSpPr>
-          <p:cNvPr id="70" name="Google Shape;70;gb6f0e566a1_0_46:notes"/>
+          <p:cNvPr id="71" name="Google Shape;71;gb6f0e566a1_0_46:notes"/>
           <p:cNvSpPr txBox="1"/>
           <p:nvPr>
             <p:ph idx="1" type="body"/>
@@ -1710,7 +1710,7 @@
   <p:cSld>
     <p:spTree>
       <p:nvGrpSpPr>
-        <p:cNvPr id="86" name="Shape 86"/>
+        <p:cNvPr id="87" name="Shape 87"/>
         <p:cNvGrpSpPr/>
         <p:nvPr/>
       </p:nvGrpSpPr>
@@ -1724,7 +1724,7 @@
       </p:grpSpPr>
       <p:sp>
         <p:nvSpPr>
-          <p:cNvPr id="87" name="Google Shape;87;gb6f38d1cee_0_17:notes"/>
+          <p:cNvPr id="88" name="Google Shape;88;gb6f38d1cee_0_17:notes"/>
           <p:cNvSpPr/>
           <p:nvPr>
             <p:ph idx="2" type="sldImg"/>
@@ -1759,7 +1759,7 @@
       </p:sp>
       <p:sp>
         <p:nvSpPr>
-          <p:cNvPr id="88" name="Google Shape;88;gb6f38d1cee_0_17:notes"/>
+          <p:cNvPr id="89" name="Google Shape;89;gb6f38d1cee_0_17:notes"/>
           <p:cNvSpPr txBox="1"/>
           <p:nvPr>
             <p:ph idx="1" type="body"/>
@@ -1809,7 +1809,7 @@
   <p:cSld>
     <p:spTree>
       <p:nvGrpSpPr>
-        <p:cNvPr id="93" name="Shape 93"/>
+        <p:cNvPr id="94" name="Shape 94"/>
         <p:cNvGrpSpPr/>
         <p:nvPr/>
       </p:nvGrpSpPr>
@@ -1823,7 +1823,7 @@
       </p:grpSpPr>
       <p:sp>
         <p:nvSpPr>
-          <p:cNvPr id="94" name="Google Shape;94;gb6f38d1cee_0_25:notes"/>
+          <p:cNvPr id="95" name="Google Shape;95;gb6f38d1cee_0_25:notes"/>
           <p:cNvSpPr/>
           <p:nvPr>
             <p:ph idx="2" type="sldImg"/>
@@ -1858,7 +1858,7 @@
       </p:sp>
       <p:sp>
         <p:nvSpPr>
-          <p:cNvPr id="95" name="Google Shape;95;gb6f38d1cee_0_25:notes"/>
+          <p:cNvPr id="96" name="Google Shape;96;gb6f38d1cee_0_25:notes"/>
           <p:cNvSpPr txBox="1"/>
           <p:nvPr>
             <p:ph idx="1" type="body"/>
@@ -1908,7 +1908,7 @@
   <p:cSld>
     <p:spTree>
       <p:nvGrpSpPr>
-        <p:cNvPr id="100" name="Shape 100"/>
+        <p:cNvPr id="101" name="Shape 101"/>
         <p:cNvGrpSpPr/>
         <p:nvPr/>
       </p:nvGrpSpPr>
@@ -1922,7 +1922,7 @@
       </p:grpSpPr>
       <p:sp>
         <p:nvSpPr>
-          <p:cNvPr id="101" name="Google Shape;101;gb6f38d1cee_0_7:notes"/>
+          <p:cNvPr id="102" name="Google Shape;102;gb6f38d1cee_0_7:notes"/>
           <p:cNvSpPr/>
           <p:nvPr>
             <p:ph idx="2" type="sldImg"/>
@@ -1957,7 +1957,7 @@
       </p:sp>
       <p:sp>
         <p:nvSpPr>
-          <p:cNvPr id="102" name="Google Shape;102;gb6f38d1cee_0_7:notes"/>
+          <p:cNvPr id="103" name="Google Shape;103;gb6f38d1cee_0_7:notes"/>
           <p:cNvSpPr txBox="1"/>
           <p:nvPr>
             <p:ph idx="1" type="body"/>
@@ -2007,7 +2007,7 @@
   <p:cSld>
     <p:spTree>
       <p:nvGrpSpPr>
-        <p:cNvPr id="107" name="Shape 107"/>
+        <p:cNvPr id="108" name="Shape 108"/>
         <p:cNvGrpSpPr/>
         <p:nvPr/>
       </p:nvGrpSpPr>
@@ -2021,7 +2021,7 @@
       </p:grpSpPr>
       <p:sp>
         <p:nvSpPr>
-          <p:cNvPr id="108" name="Google Shape;108;gb6f0e566a1_0_122:notes"/>
+          <p:cNvPr id="109" name="Google Shape;109;gb6f0e566a1_0_122:notes"/>
           <p:cNvSpPr/>
           <p:nvPr>
             <p:ph idx="2" type="sldImg"/>
@@ -2056,7 +2056,7 @@
       </p:sp>
       <p:sp>
         <p:nvSpPr>
-          <p:cNvPr id="109" name="Google Shape;109;gb6f0e566a1_0_122:notes"/>
+          <p:cNvPr id="110" name="Google Shape;110;gb6f0e566a1_0_122:notes"/>
           <p:cNvSpPr txBox="1"/>
           <p:nvPr>
             <p:ph idx="1" type="body"/>
@@ -2106,7 +2106,7 @@
   <p:cSld>
     <p:spTree>
       <p:nvGrpSpPr>
-        <p:cNvPr id="114" name="Shape 114"/>
+        <p:cNvPr id="115" name="Shape 115"/>
         <p:cNvGrpSpPr/>
         <p:nvPr/>
       </p:nvGrpSpPr>
@@ -2120,7 +2120,7 @@
       </p:grpSpPr>
       <p:sp>
         <p:nvSpPr>
-          <p:cNvPr id="115" name="Google Shape;115;gb6f0e566a1_0_9:notes"/>
+          <p:cNvPr id="116" name="Google Shape;116;gb6f0e566a1_0_9:notes"/>
           <p:cNvSpPr/>
           <p:nvPr>
             <p:ph idx="2" type="sldImg"/>
@@ -2155,7 +2155,7 @@
       </p:sp>
       <p:sp>
         <p:nvSpPr>
-          <p:cNvPr id="116" name="Google Shape;116;gb6f0e566a1_0_9:notes"/>
+          <p:cNvPr id="117" name="Google Shape;117;gb6f0e566a1_0_9:notes"/>
           <p:cNvSpPr txBox="1"/>
           <p:nvPr>
             <p:ph idx="1" type="body"/>
@@ -2205,7 +2205,7 @@
   <p:cSld>
     <p:spTree>
       <p:nvGrpSpPr>
-        <p:cNvPr id="121" name="Shape 121"/>
+        <p:cNvPr id="122" name="Shape 122"/>
         <p:cNvGrpSpPr/>
         <p:nvPr/>
       </p:nvGrpSpPr>
@@ -2219,7 +2219,7 @@
       </p:grpSpPr>
       <p:sp>
         <p:nvSpPr>
-          <p:cNvPr id="122" name="Google Shape;122;gb6f0e566a1_0_22:notes"/>
+          <p:cNvPr id="123" name="Google Shape;123;gb6f0e566a1_0_22:notes"/>
           <p:cNvSpPr/>
           <p:nvPr>
             <p:ph idx="2" type="sldImg"/>
@@ -2254,7 +2254,7 @@
       </p:sp>
       <p:sp>
         <p:nvSpPr>
-          <p:cNvPr id="123" name="Google Shape;123;gb6f0e566a1_0_22:notes"/>
+          <p:cNvPr id="124" name="Google Shape;124;gb6f0e566a1_0_22:notes"/>
           <p:cNvSpPr txBox="1"/>
           <p:nvPr>
             <p:ph idx="1" type="body"/>
@@ -6973,6 +6973,49 @@
         </p:nvSpPr>
         <p:spPr>
           <a:xfrm>
+            <a:off x="270000" y="0"/>
+            <a:ext cx="8874000" cy="1517400"/>
+          </a:xfrm>
+          <a:prstGeom prst="rect">
+            <a:avLst/>
+          </a:prstGeom>
+          <a:solidFill>
+            <a:schemeClr val="lt2"/>
+          </a:solidFill>
+          <a:ln>
+            <a:noFill/>
+          </a:ln>
+        </p:spPr>
+        <p:txBody>
+          <a:bodyPr anchorCtr="0" anchor="ctr" bIns="91425" lIns="91425" spcFirstLastPara="1" rIns="91425" wrap="square" tIns="91425">
+            <a:noAutofit/>
+          </a:bodyPr>
+          <a:lstStyle/>
+          <a:p>
+            <a:pPr indent="0" lvl="0" marL="0" rtl="0" algn="l">
+              <a:spcBef>
+                <a:spcPts val="0"/>
+              </a:spcBef>
+              <a:spcAft>
+                <a:spcPts val="0"/>
+              </a:spcAft>
+              <a:buNone/>
+            </a:pPr>
+            <a:r>
+              <a:t/>
+            </a:r>
+            <a:endParaRPr/>
+          </a:p>
+        </p:txBody>
+      </p:sp>
+      <p:sp>
+        <p:nvSpPr>
+          <p:cNvPr id="55" name="Google Shape;55;p13"/>
+          <p:cNvSpPr/>
+          <p:nvPr/>
+        </p:nvSpPr>
+        <p:spPr>
+          <a:xfrm>
             <a:off x="0" y="0"/>
             <a:ext cx="725100" cy="5143500"/>
           </a:xfrm>
@@ -7016,7 +7059,7 @@
       </p:sp>
       <p:sp>
         <p:nvSpPr>
-          <p:cNvPr id="55" name="Google Shape;55;p13"/>
+          <p:cNvPr id="56" name="Google Shape;56;p13"/>
           <p:cNvSpPr txBox="1"/>
           <p:nvPr>
             <p:ph type="ctrTitle"/>
@@ -7024,7 +7067,7 @@
         </p:nvSpPr>
         <p:spPr>
           <a:xfrm>
-            <a:off x="781725" y="228300"/>
+            <a:off x="781725" y="-76200"/>
             <a:ext cx="8216100" cy="1629000"/>
           </a:xfrm>
           <a:prstGeom prst="rect">
@@ -7047,7 +7090,7 @@
               <a:buNone/>
             </a:pPr>
             <a:r>
-              <a:rPr lang="pt-PT" sz="4500">
+              <a:rPr lang="pt-PT" sz="4300">
                 <a:latin typeface="Oswald"/>
                 <a:ea typeface="Oswald"/>
                 <a:cs typeface="Oswald"/>
@@ -7055,7 +7098,7 @@
               </a:rPr>
               <a:t>Apresentação do projeto final de Base de Dados</a:t>
             </a:r>
-            <a:endParaRPr b="1" sz="4500">
+            <a:endParaRPr b="1" sz="4300">
               <a:latin typeface="Oswald"/>
               <a:ea typeface="Oswald"/>
               <a:cs typeface="Oswald"/>
@@ -7066,7 +7109,7 @@
       </p:sp>
       <p:sp>
         <p:nvSpPr>
-          <p:cNvPr id="56" name="Google Shape;56;p13"/>
+          <p:cNvPr id="57" name="Google Shape;57;p13"/>
           <p:cNvSpPr txBox="1"/>
           <p:nvPr>
             <p:ph idx="1" type="subTitle"/>
@@ -7118,13 +7161,13 @@
       </p:sp>
       <p:sp>
         <p:nvSpPr>
-          <p:cNvPr id="57" name="Google Shape;57;p13"/>
+          <p:cNvPr id="58" name="Google Shape;58;p13"/>
           <p:cNvSpPr txBox="1"/>
           <p:nvPr/>
         </p:nvSpPr>
         <p:spPr>
           <a:xfrm>
-            <a:off x="986250" y="4163125"/>
+            <a:off x="986250" y="4467925"/>
             <a:ext cx="7171500" cy="615600"/>
           </a:xfrm>
           <a:prstGeom prst="rect">
@@ -7209,7 +7252,7 @@
       </p:sp>
       <p:pic>
         <p:nvPicPr>
-          <p:cNvPr id="58" name="Google Shape;58;p13"/>
+          <p:cNvPr id="59" name="Google Shape;59;p13"/>
           <p:cNvPicPr preferRelativeResize="0"/>
           <p:nvPr/>
         </p:nvPicPr>
@@ -7223,8 +7266,8 @@
         </p:blipFill>
         <p:spPr>
           <a:xfrm>
-            <a:off x="5870175" y="2175575"/>
-            <a:ext cx="2475600" cy="2475600"/>
+            <a:off x="5800675" y="2075150"/>
+            <a:ext cx="2849300" cy="2849300"/>
           </a:xfrm>
           <a:prstGeom prst="rect">
             <a:avLst/>
@@ -7237,14 +7280,14 @@
       </p:pic>
       <p:sp>
         <p:nvSpPr>
-          <p:cNvPr id="59" name="Google Shape;59;p13"/>
+          <p:cNvPr id="60" name="Google Shape;60;p13"/>
           <p:cNvSpPr txBox="1"/>
           <p:nvPr/>
         </p:nvSpPr>
         <p:spPr>
           <a:xfrm>
-            <a:off x="3223050" y="2963200"/>
-            <a:ext cx="3008100" cy="600300"/>
+            <a:off x="3158633" y="2934745"/>
+            <a:ext cx="3462300" cy="600300"/>
           </a:xfrm>
           <a:prstGeom prst="rect">
             <a:avLst/>
@@ -7306,7 +7349,7 @@
   <p:cSld>
     <p:spTree>
       <p:nvGrpSpPr>
-        <p:cNvPr id="135" name="Shape 135"/>
+        <p:cNvPr id="136" name="Shape 136"/>
         <p:cNvGrpSpPr/>
         <p:nvPr/>
       </p:nvGrpSpPr>
@@ -7320,7 +7363,7 @@
       </p:grpSpPr>
       <p:sp>
         <p:nvSpPr>
-          <p:cNvPr id="136" name="Google Shape;136;p22"/>
+          <p:cNvPr id="137" name="Google Shape;137;p22"/>
           <p:cNvSpPr/>
           <p:nvPr/>
         </p:nvSpPr>
@@ -7369,7 +7412,7 @@
       </p:sp>
       <p:sp>
         <p:nvSpPr>
-          <p:cNvPr id="137" name="Google Shape;137;p22"/>
+          <p:cNvPr id="138" name="Google Shape;138;p22"/>
           <p:cNvSpPr txBox="1"/>
           <p:nvPr>
             <p:ph idx="1" type="subTitle"/>
@@ -7436,7 +7479,7 @@
   <p:cSld>
     <p:spTree>
       <p:nvGrpSpPr>
-        <p:cNvPr id="141" name="Shape 141"/>
+        <p:cNvPr id="142" name="Shape 142"/>
         <p:cNvGrpSpPr/>
         <p:nvPr/>
       </p:nvGrpSpPr>
@@ -7450,7 +7493,7 @@
       </p:grpSpPr>
       <p:sp>
         <p:nvSpPr>
-          <p:cNvPr id="142" name="Google Shape;142;p23"/>
+          <p:cNvPr id="143" name="Google Shape;143;p23"/>
           <p:cNvSpPr txBox="1"/>
           <p:nvPr>
             <p:ph idx="1" type="subTitle"/>
@@ -7506,7 +7549,7 @@
       </p:sp>
       <p:pic>
         <p:nvPicPr>
-          <p:cNvPr id="143" name="Google Shape;143;p23"/>
+          <p:cNvPr id="144" name="Google Shape;144;p23"/>
           <p:cNvPicPr preferRelativeResize="0"/>
           <p:nvPr/>
         </p:nvPicPr>
@@ -7520,8 +7563,8 @@
         </p:blipFill>
         <p:spPr>
           <a:xfrm>
-            <a:off x="1255126" y="1232225"/>
-            <a:ext cx="6633750" cy="3159226"/>
+            <a:off x="3507700" y="255300"/>
+            <a:ext cx="5240150" cy="4369856"/>
           </a:xfrm>
           <a:prstGeom prst="rect">
             <a:avLst/>
@@ -7545,7 +7588,7 @@
   <p:cSld>
     <p:spTree>
       <p:nvGrpSpPr>
-        <p:cNvPr id="147" name="Shape 147"/>
+        <p:cNvPr id="148" name="Shape 148"/>
         <p:cNvGrpSpPr/>
         <p:nvPr/>
       </p:nvGrpSpPr>
@@ -7559,7 +7602,7 @@
       </p:grpSpPr>
       <p:sp>
         <p:nvSpPr>
-          <p:cNvPr id="148" name="Google Shape;148;p24"/>
+          <p:cNvPr id="149" name="Google Shape;149;p24"/>
           <p:cNvSpPr txBox="1"/>
           <p:nvPr>
             <p:ph idx="1" type="subTitle"/>
@@ -7615,7 +7658,7 @@
       </p:sp>
       <p:pic>
         <p:nvPicPr>
-          <p:cNvPr id="149" name="Google Shape;149;p24"/>
+          <p:cNvPr id="150" name="Google Shape;150;p24"/>
           <p:cNvPicPr preferRelativeResize="0"/>
           <p:nvPr/>
         </p:nvPicPr>
@@ -7654,7 +7697,7 @@
   <p:cSld>
     <p:spTree>
       <p:nvGrpSpPr>
-        <p:cNvPr id="153" name="Shape 153"/>
+        <p:cNvPr id="154" name="Shape 154"/>
         <p:cNvGrpSpPr/>
         <p:nvPr/>
       </p:nvGrpSpPr>
@@ -7668,7 +7711,7 @@
       </p:grpSpPr>
       <p:sp>
         <p:nvSpPr>
-          <p:cNvPr id="154" name="Google Shape;154;p25"/>
+          <p:cNvPr id="155" name="Google Shape;155;p25"/>
           <p:cNvSpPr txBox="1"/>
           <p:nvPr>
             <p:ph idx="1" type="subTitle"/>
@@ -7724,7 +7767,7 @@
       </p:sp>
       <p:pic>
         <p:nvPicPr>
-          <p:cNvPr id="155" name="Google Shape;155;p25"/>
+          <p:cNvPr id="156" name="Google Shape;156;p25"/>
           <p:cNvPicPr preferRelativeResize="0"/>
           <p:nvPr/>
         </p:nvPicPr>
@@ -7752,7 +7795,7 @@
       </p:pic>
       <p:pic>
         <p:nvPicPr>
-          <p:cNvPr id="156" name="Google Shape;156;p25"/>
+          <p:cNvPr id="157" name="Google Shape;157;p25"/>
           <p:cNvPicPr preferRelativeResize="0"/>
           <p:nvPr/>
         </p:nvPicPr>
@@ -7791,7 +7834,7 @@
   <p:cSld>
     <p:spTree>
       <p:nvGrpSpPr>
-        <p:cNvPr id="160" name="Shape 160"/>
+        <p:cNvPr id="161" name="Shape 161"/>
         <p:cNvGrpSpPr/>
         <p:nvPr/>
       </p:nvGrpSpPr>
@@ -7805,7 +7848,7 @@
       </p:grpSpPr>
       <p:sp>
         <p:nvSpPr>
-          <p:cNvPr id="161" name="Google Shape;161;p26"/>
+          <p:cNvPr id="162" name="Google Shape;162;p26"/>
           <p:cNvSpPr txBox="1"/>
           <p:nvPr>
             <p:ph idx="1" type="subTitle"/>
@@ -7861,7 +7904,7 @@
       </p:sp>
       <p:pic>
         <p:nvPicPr>
-          <p:cNvPr id="162" name="Google Shape;162;p26"/>
+          <p:cNvPr id="163" name="Google Shape;163;p26"/>
           <p:cNvPicPr preferRelativeResize="0"/>
           <p:nvPr/>
         </p:nvPicPr>
@@ -7889,7 +7932,7 @@
       </p:pic>
       <p:pic>
         <p:nvPicPr>
-          <p:cNvPr id="163" name="Google Shape;163;p26"/>
+          <p:cNvPr id="164" name="Google Shape;164;p26"/>
           <p:cNvPicPr preferRelativeResize="0"/>
           <p:nvPr/>
         </p:nvPicPr>
@@ -7928,7 +7971,7 @@
   <p:cSld>
     <p:spTree>
       <p:nvGrpSpPr>
-        <p:cNvPr id="167" name="Shape 167"/>
+        <p:cNvPr id="168" name="Shape 168"/>
         <p:cNvGrpSpPr/>
         <p:nvPr/>
       </p:nvGrpSpPr>
@@ -7942,7 +7985,7 @@
       </p:grpSpPr>
       <p:sp>
         <p:nvSpPr>
-          <p:cNvPr id="168" name="Google Shape;168;p27"/>
+          <p:cNvPr id="169" name="Google Shape;169;p27"/>
           <p:cNvSpPr txBox="1"/>
           <p:nvPr>
             <p:ph idx="1" type="subTitle"/>
@@ -7998,7 +8041,7 @@
       </p:sp>
       <p:pic>
         <p:nvPicPr>
-          <p:cNvPr id="169" name="Google Shape;169;p27"/>
+          <p:cNvPr id="170" name="Google Shape;170;p27"/>
           <p:cNvPicPr preferRelativeResize="0"/>
           <p:nvPr/>
         </p:nvPicPr>
@@ -8037,7 +8080,7 @@
   <p:cSld>
     <p:spTree>
       <p:nvGrpSpPr>
-        <p:cNvPr id="173" name="Shape 173"/>
+        <p:cNvPr id="174" name="Shape 174"/>
         <p:cNvGrpSpPr/>
         <p:nvPr/>
       </p:nvGrpSpPr>
@@ -8051,7 +8094,7 @@
       </p:grpSpPr>
       <p:sp>
         <p:nvSpPr>
-          <p:cNvPr id="174" name="Google Shape;174;p28"/>
+          <p:cNvPr id="175" name="Google Shape;175;p28"/>
           <p:cNvSpPr txBox="1"/>
           <p:nvPr>
             <p:ph idx="1" type="subTitle"/>
@@ -8118,7 +8161,7 @@
   <p:cSld>
     <p:spTree>
       <p:nvGrpSpPr>
-        <p:cNvPr id="63" name="Shape 63"/>
+        <p:cNvPr id="64" name="Shape 64"/>
         <p:cNvGrpSpPr/>
         <p:nvPr/>
       </p:nvGrpSpPr>
@@ -8132,7 +8175,7 @@
       </p:grpSpPr>
       <p:sp>
         <p:nvSpPr>
-          <p:cNvPr id="64" name="Google Shape;64;p14"/>
+          <p:cNvPr id="65" name="Google Shape;65;p14"/>
           <p:cNvSpPr/>
           <p:nvPr/>
         </p:nvSpPr>
@@ -8181,7 +8224,7 @@
       </p:sp>
       <p:sp>
         <p:nvSpPr>
-          <p:cNvPr id="65" name="Google Shape;65;p14"/>
+          <p:cNvPr id="66" name="Google Shape;66;p14"/>
           <p:cNvSpPr txBox="1"/>
           <p:nvPr>
             <p:ph idx="1" type="subTitle"/>
@@ -8237,7 +8280,7 @@
       </p:sp>
       <p:sp>
         <p:nvSpPr>
-          <p:cNvPr id="66" name="Google Shape;66;p14"/>
+          <p:cNvPr id="67" name="Google Shape;67;p14"/>
           <p:cNvSpPr txBox="1"/>
           <p:nvPr/>
         </p:nvSpPr>
@@ -8425,7 +8468,7 @@
       </p:sp>
       <p:sp>
         <p:nvSpPr>
-          <p:cNvPr id="67" name="Google Shape;67;p14"/>
+          <p:cNvPr id="68" name="Google Shape;68;p14"/>
           <p:cNvSpPr txBox="1"/>
           <p:nvPr/>
         </p:nvSpPr>
@@ -8570,7 +8613,7 @@
   <p:cSld>
     <p:spTree>
       <p:nvGrpSpPr>
-        <p:cNvPr id="71" name="Shape 71"/>
+        <p:cNvPr id="72" name="Shape 72"/>
         <p:cNvGrpSpPr/>
         <p:nvPr/>
       </p:nvGrpSpPr>
@@ -8584,13 +8627,13 @@
       </p:grpSpPr>
       <p:sp>
         <p:nvSpPr>
-          <p:cNvPr id="72" name="Google Shape;72;p15"/>
+          <p:cNvPr id="73" name="Google Shape;73;p15"/>
           <p:cNvSpPr/>
           <p:nvPr/>
         </p:nvSpPr>
         <p:spPr>
           <a:xfrm>
-            <a:off x="1058300" y="1578000"/>
+            <a:off x="1500350" y="1578025"/>
             <a:ext cx="1530900" cy="1530900"/>
           </a:xfrm>
           <a:prstGeom prst="ellipse">
@@ -8627,13 +8670,13 @@
       </p:sp>
       <p:sp>
         <p:nvSpPr>
-          <p:cNvPr id="73" name="Google Shape;73;p15"/>
+          <p:cNvPr id="74" name="Google Shape;74;p15"/>
           <p:cNvSpPr/>
           <p:nvPr/>
         </p:nvSpPr>
         <p:spPr>
           <a:xfrm>
-            <a:off x="3806538" y="1578000"/>
+            <a:off x="4248588" y="1578025"/>
             <a:ext cx="1530900" cy="1530900"/>
           </a:xfrm>
           <a:prstGeom prst="ellipse">
@@ -8670,13 +8713,13 @@
       </p:sp>
       <p:sp>
         <p:nvSpPr>
-          <p:cNvPr id="74" name="Google Shape;74;p15"/>
+          <p:cNvPr id="75" name="Google Shape;75;p15"/>
           <p:cNvSpPr/>
           <p:nvPr/>
         </p:nvSpPr>
         <p:spPr>
           <a:xfrm>
-            <a:off x="6554800" y="1578000"/>
+            <a:off x="6996850" y="1578025"/>
             <a:ext cx="1530900" cy="1530900"/>
           </a:xfrm>
           <a:prstGeom prst="ellipse">
@@ -8713,7 +8756,7 @@
       </p:sp>
       <p:sp>
         <p:nvSpPr>
-          <p:cNvPr id="75" name="Google Shape;75;p15"/>
+          <p:cNvPr id="76" name="Google Shape;76;p15"/>
           <p:cNvSpPr txBox="1"/>
           <p:nvPr>
             <p:ph idx="1" type="subTitle"/>
@@ -8769,13 +8812,13 @@
       </p:sp>
       <p:sp>
         <p:nvSpPr>
-          <p:cNvPr id="76" name="Google Shape;76;p15"/>
+          <p:cNvPr id="77" name="Google Shape;77;p15"/>
           <p:cNvSpPr/>
           <p:nvPr/>
         </p:nvSpPr>
         <p:spPr>
           <a:xfrm>
-            <a:off x="973025" y="1658575"/>
+            <a:off x="1415075" y="1658600"/>
             <a:ext cx="1530900" cy="1530900"/>
           </a:xfrm>
           <a:prstGeom prst="ellipse">
@@ -8812,13 +8855,13 @@
       </p:sp>
       <p:sp>
         <p:nvSpPr>
-          <p:cNvPr id="77" name="Google Shape;77;p15"/>
+          <p:cNvPr id="78" name="Google Shape;78;p15"/>
           <p:cNvSpPr/>
           <p:nvPr/>
         </p:nvSpPr>
         <p:spPr>
           <a:xfrm>
-            <a:off x="3806538" y="1658575"/>
+            <a:off x="4248588" y="1658600"/>
             <a:ext cx="1530900" cy="1530900"/>
           </a:xfrm>
           <a:prstGeom prst="ellipse">
@@ -8855,13 +8898,13 @@
       </p:sp>
       <p:sp>
         <p:nvSpPr>
-          <p:cNvPr id="78" name="Google Shape;78;p15"/>
+          <p:cNvPr id="79" name="Google Shape;79;p15"/>
           <p:cNvSpPr/>
           <p:nvPr/>
         </p:nvSpPr>
         <p:spPr>
           <a:xfrm>
-            <a:off x="6640075" y="1658575"/>
+            <a:off x="7082125" y="1658600"/>
             <a:ext cx="1530900" cy="1530900"/>
           </a:xfrm>
           <a:prstGeom prst="ellipse">
@@ -8898,7 +8941,7 @@
       </p:sp>
       <p:pic>
         <p:nvPicPr>
-          <p:cNvPr id="79" name="Google Shape;79;p15"/>
+          <p:cNvPr id="80" name="Google Shape;80;p15"/>
           <p:cNvPicPr preferRelativeResize="0"/>
           <p:nvPr/>
         </p:nvPicPr>
@@ -8912,7 +8955,7 @@
         </p:blipFill>
         <p:spPr>
           <a:xfrm>
-            <a:off x="1219250" y="1904800"/>
+            <a:off x="1661300" y="1904825"/>
             <a:ext cx="1038450" cy="1038450"/>
           </a:xfrm>
           <a:prstGeom prst="rect">
@@ -8926,13 +8969,13 @@
       </p:pic>
       <p:sp>
         <p:nvSpPr>
-          <p:cNvPr id="80" name="Google Shape;80;p15"/>
+          <p:cNvPr id="81" name="Google Shape;81;p15"/>
           <p:cNvSpPr txBox="1"/>
           <p:nvPr/>
         </p:nvSpPr>
         <p:spPr>
           <a:xfrm>
-            <a:off x="1002575" y="3263400"/>
+            <a:off x="1444625" y="3263425"/>
             <a:ext cx="1471800" cy="415500"/>
           </a:xfrm>
           <a:prstGeom prst="rect">
@@ -8976,7 +9019,7 @@
       </p:sp>
       <p:pic>
         <p:nvPicPr>
-          <p:cNvPr id="81" name="Google Shape;81;p15"/>
+          <p:cNvPr id="82" name="Google Shape;82;p15"/>
           <p:cNvPicPr preferRelativeResize="0"/>
           <p:nvPr/>
         </p:nvPicPr>
@@ -8990,7 +9033,7 @@
         </p:blipFill>
         <p:spPr>
           <a:xfrm>
-            <a:off x="4052775" y="1904800"/>
+            <a:off x="4494825" y="1904825"/>
             <a:ext cx="1038450" cy="1038450"/>
           </a:xfrm>
           <a:prstGeom prst="rect">
@@ -9004,13 +9047,13 @@
       </p:pic>
       <p:sp>
         <p:nvSpPr>
-          <p:cNvPr id="82" name="Google Shape;82;p15"/>
+          <p:cNvPr id="83" name="Google Shape;83;p15"/>
           <p:cNvSpPr txBox="1"/>
           <p:nvPr/>
         </p:nvSpPr>
         <p:spPr>
           <a:xfrm>
-            <a:off x="3453300" y="3263400"/>
+            <a:off x="3895350" y="3263425"/>
             <a:ext cx="2237400" cy="877200"/>
           </a:xfrm>
           <a:prstGeom prst="rect">
@@ -9054,7 +9097,7 @@
       </p:sp>
       <p:pic>
         <p:nvPicPr>
-          <p:cNvPr id="83" name="Google Shape;83;p15"/>
+          <p:cNvPr id="84" name="Google Shape;84;p15"/>
           <p:cNvPicPr preferRelativeResize="0"/>
           <p:nvPr/>
         </p:nvPicPr>
@@ -9068,7 +9111,7 @@
         </p:blipFill>
         <p:spPr>
           <a:xfrm>
-            <a:off x="6886300" y="1861800"/>
+            <a:off x="7328350" y="1861825"/>
             <a:ext cx="1038450" cy="1038450"/>
           </a:xfrm>
           <a:prstGeom prst="rect">
@@ -9082,13 +9125,13 @@
       </p:pic>
       <p:sp>
         <p:nvSpPr>
-          <p:cNvPr id="84" name="Google Shape;84;p15"/>
+          <p:cNvPr id="85" name="Google Shape;85;p15"/>
           <p:cNvSpPr txBox="1"/>
           <p:nvPr/>
         </p:nvSpPr>
         <p:spPr>
           <a:xfrm>
-            <a:off x="6604450" y="3263400"/>
+            <a:off x="7046500" y="3263425"/>
             <a:ext cx="1683300" cy="646500"/>
           </a:xfrm>
           <a:prstGeom prst="rect">
@@ -9140,7 +9183,7 @@
       </p:sp>
       <p:sp>
         <p:nvSpPr>
-          <p:cNvPr id="85" name="Google Shape;85;p15"/>
+          <p:cNvPr id="86" name="Google Shape;86;p15"/>
           <p:cNvSpPr/>
           <p:nvPr/>
         </p:nvSpPr>
@@ -9200,7 +9243,7 @@
   <p:cSld>
     <p:spTree>
       <p:nvGrpSpPr>
-        <p:cNvPr id="89" name="Shape 89"/>
+        <p:cNvPr id="90" name="Shape 90"/>
         <p:cNvGrpSpPr/>
         <p:nvPr/>
       </p:nvGrpSpPr>
@@ -9214,7 +9257,7 @@
       </p:grpSpPr>
       <p:sp>
         <p:nvSpPr>
-          <p:cNvPr id="90" name="Google Shape;90;p16"/>
+          <p:cNvPr id="91" name="Google Shape;91;p16"/>
           <p:cNvSpPr/>
           <p:nvPr/>
         </p:nvSpPr>
@@ -9263,7 +9306,7 @@
       </p:sp>
       <p:sp>
         <p:nvSpPr>
-          <p:cNvPr id="91" name="Google Shape;91;p16"/>
+          <p:cNvPr id="92" name="Google Shape;92;p16"/>
           <p:cNvSpPr txBox="1"/>
           <p:nvPr>
             <p:ph idx="1" type="subTitle"/>
@@ -9319,7 +9362,7 @@
       </p:sp>
       <p:pic>
         <p:nvPicPr>
-          <p:cNvPr id="92" name="Google Shape;92;p16"/>
+          <p:cNvPr id="93" name="Google Shape;93;p16"/>
           <p:cNvPicPr preferRelativeResize="0"/>
           <p:nvPr/>
         </p:nvPicPr>
@@ -9358,7 +9401,7 @@
   <p:cSld>
     <p:spTree>
       <p:nvGrpSpPr>
-        <p:cNvPr id="96" name="Shape 96"/>
+        <p:cNvPr id="97" name="Shape 97"/>
         <p:cNvGrpSpPr/>
         <p:nvPr/>
       </p:nvGrpSpPr>
@@ -9372,7 +9415,7 @@
       </p:grpSpPr>
       <p:pic>
         <p:nvPicPr>
-          <p:cNvPr id="97" name="Google Shape;97;p17"/>
+          <p:cNvPr id="98" name="Google Shape;98;p17"/>
           <p:cNvPicPr preferRelativeResize="0"/>
           <p:nvPr/>
         </p:nvPicPr>
@@ -9400,7 +9443,7 @@
       </p:pic>
       <p:sp>
         <p:nvSpPr>
-          <p:cNvPr id="98" name="Google Shape;98;p17"/>
+          <p:cNvPr id="99" name="Google Shape;99;p17"/>
           <p:cNvSpPr/>
           <p:nvPr/>
         </p:nvSpPr>
@@ -9449,7 +9492,7 @@
       </p:sp>
       <p:sp>
         <p:nvSpPr>
-          <p:cNvPr id="99" name="Google Shape;99;p17"/>
+          <p:cNvPr id="100" name="Google Shape;100;p17"/>
           <p:cNvSpPr txBox="1"/>
           <p:nvPr>
             <p:ph idx="1" type="subTitle"/>
@@ -9516,7 +9559,7 @@
   <p:cSld>
     <p:spTree>
       <p:nvGrpSpPr>
-        <p:cNvPr id="103" name="Shape 103"/>
+        <p:cNvPr id="104" name="Shape 104"/>
         <p:cNvGrpSpPr/>
         <p:nvPr/>
       </p:nvGrpSpPr>
@@ -9530,7 +9573,7 @@
       </p:grpSpPr>
       <p:sp>
         <p:nvSpPr>
-          <p:cNvPr id="104" name="Google Shape;104;p18"/>
+          <p:cNvPr id="105" name="Google Shape;105;p18"/>
           <p:cNvSpPr txBox="1"/>
           <p:nvPr>
             <p:ph idx="1" type="subTitle"/>
@@ -9586,7 +9629,7 @@
       </p:sp>
       <p:sp>
         <p:nvSpPr>
-          <p:cNvPr id="105" name="Google Shape;105;p18"/>
+          <p:cNvPr id="106" name="Google Shape;106;p18"/>
           <p:cNvSpPr/>
           <p:nvPr/>
         </p:nvSpPr>
@@ -9635,7 +9678,7 @@
       </p:sp>
       <p:pic>
         <p:nvPicPr>
-          <p:cNvPr id="106" name="Google Shape;106;p18"/>
+          <p:cNvPr id="107" name="Google Shape;107;p18"/>
           <p:cNvPicPr preferRelativeResize="0"/>
           <p:nvPr/>
         </p:nvPicPr>
@@ -9649,8 +9692,8 @@
         </p:blipFill>
         <p:spPr>
           <a:xfrm>
-            <a:off x="1801725" y="1074275"/>
-            <a:ext cx="6475027" cy="3764425"/>
+            <a:off x="1711325" y="1074275"/>
+            <a:ext cx="6445564" cy="3764426"/>
           </a:xfrm>
           <a:prstGeom prst="rect">
             <a:avLst/>
@@ -9674,7 +9717,7 @@
   <p:cSld>
     <p:spTree>
       <p:nvGrpSpPr>
-        <p:cNvPr id="110" name="Shape 110"/>
+        <p:cNvPr id="111" name="Shape 111"/>
         <p:cNvGrpSpPr/>
         <p:nvPr/>
       </p:nvGrpSpPr>
@@ -9688,7 +9731,7 @@
       </p:grpSpPr>
       <p:sp>
         <p:nvSpPr>
-          <p:cNvPr id="111" name="Google Shape;111;p19"/>
+          <p:cNvPr id="112" name="Google Shape;112;p19"/>
           <p:cNvSpPr/>
           <p:nvPr/>
         </p:nvSpPr>
@@ -9737,7 +9780,7 @@
       </p:sp>
       <p:sp>
         <p:nvSpPr>
-          <p:cNvPr id="112" name="Google Shape;112;p19"/>
+          <p:cNvPr id="113" name="Google Shape;113;p19"/>
           <p:cNvSpPr txBox="1"/>
           <p:nvPr>
             <p:ph idx="1" type="subTitle"/>
@@ -9793,7 +9836,7 @@
       </p:sp>
       <p:sp>
         <p:nvSpPr>
-          <p:cNvPr id="113" name="Google Shape;113;p19"/>
+          <p:cNvPr id="114" name="Google Shape;114;p19"/>
           <p:cNvSpPr txBox="1"/>
           <p:nvPr/>
         </p:nvSpPr>
@@ -9943,7 +9986,7 @@
   <p:cSld>
     <p:spTree>
       <p:nvGrpSpPr>
-        <p:cNvPr id="117" name="Shape 117"/>
+        <p:cNvPr id="118" name="Shape 118"/>
         <p:cNvGrpSpPr/>
         <p:nvPr/>
       </p:nvGrpSpPr>
@@ -9957,7 +10000,7 @@
       </p:grpSpPr>
       <p:pic>
         <p:nvPicPr>
-          <p:cNvPr id="118" name="Google Shape;118;p20"/>
+          <p:cNvPr id="119" name="Google Shape;119;p20"/>
           <p:cNvPicPr preferRelativeResize="0"/>
           <p:nvPr/>
         </p:nvPicPr>
@@ -9985,7 +10028,7 @@
       </p:pic>
       <p:sp>
         <p:nvSpPr>
-          <p:cNvPr id="119" name="Google Shape;119;p20"/>
+          <p:cNvPr id="120" name="Google Shape;120;p20"/>
           <p:cNvSpPr txBox="1"/>
           <p:nvPr>
             <p:ph idx="1" type="subTitle"/>
@@ -10041,7 +10084,7 @@
       </p:sp>
       <p:sp>
         <p:nvSpPr>
-          <p:cNvPr id="120" name="Google Shape;120;p20"/>
+          <p:cNvPr id="121" name="Google Shape;121;p20"/>
           <p:cNvSpPr/>
           <p:nvPr/>
         </p:nvSpPr>
@@ -10101,7 +10144,7 @@
   <p:cSld>
     <p:spTree>
       <p:nvGrpSpPr>
-        <p:cNvPr id="124" name="Shape 124"/>
+        <p:cNvPr id="125" name="Shape 125"/>
         <p:cNvGrpSpPr/>
         <p:nvPr/>
       </p:nvGrpSpPr>
@@ -10115,7 +10158,7 @@
       </p:grpSpPr>
       <p:sp>
         <p:nvSpPr>
-          <p:cNvPr id="125" name="Google Shape;125;p21"/>
+          <p:cNvPr id="126" name="Google Shape;126;p21"/>
           <p:cNvSpPr/>
           <p:nvPr/>
         </p:nvSpPr>
@@ -10162,34 +10205,6 @@
           </a:p>
         </p:txBody>
       </p:sp>
-      <p:pic>
-        <p:nvPicPr>
-          <p:cNvPr id="126" name="Google Shape;126;p21" title="Points scored"/>
-          <p:cNvPicPr preferRelativeResize="0"/>
-          <p:nvPr/>
-        </p:nvPicPr>
-        <p:blipFill>
-          <a:blip r:embed="rId3">
-            <a:alphaModFix/>
-          </a:blip>
-          <a:stretch>
-            <a:fillRect/>
-          </a:stretch>
-        </p:blipFill>
-        <p:spPr>
-          <a:xfrm>
-            <a:off x="877500" y="152400"/>
-            <a:ext cx="7825389" cy="4838699"/>
-          </a:xfrm>
-          <a:prstGeom prst="rect">
-            <a:avLst/>
-          </a:prstGeom>
-          <a:noFill/>
-          <a:ln>
-            <a:noFill/>
-          </a:ln>
-        </p:spPr>
-      </p:pic>
       <p:sp>
         <p:nvSpPr>
           <p:cNvPr id="127" name="Google Shape;127;p21"/>
@@ -10298,7 +10313,7 @@
         </p:nvSpPr>
         <p:spPr>
           <a:xfrm>
-            <a:off x="3501050" y="2571750"/>
+            <a:off x="3492400" y="2443175"/>
             <a:ext cx="549900" cy="538800"/>
           </a:xfrm>
           <a:prstGeom prst="rect">
@@ -10330,7 +10345,7 @@
                   <a:schemeClr val="lt1"/>
                 </a:solidFill>
               </a:rPr>
-              <a:t>12</a:t>
+              <a:t>6</a:t>
             </a:r>
             <a:endParaRPr b="1" sz="2300">
               <a:solidFill>
@@ -10377,7 +10392,7 @@
             <a:r>
               <a:rPr b="1" lang="pt-PT" sz="2300">
                 <a:solidFill>
-                  <a:schemeClr val="lt1"/>
+                  <a:schemeClr val="dk2"/>
                 </a:solidFill>
               </a:rPr>
               <a:t>2</a:t>
@@ -10385,14 +10400,14 @@
             <a:r>
               <a:rPr b="1" lang="pt-PT" sz="2300">
                 <a:solidFill>
-                  <a:schemeClr val="lt1"/>
+                  <a:schemeClr val="dk2"/>
                 </a:solidFill>
               </a:rPr>
               <a:t>8</a:t>
             </a:r>
             <a:endParaRPr b="1" sz="2300">
               <a:solidFill>
-                <a:schemeClr val="lt1"/>
+                <a:schemeClr val="dk2"/>
               </a:solidFill>
             </a:endParaRPr>
           </a:p>
@@ -10448,6 +10463,34 @@
           </a:p>
         </p:txBody>
       </p:sp>
+      <p:pic>
+        <p:nvPicPr>
+          <p:cNvPr id="132" name="Google Shape;132;p21" title="Points scored"/>
+          <p:cNvPicPr preferRelativeResize="0"/>
+          <p:nvPr/>
+        </p:nvPicPr>
+        <p:blipFill>
+          <a:blip r:embed="rId3">
+            <a:alphaModFix/>
+          </a:blip>
+          <a:stretch>
+            <a:fillRect/>
+          </a:stretch>
+        </p:blipFill>
+        <p:spPr>
+          <a:xfrm>
+            <a:off x="1059986" y="0"/>
+            <a:ext cx="8318328" cy="5143499"/>
+          </a:xfrm>
+          <a:prstGeom prst="rect">
+            <a:avLst/>
+          </a:prstGeom>
+          <a:noFill/>
+          <a:ln>
+            <a:noFill/>
+          </a:ln>
+        </p:spPr>
+      </p:pic>
     </p:spTree>
   </p:cSld>
   <p:clrMapOvr>
@@ -10457,6 +10500,285 @@
 </file>
 
 <file path=ppt/theme/theme1.xml><?xml version="1.0" encoding="utf-8"?>
+<a:theme xmlns:a="http://schemas.openxmlformats.org/drawingml/2006/main" xmlns:r="http://schemas.openxmlformats.org/officeDocument/2006/relationships">
+  <a:themeElements>
+    <a:clrScheme name="Default">
+      <a:dk1>
+        <a:srgbClr val="000000"/>
+      </a:dk1>
+      <a:lt1>
+        <a:srgbClr val="FFFFFF"/>
+      </a:lt1>
+      <a:dk2>
+        <a:srgbClr val="158158"/>
+      </a:dk2>
+      <a:lt2>
+        <a:srgbClr val="F3F3F3"/>
+      </a:lt2>
+      <a:accent1>
+        <a:srgbClr val="058DC7"/>
+      </a:accent1>
+      <a:accent2>
+        <a:srgbClr val="50B432"/>
+      </a:accent2>
+      <a:accent3>
+        <a:srgbClr val="ED561B"/>
+      </a:accent3>
+      <a:accent4>
+        <a:srgbClr val="EDEF00"/>
+      </a:accent4>
+      <a:accent5>
+        <a:srgbClr val="24CBE5"/>
+      </a:accent5>
+      <a:accent6>
+        <a:srgbClr val="64E572"/>
+      </a:accent6>
+      <a:hlink>
+        <a:srgbClr val="2200CC"/>
+      </a:hlink>
+      <a:folHlink>
+        <a:srgbClr val="551A8B"/>
+      </a:folHlink>
+    </a:clrScheme>
+    <a:fontScheme name="Office">
+      <a:majorFont>
+        <a:latin typeface="Arial"/>
+        <a:ea typeface=""/>
+        <a:cs typeface=""/>
+        <a:font script="Jpan" typeface="ＭＳ Ｐゴシック"/>
+        <a:font script="Hang" typeface="맑은 고딕"/>
+        <a:font script="Hans" typeface="宋体"/>
+        <a:font script="Hant" typeface="新細明體"/>
+        <a:font script="Arab" typeface="Times New Roman"/>
+        <a:font script="Hebr" typeface="Times New Roman"/>
+        <a:font script="Thai" typeface="Angsana New"/>
+        <a:font script="Ethi" typeface="Nyala"/>
+        <a:font script="Beng" typeface="Vrinda"/>
+        <a:font script="Gujr" typeface="Shruti"/>
+        <a:font script="Khmr" typeface="MoolBoran"/>
+        <a:font script="Knda" typeface="Tunga"/>
+        <a:font script="Guru" typeface="Raavi"/>
+        <a:font script="Cans" typeface="Euphemia"/>
+        <a:font script="Cher" typeface="Plantagenet Cherokee"/>
+        <a:font script="Yiii" typeface="Microsoft Yi Baiti"/>
+        <a:font script="Tibt" typeface="Microsoft Himalaya"/>
+        <a:font script="Thaa" typeface="MV Boli"/>
+        <a:font script="Deva" typeface="Mangal"/>
+        <a:font script="Telu" typeface="Gautami"/>
+        <a:font script="Taml" typeface="Latha"/>
+        <a:font script="Syrc" typeface="Estrangelo Edessa"/>
+        <a:font script="Orya" typeface="Kalinga"/>
+        <a:font script="Mlym" typeface="Kartika"/>
+        <a:font script="Laoo" typeface="DokChampa"/>
+        <a:font script="Sinh" typeface="Iskoola Pota"/>
+        <a:font script="Mong" typeface="Mongolian Baiti"/>
+        <a:font script="Viet" typeface="Times New Roman"/>
+        <a:font script="Uigh" typeface="Microsoft Uighur"/>
+        <a:font script="Geor" typeface="Sylfaen"/>
+      </a:majorFont>
+      <a:minorFont>
+        <a:latin typeface="Arial"/>
+        <a:ea typeface=""/>
+        <a:cs typeface=""/>
+        <a:font script="Jpan" typeface="ＭＳ Ｐゴシック"/>
+        <a:font script="Hang" typeface="맑은 고딕"/>
+        <a:font script="Hans" typeface="宋体"/>
+        <a:font script="Hant" typeface="新細明體"/>
+        <a:font script="Arab" typeface="Arial"/>
+        <a:font script="Hebr" typeface="Arial"/>
+        <a:font script="Thai" typeface="Cordia New"/>
+        <a:font script="Ethi" typeface="Nyala"/>
+        <a:font script="Beng" typeface="Vrinda"/>
+        <a:font script="Gujr" typeface="Shruti"/>
+        <a:font script="Khmr" typeface="DaunPenh"/>
+        <a:font script="Knda" typeface="Tunga"/>
+        <a:font script="Guru" typeface="Raavi"/>
+        <a:font script="Cans" typeface="Euphemia"/>
+        <a:font script="Cher" typeface="Plantagenet Cherokee"/>
+        <a:font script="Yiii" typeface="Microsoft Yi Baiti"/>
+        <a:font script="Tibt" typeface="Microsoft Himalaya"/>
+        <a:font script="Thaa" typeface="MV Boli"/>
+        <a:font script="Deva" typeface="Mangal"/>
+        <a:font script="Telu" typeface="Gautami"/>
+        <a:font script="Taml" typeface="Latha"/>
+        <a:font script="Syrc" typeface="Estrangelo Edessa"/>
+        <a:font script="Orya" typeface="Kalinga"/>
+        <a:font script="Mlym" typeface="Kartika"/>
+        <a:font script="Laoo" typeface="DokChampa"/>
+        <a:font script="Sinh" typeface="Iskoola Pota"/>
+        <a:font script="Mong" typeface="Mongolian Baiti"/>
+        <a:font script="Viet" typeface="Arial"/>
+        <a:font script="Uigh" typeface="Microsoft Uighur"/>
+        <a:font script="Geor" typeface="Sylfaen"/>
+      </a:minorFont>
+    </a:fontScheme>
+    <a:fmtScheme name="Office">
+      <a:fillStyleLst>
+        <a:solidFill>
+          <a:schemeClr val="phClr"/>
+        </a:solidFill>
+        <a:gradFill rotWithShape="1">
+          <a:gsLst>
+            <a:gs pos="0">
+              <a:schemeClr val="phClr">
+                <a:tint val="50000"/>
+                <a:satMod val="300000"/>
+              </a:schemeClr>
+            </a:gs>
+            <a:gs pos="35000">
+              <a:schemeClr val="phClr">
+                <a:tint val="37000"/>
+                <a:satMod val="300000"/>
+              </a:schemeClr>
+            </a:gs>
+            <a:gs pos="100000">
+              <a:schemeClr val="phClr">
+                <a:tint val="15000"/>
+                <a:satMod val="350000"/>
+              </a:schemeClr>
+            </a:gs>
+          </a:gsLst>
+          <a:lin ang="16200000" scaled="1"/>
+        </a:gradFill>
+        <a:gradFill rotWithShape="1">
+          <a:gsLst>
+            <a:gs pos="0">
+              <a:schemeClr val="phClr">
+                <a:tint val="100000"/>
+                <a:shade val="100000"/>
+                <a:satMod val="130000"/>
+              </a:schemeClr>
+            </a:gs>
+            <a:gs pos="100000">
+              <a:schemeClr val="phClr">
+                <a:tint val="50000"/>
+                <a:shade val="100000"/>
+                <a:satMod val="350000"/>
+              </a:schemeClr>
+            </a:gs>
+          </a:gsLst>
+          <a:lin ang="16200000" scaled="0"/>
+        </a:gradFill>
+      </a:fillStyleLst>
+      <a:lnStyleLst>
+        <a:ln w="9525" cap="flat" cmpd="sng" algn="ctr">
+          <a:solidFill>
+            <a:schemeClr val="phClr">
+              <a:shade val="95000"/>
+              <a:satMod val="105000"/>
+            </a:schemeClr>
+          </a:solidFill>
+          <a:prstDash val="solid"/>
+        </a:ln>
+        <a:ln w="25400" cap="flat" cmpd="sng" algn="ctr">
+          <a:solidFill>
+            <a:schemeClr val="phClr"/>
+          </a:solidFill>
+          <a:prstDash val="solid"/>
+        </a:ln>
+        <a:ln w="38100" cap="flat" cmpd="sng" algn="ctr">
+          <a:solidFill>
+            <a:schemeClr val="phClr"/>
+          </a:solidFill>
+          <a:prstDash val="solid"/>
+        </a:ln>
+      </a:lnStyleLst>
+      <a:effectStyleLst>
+        <a:effectStyle>
+          <a:effectLst>
+            <a:outerShdw blurRad="40000" dist="20000" dir="5400000" rotWithShape="0">
+              <a:srgbClr val="000000">
+                <a:alpha val="38000"/>
+              </a:srgbClr>
+            </a:outerShdw>
+          </a:effectLst>
+        </a:effectStyle>
+        <a:effectStyle>
+          <a:effectLst>
+            <a:outerShdw blurRad="40000" dist="23000" dir="5400000" rotWithShape="0">
+              <a:srgbClr val="000000">
+                <a:alpha val="35000"/>
+              </a:srgbClr>
+            </a:outerShdw>
+          </a:effectLst>
+        </a:effectStyle>
+        <a:effectStyle>
+          <a:effectLst>
+            <a:outerShdw blurRad="40000" dist="23000" dir="5400000" rotWithShape="0">
+              <a:srgbClr val="000000">
+                <a:alpha val="35000"/>
+              </a:srgbClr>
+            </a:outerShdw>
+          </a:effectLst>
+          <a:scene3d>
+            <a:camera prst="orthographicFront">
+              <a:rot lat="0" lon="0" rev="0"/>
+            </a:camera>
+            <a:lightRig rig="threePt" dir="t">
+              <a:rot lat="0" lon="0" rev="1200000"/>
+            </a:lightRig>
+          </a:scene3d>
+          <a:sp3d>
+            <a:bevelT w="63500" h="25400"/>
+          </a:sp3d>
+        </a:effectStyle>
+      </a:effectStyleLst>
+      <a:bgFillStyleLst>
+        <a:solidFill>
+          <a:schemeClr val="phClr"/>
+        </a:solidFill>
+        <a:gradFill rotWithShape="1">
+          <a:gsLst>
+            <a:gs pos="0">
+              <a:schemeClr val="phClr">
+                <a:tint val="40000"/>
+                <a:satMod val="350000"/>
+              </a:schemeClr>
+            </a:gs>
+            <a:gs pos="40000">
+              <a:schemeClr val="phClr">
+                <a:tint val="45000"/>
+                <a:shade val="99000"/>
+                <a:satMod val="350000"/>
+              </a:schemeClr>
+            </a:gs>
+            <a:gs pos="100000">
+              <a:schemeClr val="phClr">
+                <a:shade val="20000"/>
+                <a:satMod val="255000"/>
+              </a:schemeClr>
+            </a:gs>
+          </a:gsLst>
+          <a:path path="circle">
+            <a:fillToRect l="50000" t="-80000" r="50000" b="180000"/>
+          </a:path>
+        </a:gradFill>
+        <a:gradFill rotWithShape="1">
+          <a:gsLst>
+            <a:gs pos="0">
+              <a:schemeClr val="phClr">
+                <a:tint val="80000"/>
+                <a:satMod val="300000"/>
+              </a:schemeClr>
+            </a:gs>
+            <a:gs pos="100000">
+              <a:schemeClr val="phClr">
+                <a:shade val="30000"/>
+                <a:satMod val="200000"/>
+              </a:schemeClr>
+            </a:gs>
+          </a:gsLst>
+          <a:path path="circle">
+            <a:fillToRect l="50000" t="50000" r="50000" b="50000"/>
+          </a:path>
+        </a:gradFill>
+      </a:bgFillStyleLst>
+    </a:fmtScheme>
+  </a:themeElements>
+</a:theme>
+</file>
+
+<file path=ppt/theme/theme2.xml><?xml version="1.0" encoding="utf-8"?>
 <a:theme xmlns:a="http://schemas.openxmlformats.org/drawingml/2006/main" xmlns:r="http://schemas.openxmlformats.org/officeDocument/2006/relationships" name="Simple Light">
   <a:themeElements>
     <a:clrScheme name="Simple Light">
@@ -10733,283 +11055,4 @@
     </a:fmtScheme>
   </a:themeElements>
 </a:theme>
-</file>
-
-<file path=ppt/theme/theme2.xml><?xml version="1.0" encoding="utf-8"?>
-<a:theme xmlns:a="http://schemas.openxmlformats.org/drawingml/2006/main" xmlns:r="http://schemas.openxmlformats.org/officeDocument/2006/relationships">
-  <a:themeElements>
-    <a:clrScheme name="Default">
-      <a:dk1>
-        <a:srgbClr val="000000"/>
-      </a:dk1>
-      <a:lt1>
-        <a:srgbClr val="FFFFFF"/>
-      </a:lt1>
-      <a:dk2>
-        <a:srgbClr val="158158"/>
-      </a:dk2>
-      <a:lt2>
-        <a:srgbClr val="F3F3F3"/>
-      </a:lt2>
-      <a:accent1>
-        <a:srgbClr val="058DC7"/>
-      </a:accent1>
-      <a:accent2>
-        <a:srgbClr val="50B432"/>
-      </a:accent2>
-      <a:accent3>
-        <a:srgbClr val="ED561B"/>
-      </a:accent3>
-      <a:accent4>
-        <a:srgbClr val="EDEF00"/>
-      </a:accent4>
-      <a:accent5>
-        <a:srgbClr val="24CBE5"/>
-      </a:accent5>
-      <a:accent6>
-        <a:srgbClr val="64E572"/>
-      </a:accent6>
-      <a:hlink>
-        <a:srgbClr val="2200CC"/>
-      </a:hlink>
-      <a:folHlink>
-        <a:srgbClr val="551A8B"/>
-      </a:folHlink>
-    </a:clrScheme>
-    <a:fontScheme name="Office">
-      <a:majorFont>
-        <a:latin typeface="Arial"/>
-        <a:ea typeface=""/>
-        <a:cs typeface=""/>
-        <a:font script="Jpan" typeface="ＭＳ Ｐゴシック"/>
-        <a:font script="Hang" typeface="맑은 고딕"/>
-        <a:font script="Hans" typeface="宋体"/>
-        <a:font script="Hant" typeface="新細明體"/>
-        <a:font script="Arab" typeface="Times New Roman"/>
-        <a:font script="Hebr" typeface="Times New Roman"/>
-        <a:font script="Thai" typeface="Angsana New"/>
-        <a:font script="Ethi" typeface="Nyala"/>
-        <a:font script="Beng" typeface="Vrinda"/>
-        <a:font script="Gujr" typeface="Shruti"/>
-        <a:font script="Khmr" typeface="MoolBoran"/>
-        <a:font script="Knda" typeface="Tunga"/>
-        <a:font script="Guru" typeface="Raavi"/>
-        <a:font script="Cans" typeface="Euphemia"/>
-        <a:font script="Cher" typeface="Plantagenet Cherokee"/>
-        <a:font script="Yiii" typeface="Microsoft Yi Baiti"/>
-        <a:font script="Tibt" typeface="Microsoft Himalaya"/>
-        <a:font script="Thaa" typeface="MV Boli"/>
-        <a:font script="Deva" typeface="Mangal"/>
-        <a:font script="Telu" typeface="Gautami"/>
-        <a:font script="Taml" typeface="Latha"/>
-        <a:font script="Syrc" typeface="Estrangelo Edessa"/>
-        <a:font script="Orya" typeface="Kalinga"/>
-        <a:font script="Mlym" typeface="Kartika"/>
-        <a:font script="Laoo" typeface="DokChampa"/>
-        <a:font script="Sinh" typeface="Iskoola Pota"/>
-        <a:font script="Mong" typeface="Mongolian Baiti"/>
-        <a:font script="Viet" typeface="Times New Roman"/>
-        <a:font script="Uigh" typeface="Microsoft Uighur"/>
-        <a:font script="Geor" typeface="Sylfaen"/>
-      </a:majorFont>
-      <a:minorFont>
-        <a:latin typeface="Arial"/>
-        <a:ea typeface=""/>
-        <a:cs typeface=""/>
-        <a:font script="Jpan" typeface="ＭＳ Ｐゴシック"/>
-        <a:font script="Hang" typeface="맑은 고딕"/>
-        <a:font script="Hans" typeface="宋体"/>
-        <a:font script="Hant" typeface="新細明體"/>
-        <a:font script="Arab" typeface="Arial"/>
-        <a:font script="Hebr" typeface="Arial"/>
-        <a:font script="Thai" typeface="Cordia New"/>
-        <a:font script="Ethi" typeface="Nyala"/>
-        <a:font script="Beng" typeface="Vrinda"/>
-        <a:font script="Gujr" typeface="Shruti"/>
-        <a:font script="Khmr" typeface="DaunPenh"/>
-        <a:font script="Knda" typeface="Tunga"/>
-        <a:font script="Guru" typeface="Raavi"/>
-        <a:font script="Cans" typeface="Euphemia"/>
-        <a:font script="Cher" typeface="Plantagenet Cherokee"/>
-        <a:font script="Yiii" typeface="Microsoft Yi Baiti"/>
-        <a:font script="Tibt" typeface="Microsoft Himalaya"/>
-        <a:font script="Thaa" typeface="MV Boli"/>
-        <a:font script="Deva" typeface="Mangal"/>
-        <a:font script="Telu" typeface="Gautami"/>
-        <a:font script="Taml" typeface="Latha"/>
-        <a:font script="Syrc" typeface="Estrangelo Edessa"/>
-        <a:font script="Orya" typeface="Kalinga"/>
-        <a:font script="Mlym" typeface="Kartika"/>
-        <a:font script="Laoo" typeface="DokChampa"/>
-        <a:font script="Sinh" typeface="Iskoola Pota"/>
-        <a:font script="Mong" typeface="Mongolian Baiti"/>
-        <a:font script="Viet" typeface="Arial"/>
-        <a:font script="Uigh" typeface="Microsoft Uighur"/>
-        <a:font script="Geor" typeface="Sylfaen"/>
-      </a:minorFont>
-    </a:fontScheme>
-    <a:fmtScheme name="Office">
-      <a:fillStyleLst>
-        <a:solidFill>
-          <a:schemeClr val="phClr"/>
-        </a:solidFill>
-        <a:gradFill rotWithShape="1">
-          <a:gsLst>
-            <a:gs pos="0">
-              <a:schemeClr val="phClr">
-                <a:tint val="50000"/>
-                <a:satMod val="300000"/>
-              </a:schemeClr>
-            </a:gs>
-            <a:gs pos="35000">
-              <a:schemeClr val="phClr">
-                <a:tint val="37000"/>
-                <a:satMod val="300000"/>
-              </a:schemeClr>
-            </a:gs>
-            <a:gs pos="100000">
-              <a:schemeClr val="phClr">
-                <a:tint val="15000"/>
-                <a:satMod val="350000"/>
-              </a:schemeClr>
-            </a:gs>
-          </a:gsLst>
-          <a:lin ang="16200000" scaled="1"/>
-        </a:gradFill>
-        <a:gradFill rotWithShape="1">
-          <a:gsLst>
-            <a:gs pos="0">
-              <a:schemeClr val="phClr">
-                <a:tint val="100000"/>
-                <a:shade val="100000"/>
-                <a:satMod val="130000"/>
-              </a:schemeClr>
-            </a:gs>
-            <a:gs pos="100000">
-              <a:schemeClr val="phClr">
-                <a:tint val="50000"/>
-                <a:shade val="100000"/>
-                <a:satMod val="350000"/>
-              </a:schemeClr>
-            </a:gs>
-          </a:gsLst>
-          <a:lin ang="16200000" scaled="0"/>
-        </a:gradFill>
-      </a:fillStyleLst>
-      <a:lnStyleLst>
-        <a:ln w="9525" cap="flat" cmpd="sng" algn="ctr">
-          <a:solidFill>
-            <a:schemeClr val="phClr">
-              <a:shade val="95000"/>
-              <a:satMod val="105000"/>
-            </a:schemeClr>
-          </a:solidFill>
-          <a:prstDash val="solid"/>
-        </a:ln>
-        <a:ln w="25400" cap="flat" cmpd="sng" algn="ctr">
-          <a:solidFill>
-            <a:schemeClr val="phClr"/>
-          </a:solidFill>
-          <a:prstDash val="solid"/>
-        </a:ln>
-        <a:ln w="38100" cap="flat" cmpd="sng" algn="ctr">
-          <a:solidFill>
-            <a:schemeClr val="phClr"/>
-          </a:solidFill>
-          <a:prstDash val="solid"/>
-        </a:ln>
-      </a:lnStyleLst>
-      <a:effectStyleLst>
-        <a:effectStyle>
-          <a:effectLst>
-            <a:outerShdw blurRad="40000" dist="20000" dir="5400000" rotWithShape="0">
-              <a:srgbClr val="000000">
-                <a:alpha val="38000"/>
-              </a:srgbClr>
-            </a:outerShdw>
-          </a:effectLst>
-        </a:effectStyle>
-        <a:effectStyle>
-          <a:effectLst>
-            <a:outerShdw blurRad="40000" dist="23000" dir="5400000" rotWithShape="0">
-              <a:srgbClr val="000000">
-                <a:alpha val="35000"/>
-              </a:srgbClr>
-            </a:outerShdw>
-          </a:effectLst>
-        </a:effectStyle>
-        <a:effectStyle>
-          <a:effectLst>
-            <a:outerShdw blurRad="40000" dist="23000" dir="5400000" rotWithShape="0">
-              <a:srgbClr val="000000">
-                <a:alpha val="35000"/>
-              </a:srgbClr>
-            </a:outerShdw>
-          </a:effectLst>
-          <a:scene3d>
-            <a:camera prst="orthographicFront">
-              <a:rot lat="0" lon="0" rev="0"/>
-            </a:camera>
-            <a:lightRig rig="threePt" dir="t">
-              <a:rot lat="0" lon="0" rev="1200000"/>
-            </a:lightRig>
-          </a:scene3d>
-          <a:sp3d>
-            <a:bevelT w="63500" h="25400"/>
-          </a:sp3d>
-        </a:effectStyle>
-      </a:effectStyleLst>
-      <a:bgFillStyleLst>
-        <a:solidFill>
-          <a:schemeClr val="phClr"/>
-        </a:solidFill>
-        <a:gradFill rotWithShape="1">
-          <a:gsLst>
-            <a:gs pos="0">
-              <a:schemeClr val="phClr">
-                <a:tint val="40000"/>
-                <a:satMod val="350000"/>
-              </a:schemeClr>
-            </a:gs>
-            <a:gs pos="40000">
-              <a:schemeClr val="phClr">
-                <a:tint val="45000"/>
-                <a:shade val="99000"/>
-                <a:satMod val="350000"/>
-              </a:schemeClr>
-            </a:gs>
-            <a:gs pos="100000">
-              <a:schemeClr val="phClr">
-                <a:shade val="20000"/>
-                <a:satMod val="255000"/>
-              </a:schemeClr>
-            </a:gs>
-          </a:gsLst>
-          <a:path path="circle">
-            <a:fillToRect l="50000" t="-80000" r="50000" b="180000"/>
-          </a:path>
-        </a:gradFill>
-        <a:gradFill rotWithShape="1">
-          <a:gsLst>
-            <a:gs pos="0">
-              <a:schemeClr val="phClr">
-                <a:tint val="80000"/>
-                <a:satMod val="300000"/>
-              </a:schemeClr>
-            </a:gs>
-            <a:gs pos="100000">
-              <a:schemeClr val="phClr">
-                <a:shade val="30000"/>
-                <a:satMod val="200000"/>
-              </a:schemeClr>
-            </a:gs>
-          </a:gsLst>
-          <a:path path="circle">
-            <a:fillToRect l="50000" t="50000" r="50000" b="50000"/>
-          </a:path>
-        </a:gradFill>
-      </a:bgFillStyleLst>
-    </a:fmtScheme>
-  </a:themeElements>
-</a:theme>
 </file>